--- a/slides/08-28-Postulates.pptx
+++ b/slides/08-28-Postulates.pptx
@@ -3708,7 +3708,7 @@
       </p:grpSpPr>
       <p:sp>
         <p:nvSpPr>
-          <p:cNvPr id="178" name="8/24/2023"/>
+          <p:cNvPr id="178" name="8/28/2024"/>
           <p:cNvSpPr txBox="1"/>
           <p:nvPr>
             <p:ph type="title"/>
@@ -3725,7 +3725,7 @@
           <a:p>
             <a:pPr/>
             <a:r>
-              <a:t>8/24/2023</a:t>
+              <a:t>8/28/2024</a:t>
             </a:r>
           </a:p>
         </p:txBody>
@@ -8906,8 +8906,8 @@
       </p:par>
     </p:tnLst>
     <p:bldLst>
+      <p:bldP build="p" bldLvl="1" animBg="1" rev="0" advAuto="0" spid="250" grpId="1"/>
       <p:bldP build="whole" bldLvl="1" animBg="1" rev="0" advAuto="0" spid="256" grpId="2"/>
-      <p:bldP build="p" bldLvl="1" animBg="1" rev="0" advAuto="0" spid="250" grpId="1"/>
     </p:bldLst>
   </p:timing>
 </p:sld>
@@ -13745,8 +13745,8 @@
       </p:par>
     </p:tnLst>
     <p:bldLst>
+      <p:bldP build="whole" bldLvl="1" animBg="1" rev="0" advAuto="0" spid="277" grpId="2"/>
       <p:bldP build="p" bldLvl="5" animBg="1" rev="0" advAuto="0" spid="275" grpId="1"/>
-      <p:bldP build="whole" bldLvl="1" animBg="1" rev="0" advAuto="0" spid="277" grpId="2"/>
     </p:bldLst>
   </p:timing>
 </p:sld>

--- a/slides/08-28-Postulates.pptx
+++ b/slides/08-28-Postulates.pptx
@@ -3748,72 +3748,126 @@
           </a:prstGeom>
         </p:spPr>
         <p:txBody>
-          <a:bodyPr/>
+          <a:bodyPr numCol="2" spcCol="1155700"/>
           <a:lstStyle/>
           <a:p>
-            <a:pPr/>
+            <a:pPr marL="580319" indent="-580319" defTabSz="772239">
+              <a:defRPr sz="4700"/>
+            </a:pPr>
             <a:r>
               <a:t>Postulates of quantum mechanics</a:t>
             </a:r>
           </a:p>
           <a:p>
-            <a:pPr lvl="1"/>
+            <a:pPr lvl="1" marL="998149" indent="-580319" defTabSz="772239">
+              <a:defRPr sz="4700"/>
+            </a:pPr>
             <a:r>
               <a:t>States and wavefunctions</a:t>
             </a:r>
           </a:p>
           <a:p>
-            <a:pPr lvl="1"/>
+            <a:pPr lvl="1" marL="998149" indent="-580319" defTabSz="772239">
+              <a:defRPr sz="4700"/>
+            </a:pPr>
             <a:r>
               <a:t>Observables and representations</a:t>
             </a:r>
           </a:p>
           <a:p>
-            <a:pPr lvl="1"/>
+            <a:pPr lvl="1" marL="998149" indent="-580319" defTabSz="772239">
+              <a:defRPr sz="4700"/>
+            </a:pPr>
             <a:r>
               <a:t>The outcome of measurements</a:t>
             </a:r>
           </a:p>
           <a:p>
-            <a:pPr lvl="2"/>
+            <a:pPr lvl="2" marL="1415979" indent="-580319" defTabSz="772239">
+              <a:defRPr sz="4700"/>
+            </a:pPr>
             <a:r>
               <a:t>Eigenfunction expansions, including Fourier series</a:t>
             </a:r>
           </a:p>
           <a:p>
-            <a:pPr lvl="2"/>
+            <a:pPr lvl="2" marL="1415979" indent="-580319" defTabSz="772239">
+              <a:defRPr sz="4700"/>
+            </a:pPr>
             <a:r>
               <a:t>Collapse of wavefunctions and Schrödinger’s cat</a:t>
             </a:r>
           </a:p>
           <a:p>
-            <a:pPr lvl="1"/>
+            <a:pPr lvl="1" marL="998149" indent="-580319" defTabSz="772239">
+              <a:defRPr sz="4700"/>
+            </a:pPr>
             <a:r>
               <a:t>The Born interpretation: probabilities of particle positions</a:t>
             </a:r>
           </a:p>
           <a:p>
-            <a:pPr lvl="1"/>
+            <a:pPr lvl="1" marL="998149" indent="-580319" defTabSz="772239">
+              <a:defRPr sz="4700"/>
+            </a:pPr>
             <a:r>
               <a:t>The Schrödinger equation</a:t>
             </a:r>
           </a:p>
           <a:p>
-            <a:pPr lvl="2"/>
+            <a:pPr lvl="2" marL="1415979" indent="-580319" defTabSz="772239">
+              <a:defRPr sz="4700"/>
+            </a:pPr>
             <a:r>
               <a:t>The Hamiltonian operator</a:t>
             </a:r>
           </a:p>
           <a:p>
-            <a:pPr lvl="2"/>
+            <a:pPr lvl="2" marL="1415979" indent="-580319" defTabSz="772239">
+              <a:defRPr sz="4700"/>
+            </a:pPr>
             <a:r>
               <a:t>Time-independent form by separation of variables</a:t>
             </a:r>
           </a:p>
           <a:p>
-            <a:pPr lvl="2"/>
+            <a:pPr lvl="2" marL="1415979" indent="-580319" defTabSz="772239">
+              <a:defRPr sz="4700"/>
+            </a:pPr>
             <a:r>
               <a:t>Time dependence of the wavefunction</a:t>
+            </a:r>
+          </a:p>
+          <a:p>
+            <a:pPr lvl="1" marL="998149" indent="-580319" defTabSz="772239">
+              <a:defRPr sz="4700"/>
+            </a:pPr>
+            <a:r>
+              <a:t>This lecture is designed to help you achieve the following learning objectives</a:t>
+            </a:r>
+          </a:p>
+          <a:p>
+            <a:pPr lvl="2" marL="1415979" indent="-580319" defTabSz="772239">
+              <a:defRPr sz="4700"/>
+            </a:pPr>
+            <a:r>
+              <a:t>Recall and explain the postulates of quantum mechanics</a:t>
+            </a:r>
+          </a:p>
+          <a:p>
+            <a:pPr lvl="2" marL="1415979" indent="-580319" defTabSz="772239">
+              <a:defRPr sz="4700"/>
+            </a:pPr>
+            <a:r>
+              <a:t>Evaluate expectations for given wave functions</a:t>
+            </a:r>
+          </a:p>
+          <a:p>
+            <a:pPr lvl="2" marL="1415979" indent="-580319" defTabSz="772239">
+              <a:defRPr sz="4700"/>
+            </a:pPr>
+            <a:r>
+              <a:t>Express time derivatives of expectation values</a:t>
             </a:r>
           </a:p>
         </p:txBody>

--- a/slides/08-28-Postulates.pptx
+++ b/slides/08-28-Postulates.pptx
@@ -3751,123 +3751,87 @@
           <a:bodyPr numCol="2" spcCol="1155700"/>
           <a:lstStyle/>
           <a:p>
-            <a:pPr marL="580319" indent="-580319" defTabSz="772239">
-              <a:defRPr sz="4700"/>
-            </a:pPr>
+            <a:pPr/>
             <a:r>
               <a:t>Postulates of quantum mechanics</a:t>
             </a:r>
           </a:p>
           <a:p>
-            <a:pPr lvl="1" marL="998149" indent="-580319" defTabSz="772239">
-              <a:defRPr sz="4700"/>
-            </a:pPr>
+            <a:pPr lvl="1"/>
             <a:r>
               <a:t>States and wavefunctions</a:t>
             </a:r>
           </a:p>
           <a:p>
-            <a:pPr lvl="1" marL="998149" indent="-580319" defTabSz="772239">
-              <a:defRPr sz="4700"/>
-            </a:pPr>
+            <a:pPr lvl="1"/>
             <a:r>
               <a:t>Observables and representations</a:t>
             </a:r>
           </a:p>
           <a:p>
-            <a:pPr lvl="1" marL="998149" indent="-580319" defTabSz="772239">
-              <a:defRPr sz="4700"/>
-            </a:pPr>
+            <a:pPr lvl="1"/>
             <a:r>
               <a:t>The outcome of measurements</a:t>
             </a:r>
           </a:p>
           <a:p>
-            <a:pPr lvl="2" marL="1415979" indent="-580319" defTabSz="772239">
-              <a:defRPr sz="4700"/>
-            </a:pPr>
+            <a:pPr lvl="2"/>
             <a:r>
               <a:t>Eigenfunction expansions, including Fourier series</a:t>
             </a:r>
           </a:p>
           <a:p>
-            <a:pPr lvl="2" marL="1415979" indent="-580319" defTabSz="772239">
-              <a:defRPr sz="4700"/>
-            </a:pPr>
+            <a:pPr lvl="2"/>
             <a:r>
               <a:t>Collapse of wavefunctions and Schrödinger’s cat</a:t>
             </a:r>
           </a:p>
           <a:p>
-            <a:pPr lvl="1" marL="998149" indent="-580319" defTabSz="772239">
-              <a:defRPr sz="4700"/>
-            </a:pPr>
+            <a:pPr lvl="1"/>
             <a:r>
               <a:t>The Born interpretation: probabilities of particle positions</a:t>
             </a:r>
           </a:p>
           <a:p>
-            <a:pPr lvl="1" marL="998149" indent="-580319" defTabSz="772239">
-              <a:defRPr sz="4700"/>
-            </a:pPr>
+            <a:pPr lvl="1"/>
             <a:r>
               <a:t>The Schrödinger equation</a:t>
             </a:r>
           </a:p>
           <a:p>
-            <a:pPr lvl="2" marL="1415979" indent="-580319" defTabSz="772239">
-              <a:defRPr sz="4700"/>
-            </a:pPr>
+            <a:pPr lvl="2"/>
             <a:r>
               <a:t>The Hamiltonian operator</a:t>
             </a:r>
           </a:p>
           <a:p>
-            <a:pPr lvl="2" marL="1415979" indent="-580319" defTabSz="772239">
-              <a:defRPr sz="4700"/>
-            </a:pPr>
+            <a:pPr lvl="2"/>
             <a:r>
               <a:t>Time-independent form by separation of variables</a:t>
             </a:r>
           </a:p>
           <a:p>
-            <a:pPr lvl="2" marL="1415979" indent="-580319" defTabSz="772239">
-              <a:defRPr sz="4700"/>
-            </a:pPr>
+            <a:pPr lvl="2"/>
             <a:r>
               <a:t>Time dependence of the wavefunction</a:t>
             </a:r>
           </a:p>
           <a:p>
-            <a:pPr lvl="1" marL="998149" indent="-580319" defTabSz="772239">
-              <a:defRPr sz="4700"/>
-            </a:pPr>
+            <a:pPr lvl="1"/>
             <a:r>
               <a:t>This lecture is designed to help you achieve the following learning objectives</a:t>
             </a:r>
           </a:p>
           <a:p>
-            <a:pPr lvl="2" marL="1415979" indent="-580319" defTabSz="772239">
-              <a:defRPr sz="4700"/>
-            </a:pPr>
+            <a:pPr lvl="2"/>
             <a:r>
               <a:t>Recall and explain the postulates of quantum mechanics</a:t>
             </a:r>
           </a:p>
           <a:p>
-            <a:pPr lvl="2" marL="1415979" indent="-580319" defTabSz="772239">
-              <a:defRPr sz="4700"/>
-            </a:pPr>
+            <a:pPr lvl="2"/>
             <a:r>
               <a:t>Evaluate expectations for given wave functions</a:t>
-            </a:r>
-          </a:p>
-          <a:p>
-            <a:pPr lvl="2" marL="1415979" indent="-580319" defTabSz="772239">
-              <a:defRPr sz="4700"/>
-            </a:pPr>
-            <a:r>
-              <a:t>Express time derivatives of expectation values</a:t>
             </a:r>
           </a:p>
         </p:txBody>
@@ -13799,8 +13763,8 @@
       </p:par>
     </p:tnLst>
     <p:bldLst>
+      <p:bldP build="p" bldLvl="5" animBg="1" rev="0" advAuto="0" spid="275" grpId="1"/>
       <p:bldP build="whole" bldLvl="1" animBg="1" rev="0" advAuto="0" spid="277" grpId="2"/>
-      <p:bldP build="p" bldLvl="5" animBg="1" rev="0" advAuto="0" spid="275" grpId="1"/>
     </p:bldLst>
   </p:timing>
 </p:sld>

--- a/slides/08-28-Postulates.pptx
+++ b/slides/08-28-Postulates.pptx
@@ -4640,11 +4640,10 @@
           <a:bodyPr/>
           <a:lstStyle/>
           <a:p>
-            <a:pPr marL="567972" indent="-567972" defTabSz="755808">
+            <a:pPr>
               <a:spcBef>
-                <a:spcPts val="5400"/>
+                <a:spcPts val="5900"/>
               </a:spcBef>
-              <a:defRPr sz="4600"/>
             </a:pPr>
             <a:r>
               <a:t>Any function may be expressed as a linear combination of </a:t>
@@ -4664,7 +4663,7 @@
             <a14:m>
               <m:oMath>
                 <m:r>
-                  <a:rPr xmlns:a="http://schemas.openxmlformats.org/drawingml/2006/main" sz="5600" i="1">
+                  <a:rPr xmlns:a="http://schemas.openxmlformats.org/drawingml/2006/main" sz="6100" i="1">
                     <a:solidFill>
                       <a:srgbClr val="000000"/>
                     </a:solidFill>
@@ -4673,7 +4672,7 @@
                   <m:t>g</m:t>
                 </m:r>
                 <m:r>
-                  <a:rPr xmlns:a="http://schemas.openxmlformats.org/drawingml/2006/main" sz="5600" i="1">
+                  <a:rPr xmlns:a="http://schemas.openxmlformats.org/drawingml/2006/main" sz="6100" i="1">
                     <a:solidFill>
                       <a:srgbClr val="000000"/>
                     </a:solidFill>
@@ -4684,7 +4683,7 @@
                 <m:limLow>
                   <m:e>
                     <m:r>
-                      <a:rPr xmlns:a="http://schemas.openxmlformats.org/drawingml/2006/main" sz="5600" i="1">
+                      <a:rPr xmlns:a="http://schemas.openxmlformats.org/drawingml/2006/main" sz="6100" i="1">
                         <a:solidFill>
                           <a:srgbClr val="000000"/>
                         </a:solidFill>
@@ -4695,7 +4694,7 @@
                   </m:e>
                   <m:lim>
                     <m:r>
-                      <a:rPr xmlns:a="http://schemas.openxmlformats.org/drawingml/2006/main" sz="5600" i="1">
+                      <a:rPr xmlns:a="http://schemas.openxmlformats.org/drawingml/2006/main" sz="6100" i="1">
                         <a:solidFill>
                           <a:srgbClr val="000000"/>
                         </a:solidFill>
@@ -4708,7 +4707,7 @@
                 <m:sSub>
                   <m:e>
                     <m:r>
-                      <a:rPr xmlns:a="http://schemas.openxmlformats.org/drawingml/2006/main" sz="5600" i="1">
+                      <a:rPr xmlns:a="http://schemas.openxmlformats.org/drawingml/2006/main" sz="6100" i="1">
                         <a:solidFill>
                           <a:srgbClr val="000000"/>
                         </a:solidFill>
@@ -4719,7 +4718,7 @@
                   </m:e>
                   <m:sub>
                     <m:r>
-                      <a:rPr xmlns:a="http://schemas.openxmlformats.org/drawingml/2006/main" sz="5600" i="1">
+                      <a:rPr xmlns:a="http://schemas.openxmlformats.org/drawingml/2006/main" sz="6100" i="1">
                         <a:solidFill>
                           <a:srgbClr val="000000"/>
                         </a:solidFill>
@@ -4732,7 +4731,7 @@
                 <m:sSub>
                   <m:e>
                     <m:r>
-                      <a:rPr xmlns:a="http://schemas.openxmlformats.org/drawingml/2006/main" sz="5600" i="1">
+                      <a:rPr xmlns:a="http://schemas.openxmlformats.org/drawingml/2006/main" sz="6100" i="1">
                         <a:solidFill>
                           <a:srgbClr val="000000"/>
                         </a:solidFill>
@@ -4743,7 +4742,7 @@
                   </m:e>
                   <m:sub>
                     <m:r>
-                      <a:rPr xmlns:a="http://schemas.openxmlformats.org/drawingml/2006/main" sz="5600" i="1">
+                      <a:rPr xmlns:a="http://schemas.openxmlformats.org/drawingml/2006/main" sz="6100" i="1">
                         <a:solidFill>
                           <a:srgbClr val="000000"/>
                         </a:solidFill>
@@ -4760,11 +4759,10 @@
             </a:r>
           </a:p>
           <a:p>
-            <a:pPr marL="567972" indent="-567972" defTabSz="755808">
+            <a:pPr>
               <a:spcBef>
-                <a:spcPts val="5400"/>
+                <a:spcPts val="5900"/>
               </a:spcBef>
-              <a:defRPr sz="4600"/>
             </a:pPr>
             <a:r>
               <a:t>Consider the operator </a:t>
@@ -4777,7 +4775,7 @@
                       <m:rPr>
                         <m:sty m:val="b"/>
                       </m:rPr>
-                      <a:rPr xmlns:a="http://schemas.openxmlformats.org/drawingml/2006/main" sz="5600" i="1">
+                      <a:rPr xmlns:a="http://schemas.openxmlformats.org/drawingml/2006/main" sz="6100" i="1">
                         <a:solidFill>
                           <a:srgbClr val="000000"/>
                         </a:solidFill>
@@ -4788,7 +4786,7 @@
                   </m:e>
                   <m:lim>
                     <m:r>
-                      <a:rPr xmlns:a="http://schemas.openxmlformats.org/drawingml/2006/main" sz="5600" i="1">
+                      <a:rPr xmlns:a="http://schemas.openxmlformats.org/drawingml/2006/main" sz="6100" i="1">
                         <a:solidFill>
                           <a:srgbClr val="000000"/>
                         </a:solidFill>
@@ -4799,7 +4797,7 @@
                   </m:lim>
                 </m:limUpp>
                 <m:r>
-                  <a:rPr xmlns:a="http://schemas.openxmlformats.org/drawingml/2006/main" sz="5600" i="1">
+                  <a:rPr xmlns:a="http://schemas.openxmlformats.org/drawingml/2006/main" sz="6100" i="1">
                     <a:solidFill>
                       <a:srgbClr val="000000"/>
                     </a:solidFill>
@@ -4810,7 +4808,7 @@
                 <m:f>
                   <m:fPr>
                     <m:ctrlPr>
-                      <a:rPr xmlns:a="http://schemas.openxmlformats.org/drawingml/2006/main" sz="5600" i="1">
+                      <a:rPr xmlns:a="http://schemas.openxmlformats.org/drawingml/2006/main" sz="6100" i="1">
                         <a:solidFill>
                           <a:srgbClr val="000000"/>
                         </a:solidFill>
@@ -4823,7 +4821,7 @@
                     <m:sSup>
                       <m:e>
                         <m:r>
-                          <a:rPr xmlns:a="http://schemas.openxmlformats.org/drawingml/2006/main" sz="5600" i="1">
+                          <a:rPr xmlns:a="http://schemas.openxmlformats.org/drawingml/2006/main" sz="6100" i="1">
                             <a:solidFill>
                               <a:srgbClr val="000000"/>
                             </a:solidFill>
@@ -4834,7 +4832,7 @@
                       </m:e>
                       <m:sup>
                         <m:r>
-                          <a:rPr xmlns:a="http://schemas.openxmlformats.org/drawingml/2006/main" sz="5600" i="1">
+                          <a:rPr xmlns:a="http://schemas.openxmlformats.org/drawingml/2006/main" sz="6100" i="1">
                             <a:solidFill>
                               <a:srgbClr val="000000"/>
                             </a:solidFill>
@@ -4847,7 +4845,7 @@
                   </m:num>
                   <m:den>
                     <m:r>
-                      <a:rPr xmlns:a="http://schemas.openxmlformats.org/drawingml/2006/main" sz="5600" i="1">
+                      <a:rPr xmlns:a="http://schemas.openxmlformats.org/drawingml/2006/main" sz="6100" i="1">
                         <a:solidFill>
                           <a:srgbClr val="000000"/>
                         </a:solidFill>
@@ -4858,7 +4856,7 @@
                     <m:sSup>
                       <m:e>
                         <m:r>
-                          <a:rPr xmlns:a="http://schemas.openxmlformats.org/drawingml/2006/main" sz="5600" i="1">
+                          <a:rPr xmlns:a="http://schemas.openxmlformats.org/drawingml/2006/main" sz="6100" i="1">
                             <a:solidFill>
                               <a:srgbClr val="000000"/>
                             </a:solidFill>
@@ -4869,7 +4867,7 @@
                       </m:e>
                       <m:sup>
                         <m:r>
-                          <a:rPr xmlns:a="http://schemas.openxmlformats.org/drawingml/2006/main" sz="5600" i="1">
+                          <a:rPr xmlns:a="http://schemas.openxmlformats.org/drawingml/2006/main" sz="6100" i="1">
                             <a:solidFill>
                               <a:srgbClr val="000000"/>
                             </a:solidFill>
@@ -4886,294 +4884,6 @@
             <a:r>
               <a:t>. What are the eigenfunctions? Hint: we talked about one in the last class period.</a:t>
             </a:r>
-          </a:p>
-          <a:p>
-            <a:pPr lvl="1" marL="976912" indent="-567972" defTabSz="755808">
-              <a:spcBef>
-                <a:spcPts val="5400"/>
-              </a:spcBef>
-              <a:defRPr sz="4600">
-                <a:solidFill>
-                  <a:schemeClr val="accent1">
-                    <a:satOff val="-3355"/>
-                    <a:lumOff val="26614"/>
-                  </a:schemeClr>
-                </a:solidFill>
-              </a:defRPr>
-            </a:pPr>
-            <a14:m>
-              <m:oMath>
-                <m:r>
-                  <m:rPr>
-                    <m:sty m:val="p"/>
-                  </m:rPr>
-                  <a:rPr xmlns:a="http://schemas.openxmlformats.org/drawingml/2006/main" sz="5600" i="1">
-                    <a:solidFill>
-                      <a:srgbClr val="51A7F9"/>
-                    </a:solidFill>
-                    <a:latin typeface="Cambria Math" panose="02040503050406030204" pitchFamily="18" charset="0"/>
-                  </a:rPr>
-                  <m:t>sin</m:t>
-                </m:r>
-                <m:r>
-                  <a:rPr xmlns:a="http://schemas.openxmlformats.org/drawingml/2006/main" sz="5600" i="1">
-                    <a:solidFill>
-                      <a:srgbClr val="51A7F9"/>
-                    </a:solidFill>
-                    <a:latin typeface="Cambria Math" panose="02040503050406030204" pitchFamily="18" charset="0"/>
-                  </a:rPr>
-                  <m:t>(</m:t>
-                </m:r>
-                <m:r>
-                  <a:rPr xmlns:a="http://schemas.openxmlformats.org/drawingml/2006/main" sz="5600" i="1">
-                    <a:solidFill>
-                      <a:srgbClr val="51A7F9"/>
-                    </a:solidFill>
-                    <a:latin typeface="Cambria Math" panose="02040503050406030204" pitchFamily="18" charset="0"/>
-                  </a:rPr>
-                  <m:t>a</m:t>
-                </m:r>
-                <m:r>
-                  <a:rPr xmlns:a="http://schemas.openxmlformats.org/drawingml/2006/main" sz="5600" i="1">
-                    <a:solidFill>
-                      <a:srgbClr val="51A7F9"/>
-                    </a:solidFill>
-                    <a:latin typeface="Cambria Math" panose="02040503050406030204" pitchFamily="18" charset="0"/>
-                  </a:rPr>
-                  <m:t>x</m:t>
-                </m:r>
-                <m:r>
-                  <a:rPr xmlns:a="http://schemas.openxmlformats.org/drawingml/2006/main" sz="5600" i="1">
-                    <a:solidFill>
-                      <a:srgbClr val="51A7F9"/>
-                    </a:solidFill>
-                    <a:latin typeface="Cambria Math" panose="02040503050406030204" pitchFamily="18" charset="0"/>
-                  </a:rPr>
-                  <m:t>)</m:t>
-                </m:r>
-              </m:oMath>
-            </a14:m>
-            <a:r>
-              <a:t>, where </a:t>
-            </a:r>
-            <a14:m>
-              <m:oMath>
-                <m:r>
-                  <a:rPr xmlns:a="http://schemas.openxmlformats.org/drawingml/2006/main" sz="5600" i="1">
-                    <a:solidFill>
-                      <a:srgbClr val="51A7F9"/>
-                    </a:solidFill>
-                    <a:latin typeface="Cambria Math" panose="02040503050406030204" pitchFamily="18" charset="0"/>
-                  </a:rPr>
-                  <m:t>a</m:t>
-                </m:r>
-              </m:oMath>
-            </a14:m>
-            <a:r>
-              <a:t> is a positive integer. The eigenvalue is </a:t>
-            </a:r>
-            <a14:m>
-              <m:oMath>
-                <m:r>
-                  <a:rPr xmlns:a="http://schemas.openxmlformats.org/drawingml/2006/main" sz="5600" i="1">
-                    <a:solidFill>
-                      <a:srgbClr val="51A7F9"/>
-                    </a:solidFill>
-                    <a:latin typeface="Cambria Math" panose="02040503050406030204" pitchFamily="18" charset="0"/>
-                  </a:rPr>
-                  <m:t>-</m:t>
-                </m:r>
-                <m:sSup>
-                  <m:e>
-                    <m:r>
-                      <a:rPr xmlns:a="http://schemas.openxmlformats.org/drawingml/2006/main" sz="5600" i="1">
-                        <a:solidFill>
-                          <a:srgbClr val="51A7F9"/>
-                        </a:solidFill>
-                        <a:latin typeface="Cambria Math" panose="02040503050406030204" pitchFamily="18" charset="0"/>
-                      </a:rPr>
-                      <m:t>a</m:t>
-                    </m:r>
-                  </m:e>
-                  <m:sup>
-                    <m:r>
-                      <a:rPr xmlns:a="http://schemas.openxmlformats.org/drawingml/2006/main" sz="5600" i="1">
-                        <a:solidFill>
-                          <a:srgbClr val="51A7F9"/>
-                        </a:solidFill>
-                        <a:latin typeface="Cambria Math" panose="02040503050406030204" pitchFamily="18" charset="0"/>
-                      </a:rPr>
-                      <m:t>2</m:t>
-                    </m:r>
-                  </m:sup>
-                </m:sSup>
-              </m:oMath>
-            </a14:m>
-            <a:r>
-              <a:t>.</a:t>
-            </a:r>
-          </a:p>
-          <a:p>
-            <a:pPr lvl="1" marL="976912" indent="-567972" defTabSz="755808">
-              <a:spcBef>
-                <a:spcPts val="5400"/>
-              </a:spcBef>
-              <a:defRPr sz="4600">
-                <a:solidFill>
-                  <a:schemeClr val="accent1">
-                    <a:satOff val="-3355"/>
-                    <a:lumOff val="26614"/>
-                  </a:schemeClr>
-                </a:solidFill>
-              </a:defRPr>
-            </a:pPr>
-            <a14:m>
-              <m:oMath>
-                <m:r>
-                  <m:rPr>
-                    <m:sty m:val="p"/>
-                  </m:rPr>
-                  <a:rPr xmlns:a="http://schemas.openxmlformats.org/drawingml/2006/main" sz="5600" i="1">
-                    <a:solidFill>
-                      <a:srgbClr val="51A7F9"/>
-                    </a:solidFill>
-                    <a:latin typeface="Cambria Math" panose="02040503050406030204" pitchFamily="18" charset="0"/>
-                  </a:rPr>
-                  <m:t>cos</m:t>
-                </m:r>
-                <m:r>
-                  <a:rPr xmlns:a="http://schemas.openxmlformats.org/drawingml/2006/main" sz="5600" i="1">
-                    <a:solidFill>
-                      <a:srgbClr val="51A7F9"/>
-                    </a:solidFill>
-                    <a:latin typeface="Cambria Math" panose="02040503050406030204" pitchFamily="18" charset="0"/>
-                  </a:rPr>
-                  <m:t>(</m:t>
-                </m:r>
-                <m:r>
-                  <a:rPr xmlns:a="http://schemas.openxmlformats.org/drawingml/2006/main" sz="5600" i="1">
-                    <a:solidFill>
-                      <a:srgbClr val="51A7F9"/>
-                    </a:solidFill>
-                    <a:latin typeface="Cambria Math" panose="02040503050406030204" pitchFamily="18" charset="0"/>
-                  </a:rPr>
-                  <m:t>b</m:t>
-                </m:r>
-                <m:r>
-                  <a:rPr xmlns:a="http://schemas.openxmlformats.org/drawingml/2006/main" sz="5600" i="1">
-                    <a:solidFill>
-                      <a:srgbClr val="51A7F9"/>
-                    </a:solidFill>
-                    <a:latin typeface="Cambria Math" panose="02040503050406030204" pitchFamily="18" charset="0"/>
-                  </a:rPr>
-                  <m:t>x</m:t>
-                </m:r>
-                <m:r>
-                  <a:rPr xmlns:a="http://schemas.openxmlformats.org/drawingml/2006/main" sz="5600" i="1">
-                    <a:solidFill>
-                      <a:srgbClr val="51A7F9"/>
-                    </a:solidFill>
-                    <a:latin typeface="Cambria Math" panose="02040503050406030204" pitchFamily="18" charset="0"/>
-                  </a:rPr>
-                  <m:t>)</m:t>
-                </m:r>
-              </m:oMath>
-            </a14:m>
-            <a:r>
-              <a:t>, where </a:t>
-            </a:r>
-            <a14:m>
-              <m:oMath>
-                <m:r>
-                  <a:rPr xmlns:a="http://schemas.openxmlformats.org/drawingml/2006/main" sz="5600" i="1">
-                    <a:solidFill>
-                      <a:srgbClr val="51A7F9"/>
-                    </a:solidFill>
-                    <a:latin typeface="Cambria Math" panose="02040503050406030204" pitchFamily="18" charset="0"/>
-                  </a:rPr>
-                  <m:t>b</m:t>
-                </m:r>
-              </m:oMath>
-            </a14:m>
-            <a:r>
-              <a:t> is a positive integer. The eigenvalue is </a:t>
-            </a:r>
-            <a14:m>
-              <m:oMath>
-                <m:r>
-                  <a:rPr xmlns:a="http://schemas.openxmlformats.org/drawingml/2006/main" sz="5600" i="1">
-                    <a:solidFill>
-                      <a:srgbClr val="51A7F9"/>
-                    </a:solidFill>
-                    <a:latin typeface="Cambria Math" panose="02040503050406030204" pitchFamily="18" charset="0"/>
-                  </a:rPr>
-                  <m:t>-</m:t>
-                </m:r>
-                <m:sSup>
-                  <m:e>
-                    <m:r>
-                      <a:rPr xmlns:a="http://schemas.openxmlformats.org/drawingml/2006/main" sz="5600" i="1">
-                        <a:solidFill>
-                          <a:srgbClr val="51A7F9"/>
-                        </a:solidFill>
-                        <a:latin typeface="Cambria Math" panose="02040503050406030204" pitchFamily="18" charset="0"/>
-                      </a:rPr>
-                      <m:t>b</m:t>
-                    </m:r>
-                  </m:e>
-                  <m:sup>
-                    <m:r>
-                      <a:rPr xmlns:a="http://schemas.openxmlformats.org/drawingml/2006/main" sz="5600" i="1">
-                        <a:solidFill>
-                          <a:srgbClr val="51A7F9"/>
-                        </a:solidFill>
-                        <a:latin typeface="Cambria Math" panose="02040503050406030204" pitchFamily="18" charset="0"/>
-                      </a:rPr>
-                      <m:t>2</m:t>
-                    </m:r>
-                  </m:sup>
-                </m:sSup>
-              </m:oMath>
-            </a14:m>
-            <a:r>
-              <a:t>.</a:t>
-            </a:r>
-          </a:p>
-          <a:p>
-            <a:pPr lvl="1" marL="976912" indent="-567972" defTabSz="755808">
-              <a:spcBef>
-                <a:spcPts val="5400"/>
-              </a:spcBef>
-              <a:defRPr sz="4600">
-                <a:solidFill>
-                  <a:schemeClr val="accent1">
-                    <a:satOff val="-3355"/>
-                    <a:lumOff val="26614"/>
-                  </a:schemeClr>
-                </a:solidFill>
-              </a:defRPr>
-            </a:pPr>
-            <a14:m>
-              <m:oMath>
-                <m:r>
-                  <a:rPr xmlns:a="http://schemas.openxmlformats.org/drawingml/2006/main" sz="5600" i="1">
-                    <a:solidFill>
-                      <a:srgbClr val="51A7F9"/>
-                    </a:solidFill>
-                    <a:latin typeface="Cambria Math" panose="02040503050406030204" pitchFamily="18" charset="0"/>
-                  </a:rPr>
-                  <m:t>c</m:t>
-                </m:r>
-              </m:oMath>
-            </a14:m>
-            <a:r>
-              <a:t>, a number. The eigenvalue is 0.</a:t>
-            </a:r>
-            <a:endParaRPr sz="5000">
-              <a:solidFill>
-                <a:srgbClr val="51A7F9"/>
-              </a:solidFill>
-            </a:endParaRPr>
           </a:p>
         </p:txBody>
       </p:sp>
@@ -5322,132 +5032,6 @@
                                           <p:spTgt spid="225">
                                             <p:txEl>
                                               <p:pRg st="1" end="1"/>
-                                            </p:txEl>
-                                          </p:spTgt>
-                                        </p:tgtEl>
-                                        <p:attrNameLst>
-                                          <p:attrName>style.visibility</p:attrName>
-                                        </p:attrNameLst>
-                                      </p:cBhvr>
-                                      <p:to>
-                                        <p:strVal val="visible"/>
-                                      </p:to>
-                                    </p:set>
-                                  </p:childTnLst>
-                                </p:cTn>
-                              </p:par>
-                            </p:childTnLst>
-                          </p:cTn>
-                        </p:par>
-                      </p:childTnLst>
-                    </p:cTn>
-                  </p:par>
-                  <p:par>
-                    <p:cTn id="13" fill="hold">
-                      <p:stCondLst>
-                        <p:cond delay="indefinite"/>
-                      </p:stCondLst>
-                      <p:childTnLst>
-                        <p:par>
-                          <p:cTn id="14" fill="hold">
-                            <p:stCondLst>
-                              <p:cond delay="0"/>
-                            </p:stCondLst>
-                            <p:childTnLst>
-                              <p:par>
-                                <p:cTn id="15" presetClass="entr" nodeType="clickEffect" presetSubtype="0" presetID="1" grpId="1" fill="hold">
-                                  <p:stCondLst>
-                                    <p:cond delay="0"/>
-                                  </p:stCondLst>
-                                  <p:iterate type="el" backwards="0">
-                                    <p:tmAbs val="0"/>
-                                  </p:iterate>
-                                  <p:childTnLst>
-                                    <p:set>
-                                      <p:cBhvr>
-                                        <p:cTn id="16" fill="hold"/>
-                                        <p:tgtEl>
-                                          <p:spTgt spid="225">
-                                            <p:txEl>
-                                              <p:pRg st="2" end="2"/>
-                                            </p:txEl>
-                                          </p:spTgt>
-                                        </p:tgtEl>
-                                        <p:attrNameLst>
-                                          <p:attrName>style.visibility</p:attrName>
-                                        </p:attrNameLst>
-                                      </p:cBhvr>
-                                      <p:to>
-                                        <p:strVal val="visible"/>
-                                      </p:to>
-                                    </p:set>
-                                  </p:childTnLst>
-                                </p:cTn>
-                              </p:par>
-                            </p:childTnLst>
-                          </p:cTn>
-                        </p:par>
-                        <p:par>
-                          <p:cTn id="17" fill="hold">
-                            <p:stCondLst>
-                              <p:cond delay="0"/>
-                            </p:stCondLst>
-                            <p:childTnLst>
-                              <p:par>
-                                <p:cTn id="18" presetClass="entr" nodeType="afterEffect" presetSubtype="0" presetID="1" grpId="1" fill="hold">
-                                  <p:stCondLst>
-                                    <p:cond delay="0"/>
-                                  </p:stCondLst>
-                                  <p:iterate type="el" backwards="0">
-                                    <p:tmAbs val="0"/>
-                                  </p:iterate>
-                                  <p:childTnLst>
-                                    <p:set>
-                                      <p:cBhvr>
-                                        <p:cTn id="19" fill="hold"/>
-                                        <p:tgtEl>
-                                          <p:spTgt spid="225">
-                                            <p:txEl>
-                                              <p:pRg st="3" end="3"/>
-                                            </p:txEl>
-                                          </p:spTgt>
-                                        </p:tgtEl>
-                                        <p:attrNameLst>
-                                          <p:attrName>style.visibility</p:attrName>
-                                        </p:attrNameLst>
-                                      </p:cBhvr>
-                                      <p:to>
-                                        <p:strVal val="visible"/>
-                                      </p:to>
-                                    </p:set>
-                                  </p:childTnLst>
-                                </p:cTn>
-                              </p:par>
-                            </p:childTnLst>
-                          </p:cTn>
-                        </p:par>
-                        <p:par>
-                          <p:cTn id="20" fill="hold">
-                            <p:stCondLst>
-                              <p:cond delay="0"/>
-                            </p:stCondLst>
-                            <p:childTnLst>
-                              <p:par>
-                                <p:cTn id="21" presetClass="entr" nodeType="afterEffect" presetSubtype="0" presetID="1" grpId="1" fill="hold">
-                                  <p:stCondLst>
-                                    <p:cond delay="0"/>
-                                  </p:stCondLst>
-                                  <p:iterate type="el" backwards="0">
-                                    <p:tmAbs val="0"/>
-                                  </p:iterate>
-                                  <p:childTnLst>
-                                    <p:set>
-                                      <p:cBhvr>
-                                        <p:cTn id="22" fill="hold"/>
-                                        <p:tgtEl>
-                                          <p:spTgt spid="225">
-                                            <p:txEl>
-                                              <p:pRg st="4" end="4"/>
                                             </p:txEl>
                                           </p:spTgt>
                                         </p:tgtEl>
@@ -12309,9 +11893,7 @@
           <a:bodyPr/>
           <a:lstStyle/>
           <a:p>
-            <a:pPr marL="580319" indent="-580319" defTabSz="772239">
-              <a:defRPr sz="4700"/>
-            </a:pPr>
+            <a:pPr/>
             <a:r>
               <a:t>Dividing by </a:t>
             </a:r>
@@ -12321,7 +11903,7 @@
                   <m:rPr>
                     <m:sty m:val="p"/>
                   </m:rPr>
-                  <a:rPr xmlns:a="http://schemas.openxmlformats.org/drawingml/2006/main" sz="5750" i="1">
+                  <a:rPr xmlns:a="http://schemas.openxmlformats.org/drawingml/2006/main" sz="6100" i="1">
                     <a:solidFill>
                       <a:srgbClr val="000000"/>
                     </a:solidFill>
@@ -12333,7 +11915,7 @@
                   <m:rPr>
                     <m:sty m:val="p"/>
                   </m:rPr>
-                  <a:rPr xmlns:a="http://schemas.openxmlformats.org/drawingml/2006/main" sz="5750" i="1">
+                  <a:rPr xmlns:a="http://schemas.openxmlformats.org/drawingml/2006/main" sz="6100" i="1">
                     <a:solidFill>
                       <a:srgbClr val="000000"/>
                     </a:solidFill>
@@ -12349,7 +11931,7 @@
             <a14:m>
               <m:oMath>
                 <m:r>
-                  <a:rPr xmlns:a="http://schemas.openxmlformats.org/drawingml/2006/main" sz="5750" i="1">
+                  <a:rPr xmlns:a="http://schemas.openxmlformats.org/drawingml/2006/main" sz="6100" i="1">
                     <a:solidFill>
                       <a:srgbClr val="000000"/>
                     </a:solidFill>
@@ -12360,7 +11942,7 @@
                 <m:f>
                   <m:fPr>
                     <m:ctrlPr>
-                      <a:rPr xmlns:a="http://schemas.openxmlformats.org/drawingml/2006/main" sz="5750" i="1">
+                      <a:rPr xmlns:a="http://schemas.openxmlformats.org/drawingml/2006/main" sz="6100" i="1">
                         <a:solidFill>
                           <a:srgbClr val="000000"/>
                         </a:solidFill>
@@ -12376,7 +11958,7 @@
                           <m:rPr>
                             <m:sty m:val="p"/>
                           </m:rPr>
-                          <a:rPr xmlns:a="http://schemas.openxmlformats.org/drawingml/2006/main" sz="5750" i="1">
+                          <a:rPr xmlns:a="http://schemas.openxmlformats.org/drawingml/2006/main" sz="6100" i="1">
                             <a:solidFill>
                               <a:srgbClr val="000000"/>
                             </a:solidFill>
@@ -12387,7 +11969,7 @@
                       </m:e>
                       <m:sup>
                         <m:r>
-                          <a:rPr xmlns:a="http://schemas.openxmlformats.org/drawingml/2006/main" sz="5750" i="1">
+                          <a:rPr xmlns:a="http://schemas.openxmlformats.org/drawingml/2006/main" sz="6100" i="1">
                             <a:solidFill>
                               <a:srgbClr val="000000"/>
                             </a:solidFill>
@@ -12400,7 +11982,7 @@
                   </m:num>
                   <m:den>
                     <m:r>
-                      <a:rPr xmlns:a="http://schemas.openxmlformats.org/drawingml/2006/main" sz="5750" i="1">
+                      <a:rPr xmlns:a="http://schemas.openxmlformats.org/drawingml/2006/main" sz="6100" i="1">
                         <a:solidFill>
                           <a:srgbClr val="000000"/>
                         </a:solidFill>
@@ -12409,7 +11991,7 @@
                       <m:t>2</m:t>
                     </m:r>
                     <m:r>
-                      <a:rPr xmlns:a="http://schemas.openxmlformats.org/drawingml/2006/main" sz="5750" i="1">
+                      <a:rPr xmlns:a="http://schemas.openxmlformats.org/drawingml/2006/main" sz="6100" i="1">
                         <a:solidFill>
                           <a:srgbClr val="000000"/>
                         </a:solidFill>
@@ -12422,7 +12004,7 @@
                 <m:f>
                   <m:fPr>
                     <m:ctrlPr>
-                      <a:rPr xmlns:a="http://schemas.openxmlformats.org/drawingml/2006/main" sz="5750" i="1">
+                      <a:rPr xmlns:a="http://schemas.openxmlformats.org/drawingml/2006/main" sz="6100" i="1">
                         <a:solidFill>
                           <a:srgbClr val="000000"/>
                         </a:solidFill>
@@ -12433,7 +12015,7 @@
                   </m:fPr>
                   <m:num>
                     <m:r>
-                      <a:rPr xmlns:a="http://schemas.openxmlformats.org/drawingml/2006/main" sz="5750" i="1">
+                      <a:rPr xmlns:a="http://schemas.openxmlformats.org/drawingml/2006/main" sz="6100" i="1">
                         <a:solidFill>
                           <a:srgbClr val="000000"/>
                         </a:solidFill>
@@ -12447,7 +12029,7 @@
                       <m:rPr>
                         <m:sty m:val="p"/>
                       </m:rPr>
-                      <a:rPr xmlns:a="http://schemas.openxmlformats.org/drawingml/2006/main" sz="5750" i="1">
+                      <a:rPr xmlns:a="http://schemas.openxmlformats.org/drawingml/2006/main" sz="6100" i="1">
                         <a:solidFill>
                           <a:srgbClr val="000000"/>
                         </a:solidFill>
@@ -12460,7 +12042,7 @@
                 <m:f>
                   <m:fPr>
                     <m:ctrlPr>
-                      <a:rPr xmlns:a="http://schemas.openxmlformats.org/drawingml/2006/main" sz="5750" i="1">
+                      <a:rPr xmlns:a="http://schemas.openxmlformats.org/drawingml/2006/main" sz="6100" i="1">
                         <a:solidFill>
                           <a:srgbClr val="000000"/>
                         </a:solidFill>
@@ -12476,7 +12058,7 @@
                           <m:rPr>
                             <m:sty m:val="p"/>
                           </m:rPr>
-                          <a:rPr xmlns:a="http://schemas.openxmlformats.org/drawingml/2006/main" sz="5750" i="1">
+                          <a:rPr xmlns:a="http://schemas.openxmlformats.org/drawingml/2006/main" sz="6100" i="1">
                             <a:solidFill>
                               <a:srgbClr val="000000"/>
                             </a:solidFill>
@@ -12487,7 +12069,7 @@
                       </m:e>
                       <m:sup>
                         <m:r>
-                          <a:rPr xmlns:a="http://schemas.openxmlformats.org/drawingml/2006/main" sz="5750" i="1">
+                          <a:rPr xmlns:a="http://schemas.openxmlformats.org/drawingml/2006/main" sz="6100" i="1">
                             <a:solidFill>
                               <a:srgbClr val="000000"/>
                             </a:solidFill>
@@ -12501,7 +12083,7 @@
                       <m:rPr>
                         <m:sty m:val="p"/>
                       </m:rPr>
-                      <a:rPr xmlns:a="http://schemas.openxmlformats.org/drawingml/2006/main" sz="5750" i="1">
+                      <a:rPr xmlns:a="http://schemas.openxmlformats.org/drawingml/2006/main" sz="6100" i="1">
                         <a:solidFill>
                           <a:srgbClr val="000000"/>
                         </a:solidFill>
@@ -12515,7 +12097,7 @@
                       <m:rPr>
                         <m:sty m:val="p"/>
                       </m:rPr>
-                      <a:rPr xmlns:a="http://schemas.openxmlformats.org/drawingml/2006/main" sz="5750" i="1">
+                      <a:rPr xmlns:a="http://schemas.openxmlformats.org/drawingml/2006/main" sz="6100" i="1">
                         <a:solidFill>
                           <a:srgbClr val="000000"/>
                         </a:solidFill>
@@ -12526,7 +12108,7 @@
                     <m:sSup>
                       <m:e>
                         <m:r>
-                          <a:rPr xmlns:a="http://schemas.openxmlformats.org/drawingml/2006/main" sz="5750" i="1">
+                          <a:rPr xmlns:a="http://schemas.openxmlformats.org/drawingml/2006/main" sz="6100" i="1">
                             <a:solidFill>
                               <a:srgbClr val="000000"/>
                             </a:solidFill>
@@ -12537,7 +12119,7 @@
                       </m:e>
                       <m:sup>
                         <m:r>
-                          <a:rPr xmlns:a="http://schemas.openxmlformats.org/drawingml/2006/main" sz="5750" i="1">
+                          <a:rPr xmlns:a="http://schemas.openxmlformats.org/drawingml/2006/main" sz="6100" i="1">
                             <a:solidFill>
                               <a:srgbClr val="000000"/>
                             </a:solidFill>
@@ -12550,7 +12132,7 @@
                   </m:den>
                 </m:f>
                 <m:r>
-                  <a:rPr xmlns:a="http://schemas.openxmlformats.org/drawingml/2006/main" sz="5750" i="1">
+                  <a:rPr xmlns:a="http://schemas.openxmlformats.org/drawingml/2006/main" sz="6100" i="1">
                     <a:solidFill>
                       <a:srgbClr val="000000"/>
                     </a:solidFill>
@@ -12559,7 +12141,7 @@
                   <m:t>+</m:t>
                 </m:r>
                 <m:r>
-                  <a:rPr xmlns:a="http://schemas.openxmlformats.org/drawingml/2006/main" sz="5750" i="1">
+                  <a:rPr xmlns:a="http://schemas.openxmlformats.org/drawingml/2006/main" sz="6100" i="1">
                     <a:solidFill>
                       <a:srgbClr val="000000"/>
                     </a:solidFill>
@@ -12568,7 +12150,7 @@
                   <m:t>V</m:t>
                 </m:r>
                 <m:r>
-                  <a:rPr xmlns:a="http://schemas.openxmlformats.org/drawingml/2006/main" sz="5750" i="1">
+                  <a:rPr xmlns:a="http://schemas.openxmlformats.org/drawingml/2006/main" sz="6100" i="1">
                     <a:solidFill>
                       <a:srgbClr val="000000"/>
                     </a:solidFill>
@@ -12577,7 +12159,7 @@
                   <m:t>(</m:t>
                 </m:r>
                 <m:r>
-                  <a:rPr xmlns:a="http://schemas.openxmlformats.org/drawingml/2006/main" sz="5750" i="1">
+                  <a:rPr xmlns:a="http://schemas.openxmlformats.org/drawingml/2006/main" sz="6100" i="1">
                     <a:solidFill>
                       <a:srgbClr val="000000"/>
                     </a:solidFill>
@@ -12586,7 +12168,7 @@
                   <m:t>x</m:t>
                 </m:r>
                 <m:r>
-                  <a:rPr xmlns:a="http://schemas.openxmlformats.org/drawingml/2006/main" sz="5750" i="1">
+                  <a:rPr xmlns:a="http://schemas.openxmlformats.org/drawingml/2006/main" sz="6100" i="1">
                     <a:solidFill>
                       <a:srgbClr val="000000"/>
                     </a:solidFill>
@@ -12595,7 +12177,7 @@
                   <m:t>)</m:t>
                 </m:r>
                 <m:r>
-                  <a:rPr xmlns:a="http://schemas.openxmlformats.org/drawingml/2006/main" sz="5750" i="1">
+                  <a:rPr xmlns:a="http://schemas.openxmlformats.org/drawingml/2006/main" sz="6100" i="1">
                     <a:solidFill>
                       <a:srgbClr val="000000"/>
                     </a:solidFill>
@@ -12604,7 +12186,7 @@
                   <m:t>=</m:t>
                 </m:r>
                 <m:r>
-                  <a:rPr xmlns:a="http://schemas.openxmlformats.org/drawingml/2006/main" sz="5750" i="1">
+                  <a:rPr xmlns:a="http://schemas.openxmlformats.org/drawingml/2006/main" sz="6100" i="1">
                     <a:solidFill>
                       <a:srgbClr val="000000"/>
                     </a:solidFill>
@@ -12616,7 +12198,7 @@
                   <m:rPr>
                     <m:sty m:val="p"/>
                   </m:rPr>
-                  <a:rPr xmlns:a="http://schemas.openxmlformats.org/drawingml/2006/main" sz="5750" i="1">
+                  <a:rPr xmlns:a="http://schemas.openxmlformats.org/drawingml/2006/main" sz="6100" i="1">
                     <a:solidFill>
                       <a:srgbClr val="000000"/>
                     </a:solidFill>
@@ -12627,7 +12209,7 @@
                 <m:f>
                   <m:fPr>
                     <m:ctrlPr>
-                      <a:rPr xmlns:a="http://schemas.openxmlformats.org/drawingml/2006/main" sz="5750" i="1">
+                      <a:rPr xmlns:a="http://schemas.openxmlformats.org/drawingml/2006/main" sz="6100" i="1">
                         <a:solidFill>
                           <a:srgbClr val="000000"/>
                         </a:solidFill>
@@ -12638,7 +12220,7 @@
                   </m:fPr>
                   <m:num>
                     <m:r>
-                      <a:rPr xmlns:a="http://schemas.openxmlformats.org/drawingml/2006/main" sz="5750" i="1">
+                      <a:rPr xmlns:a="http://schemas.openxmlformats.org/drawingml/2006/main" sz="6100" i="1">
                         <a:solidFill>
                           <a:srgbClr val="000000"/>
                         </a:solidFill>
@@ -12652,7 +12234,7 @@
                       <m:rPr>
                         <m:sty m:val="p"/>
                       </m:rPr>
-                      <a:rPr xmlns:a="http://schemas.openxmlformats.org/drawingml/2006/main" sz="5750" i="1">
+                      <a:rPr xmlns:a="http://schemas.openxmlformats.org/drawingml/2006/main" sz="6100" i="1">
                         <a:solidFill>
                           <a:srgbClr val="000000"/>
                         </a:solidFill>
@@ -12665,7 +12247,7 @@
                 <m:f>
                   <m:fPr>
                     <m:ctrlPr>
-                      <a:rPr xmlns:a="http://schemas.openxmlformats.org/drawingml/2006/main" sz="5750" i="1">
+                      <a:rPr xmlns:a="http://schemas.openxmlformats.org/drawingml/2006/main" sz="6100" i="1">
                         <a:solidFill>
                           <a:srgbClr val="000000"/>
                         </a:solidFill>
@@ -12679,7 +12261,7 @@
                       <m:rPr>
                         <m:sty m:val="p"/>
                       </m:rPr>
-                      <a:rPr xmlns:a="http://schemas.openxmlformats.org/drawingml/2006/main" sz="5750" i="1">
+                      <a:rPr xmlns:a="http://schemas.openxmlformats.org/drawingml/2006/main" sz="6100" i="1">
                         <a:solidFill>
                           <a:srgbClr val="000000"/>
                         </a:solidFill>
@@ -12691,7 +12273,7 @@
                       <m:rPr>
                         <m:sty m:val="p"/>
                       </m:rPr>
-                      <a:rPr xmlns:a="http://schemas.openxmlformats.org/drawingml/2006/main" sz="5750" i="1">
+                      <a:rPr xmlns:a="http://schemas.openxmlformats.org/drawingml/2006/main" sz="6100" i="1">
                         <a:solidFill>
                           <a:srgbClr val="000000"/>
                         </a:solidFill>
@@ -12705,7 +12287,7 @@
                       <m:rPr>
                         <m:sty m:val="p"/>
                       </m:rPr>
-                      <a:rPr xmlns:a="http://schemas.openxmlformats.org/drawingml/2006/main" sz="5750" i="1">
+                      <a:rPr xmlns:a="http://schemas.openxmlformats.org/drawingml/2006/main" sz="6100" i="1">
                         <a:solidFill>
                           <a:srgbClr val="000000"/>
                         </a:solidFill>
@@ -12714,7 +12296,7 @@
                       <m:t>∂</m:t>
                     </m:r>
                     <m:r>
-                      <a:rPr xmlns:a="http://schemas.openxmlformats.org/drawingml/2006/main" sz="5750" i="1">
+                      <a:rPr xmlns:a="http://schemas.openxmlformats.org/drawingml/2006/main" sz="6100" i="1">
                         <a:solidFill>
                           <a:srgbClr val="000000"/>
                         </a:solidFill>
@@ -12728,16 +12310,14 @@
             </a14:m>
           </a:p>
           <a:p>
-            <a:pPr lvl="1" marL="998149" indent="-580319" defTabSz="772239">
-              <a:defRPr sz="4700"/>
-            </a:pPr>
+            <a:pPr lvl="1"/>
             <a:r>
               <a:t>The lhs is solely a function of </a:t>
             </a:r>
             <a14:m>
               <m:oMath>
                 <m:r>
-                  <a:rPr xmlns:a="http://schemas.openxmlformats.org/drawingml/2006/main" sz="5750" i="1">
+                  <a:rPr xmlns:a="http://schemas.openxmlformats.org/drawingml/2006/main" sz="6100" i="1">
                     <a:solidFill>
                       <a:srgbClr val="000000"/>
                     </a:solidFill>
@@ -12753,7 +12333,7 @@
             <a14:m>
               <m:oMath>
                 <m:r>
-                  <a:rPr xmlns:a="http://schemas.openxmlformats.org/drawingml/2006/main" sz="5750" i="1">
+                  <a:rPr xmlns:a="http://schemas.openxmlformats.org/drawingml/2006/main" sz="6100" i="1">
                     <a:solidFill>
                       <a:srgbClr val="000000"/>
                     </a:solidFill>
@@ -12768,16 +12348,14 @@
             </a:r>
           </a:p>
           <a:p>
-            <a:pPr lvl="1" marL="998149" indent="-580319" defTabSz="772239">
-              <a:defRPr sz="4700"/>
-            </a:pPr>
+            <a:pPr lvl="1"/>
             <a:r>
               <a:t>When </a:t>
             </a:r>
             <a14:m>
               <m:oMath>
                 <m:r>
-                  <a:rPr xmlns:a="http://schemas.openxmlformats.org/drawingml/2006/main" sz="5750" i="1">
+                  <a:rPr xmlns:a="http://schemas.openxmlformats.org/drawingml/2006/main" sz="6100" i="1">
                     <a:solidFill>
                       <a:srgbClr val="000000"/>
                     </a:solidFill>
@@ -12793,7 +12371,7 @@
             <a14:m>
               <m:oMath>
                 <m:r>
-                  <a:rPr xmlns:a="http://schemas.openxmlformats.org/drawingml/2006/main" sz="5750" i="1">
+                  <a:rPr xmlns:a="http://schemas.openxmlformats.org/drawingml/2006/main" sz="6100" i="1">
                     <a:solidFill>
                       <a:srgbClr val="000000"/>
                     </a:solidFill>
@@ -12808,478 +12386,16 @@
             </a:r>
           </a:p>
           <a:p>
-            <a:pPr lvl="1" marL="998149" indent="-580319" defTabSz="772239">
-              <a:defRPr sz="4700"/>
-            </a:pPr>
+            <a:pPr lvl="1"/>
             <a:r>
               <a:t>Both sides are equal to a constant, E.</a:t>
             </a:r>
           </a:p>
           <a:p>
-            <a:pPr marL="580319" indent="-580319" defTabSz="772239">
-              <a:defRPr sz="4700"/>
-            </a:pPr>
+            <a:pPr/>
             <a:r>
               <a:t>As a self-test, write the two eigenfunction equations</a:t>
             </a:r>
-          </a:p>
-          <a:p>
-            <a:pPr lvl="1" marL="998149" indent="-580319" defTabSz="772239">
-              <a:defRPr sz="4700">
-                <a:solidFill>
-                  <a:schemeClr val="accent1">
-                    <a:satOff val="-3355"/>
-                    <a:lumOff val="26614"/>
-                  </a:schemeClr>
-                </a:solidFill>
-              </a:defRPr>
-            </a:pPr>
-            <a14:m>
-              <m:oMathPara>
-                <m:oMathParaPr>
-                  <m:jc m:val="left"/>
-                </m:oMathParaPr>
-                <m:oMath>
-                  <m:r>
-                    <a:rPr xmlns:a="http://schemas.openxmlformats.org/drawingml/2006/main" sz="5750" i="1">
-                      <a:solidFill>
-                        <a:srgbClr val="51A7F9"/>
-                      </a:solidFill>
-                      <a:latin typeface="Cambria Math" panose="02040503050406030204" pitchFamily="18" charset="0"/>
-                    </a:rPr>
-                    <m:t>-</m:t>
-                  </m:r>
-                  <m:f>
-                    <m:fPr>
-                      <m:ctrlPr>
-                        <a:rPr xmlns:a="http://schemas.openxmlformats.org/drawingml/2006/main" sz="5750" i="1">
-                          <a:solidFill>
-                            <a:srgbClr val="51A7F9"/>
-                          </a:solidFill>
-                          <a:latin typeface="Cambria Math" panose="02040503050406030204" pitchFamily="18" charset="0"/>
-                        </a:rPr>
-                      </m:ctrlPr>
-                      <m:type m:val="bar"/>
-                    </m:fPr>
-                    <m:num>
-                      <m:sSup>
-                        <m:e>
-                          <m:r>
-                            <m:rPr>
-                              <m:sty m:val="p"/>
-                            </m:rPr>
-                            <a:rPr xmlns:a="http://schemas.openxmlformats.org/drawingml/2006/main" sz="5750" i="1">
-                              <a:solidFill>
-                                <a:srgbClr val="51A7F9"/>
-                              </a:solidFill>
-                              <a:latin typeface="Cambria Math" panose="02040503050406030204" pitchFamily="18" charset="0"/>
-                            </a:rPr>
-                            <m:t>ℏ</m:t>
-                          </m:r>
-                        </m:e>
-                        <m:sup>
-                          <m:r>
-                            <a:rPr xmlns:a="http://schemas.openxmlformats.org/drawingml/2006/main" sz="5750" i="1">
-                              <a:solidFill>
-                                <a:srgbClr val="51A7F9"/>
-                              </a:solidFill>
-                              <a:latin typeface="Cambria Math" panose="02040503050406030204" pitchFamily="18" charset="0"/>
-                            </a:rPr>
-                            <m:t>2</m:t>
-                          </m:r>
-                        </m:sup>
-                      </m:sSup>
-                    </m:num>
-                    <m:den>
-                      <m:r>
-                        <a:rPr xmlns:a="http://schemas.openxmlformats.org/drawingml/2006/main" sz="5750" i="1">
-                          <a:solidFill>
-                            <a:srgbClr val="51A7F9"/>
-                          </a:solidFill>
-                          <a:latin typeface="Cambria Math" panose="02040503050406030204" pitchFamily="18" charset="0"/>
-                        </a:rPr>
-                        <m:t>2</m:t>
-                      </m:r>
-                      <m:r>
-                        <a:rPr xmlns:a="http://schemas.openxmlformats.org/drawingml/2006/main" sz="5750" i="1">
-                          <a:solidFill>
-                            <a:srgbClr val="51A7F9"/>
-                          </a:solidFill>
-                          <a:latin typeface="Cambria Math" panose="02040503050406030204" pitchFamily="18" charset="0"/>
-                        </a:rPr>
-                        <m:t>m</m:t>
-                      </m:r>
-                    </m:den>
-                  </m:f>
-                  <m:f>
-                    <m:fPr>
-                      <m:ctrlPr>
-                        <a:rPr xmlns:a="http://schemas.openxmlformats.org/drawingml/2006/main" sz="5750" i="1">
-                          <a:solidFill>
-                            <a:srgbClr val="51A7F9"/>
-                          </a:solidFill>
-                          <a:latin typeface="Cambria Math" panose="02040503050406030204" pitchFamily="18" charset="0"/>
-                        </a:rPr>
-                      </m:ctrlPr>
-                      <m:type m:val="bar"/>
-                    </m:fPr>
-                    <m:num>
-                      <m:sSup>
-                        <m:e>
-                          <m:r>
-                            <m:rPr>
-                              <m:sty m:val="p"/>
-                            </m:rPr>
-                            <a:rPr xmlns:a="http://schemas.openxmlformats.org/drawingml/2006/main" sz="5750" i="1">
-                              <a:solidFill>
-                                <a:srgbClr val="51A7F9"/>
-                              </a:solidFill>
-                              <a:latin typeface="Cambria Math" panose="02040503050406030204" pitchFamily="18" charset="0"/>
-                            </a:rPr>
-                            <m:t>∂</m:t>
-                          </m:r>
-                        </m:e>
-                        <m:sup>
-                          <m:r>
-                            <a:rPr xmlns:a="http://schemas.openxmlformats.org/drawingml/2006/main" sz="5750" i="1">
-                              <a:solidFill>
-                                <a:srgbClr val="51A7F9"/>
-                              </a:solidFill>
-                              <a:latin typeface="Cambria Math" panose="02040503050406030204" pitchFamily="18" charset="0"/>
-                            </a:rPr>
-                            <m:t>2</m:t>
-                          </m:r>
-                        </m:sup>
-                      </m:sSup>
-                      <m:r>
-                        <m:rPr>
-                          <m:sty m:val="p"/>
-                        </m:rPr>
-                        <a:rPr xmlns:a="http://schemas.openxmlformats.org/drawingml/2006/main" sz="5750" i="1">
-                          <a:solidFill>
-                            <a:srgbClr val="51A7F9"/>
-                          </a:solidFill>
-                          <a:latin typeface="Cambria Math" panose="02040503050406030204" pitchFamily="18" charset="0"/>
-                        </a:rPr>
-                        <m:t>Ψ</m:t>
-                      </m:r>
-                    </m:num>
-                    <m:den>
-                      <m:r>
-                        <m:rPr>
-                          <m:sty m:val="p"/>
-                        </m:rPr>
-                        <a:rPr xmlns:a="http://schemas.openxmlformats.org/drawingml/2006/main" sz="5750" i="1">
-                          <a:solidFill>
-                            <a:srgbClr val="51A7F9"/>
-                          </a:solidFill>
-                          <a:latin typeface="Cambria Math" panose="02040503050406030204" pitchFamily="18" charset="0"/>
-                        </a:rPr>
-                        <m:t>∂</m:t>
-                      </m:r>
-                      <m:sSup>
-                        <m:e>
-                          <m:r>
-                            <a:rPr xmlns:a="http://schemas.openxmlformats.org/drawingml/2006/main" sz="5750" i="1">
-                              <a:solidFill>
-                                <a:srgbClr val="51A7F9"/>
-                              </a:solidFill>
-                              <a:latin typeface="Cambria Math" panose="02040503050406030204" pitchFamily="18" charset="0"/>
-                            </a:rPr>
-                            <m:t>x</m:t>
-                          </m:r>
-                        </m:e>
-                        <m:sup>
-                          <m:r>
-                            <a:rPr xmlns:a="http://schemas.openxmlformats.org/drawingml/2006/main" sz="5750" i="1">
-                              <a:solidFill>
-                                <a:srgbClr val="51A7F9"/>
-                              </a:solidFill>
-                              <a:latin typeface="Cambria Math" panose="02040503050406030204" pitchFamily="18" charset="0"/>
-                            </a:rPr>
-                            <m:t>2</m:t>
-                          </m:r>
-                        </m:sup>
-                      </m:sSup>
-                    </m:den>
-                  </m:f>
-                  <m:r>
-                    <a:rPr xmlns:a="http://schemas.openxmlformats.org/drawingml/2006/main" sz="5750" i="1">
-                      <a:solidFill>
-                        <a:srgbClr val="51A7F9"/>
-                      </a:solidFill>
-                      <a:latin typeface="Cambria Math" panose="02040503050406030204" pitchFamily="18" charset="0"/>
-                    </a:rPr>
-                    <m:t>+</m:t>
-                  </m:r>
-                  <m:r>
-                    <a:rPr xmlns:a="http://schemas.openxmlformats.org/drawingml/2006/main" sz="5750" i="1">
-                      <a:solidFill>
-                        <a:srgbClr val="51A7F9"/>
-                      </a:solidFill>
-                      <a:latin typeface="Cambria Math" panose="02040503050406030204" pitchFamily="18" charset="0"/>
-                    </a:rPr>
-                    <m:t>V</m:t>
-                  </m:r>
-                  <m:r>
-                    <a:rPr xmlns:a="http://schemas.openxmlformats.org/drawingml/2006/main" sz="5750" i="1">
-                      <a:solidFill>
-                        <a:srgbClr val="51A7F9"/>
-                      </a:solidFill>
-                      <a:latin typeface="Cambria Math" panose="02040503050406030204" pitchFamily="18" charset="0"/>
-                    </a:rPr>
-                    <m:t>(</m:t>
-                  </m:r>
-                  <m:r>
-                    <a:rPr xmlns:a="http://schemas.openxmlformats.org/drawingml/2006/main" sz="5750" i="1">
-                      <a:solidFill>
-                        <a:srgbClr val="51A7F9"/>
-                      </a:solidFill>
-                      <a:latin typeface="Cambria Math" panose="02040503050406030204" pitchFamily="18" charset="0"/>
-                    </a:rPr>
-                    <m:t>x</m:t>
-                  </m:r>
-                  <m:r>
-                    <a:rPr xmlns:a="http://schemas.openxmlformats.org/drawingml/2006/main" sz="5750" i="1">
-                      <a:solidFill>
-                        <a:srgbClr val="51A7F9"/>
-                      </a:solidFill>
-                      <a:latin typeface="Cambria Math" panose="02040503050406030204" pitchFamily="18" charset="0"/>
-                    </a:rPr>
-                    <m:t>)</m:t>
-                  </m:r>
-                  <m:r>
-                    <m:rPr>
-                      <m:sty m:val="p"/>
-                    </m:rPr>
-                    <a:rPr xmlns:a="http://schemas.openxmlformats.org/drawingml/2006/main" sz="5750" i="1">
-                      <a:solidFill>
-                        <a:srgbClr val="51A7F9"/>
-                      </a:solidFill>
-                      <a:latin typeface="Cambria Math" panose="02040503050406030204" pitchFamily="18" charset="0"/>
-                    </a:rPr>
-                    <m:t>Ψ</m:t>
-                  </m:r>
-                  <m:r>
-                    <a:rPr xmlns:a="http://schemas.openxmlformats.org/drawingml/2006/main" sz="5750" i="1">
-                      <a:solidFill>
-                        <a:srgbClr val="51A7F9"/>
-                      </a:solidFill>
-                      <a:latin typeface="Cambria Math" panose="02040503050406030204" pitchFamily="18" charset="0"/>
-                    </a:rPr>
-                    <m:t>=</m:t>
-                  </m:r>
-                  <m:limUpp>
-                    <m:e>
-                      <m:r>
-                        <m:rPr>
-                          <m:sty m:val="b"/>
-                        </m:rPr>
-                        <a:rPr xmlns:a="http://schemas.openxmlformats.org/drawingml/2006/main" sz="5750" i="1">
-                          <a:solidFill>
-                            <a:srgbClr val="51A7F9"/>
-                          </a:solidFill>
-                          <a:latin typeface="Cambria Math" panose="02040503050406030204" pitchFamily="18" charset="0"/>
-                        </a:rPr>
-                        <m:t>H</m:t>
-                      </m:r>
-                    </m:e>
-                    <m:lim>
-                      <m:r>
-                        <a:rPr xmlns:a="http://schemas.openxmlformats.org/drawingml/2006/main" sz="5750" i="1">
-                          <a:solidFill>
-                            <a:srgbClr val="51A7F9"/>
-                          </a:solidFill>
-                          <a:latin typeface="Cambria Math" panose="02040503050406030204" pitchFamily="18" charset="0"/>
-                        </a:rPr>
-                        <m:t>̂</m:t>
-                      </m:r>
-                    </m:lim>
-                  </m:limUpp>
-                  <m:r>
-                    <m:rPr>
-                      <m:sty m:val="p"/>
-                    </m:rPr>
-                    <a:rPr xmlns:a="http://schemas.openxmlformats.org/drawingml/2006/main" sz="5750" i="1">
-                      <a:solidFill>
-                        <a:srgbClr val="51A7F9"/>
-                      </a:solidFill>
-                      <a:latin typeface="Cambria Math" panose="02040503050406030204" pitchFamily="18" charset="0"/>
-                    </a:rPr>
-                    <m:t>Ψ</m:t>
-                  </m:r>
-                  <m:r>
-                    <a:rPr xmlns:a="http://schemas.openxmlformats.org/drawingml/2006/main" sz="5750" i="1">
-                      <a:solidFill>
-                        <a:srgbClr val="51A7F9"/>
-                      </a:solidFill>
-                      <a:latin typeface="Cambria Math" panose="02040503050406030204" pitchFamily="18" charset="0"/>
-                    </a:rPr>
-                    <m:t>=</m:t>
-                  </m:r>
-                  <m:r>
-                    <a:rPr xmlns:a="http://schemas.openxmlformats.org/drawingml/2006/main" sz="5750" i="1">
-                      <a:solidFill>
-                        <a:srgbClr val="51A7F9"/>
-                      </a:solidFill>
-                      <a:latin typeface="Cambria Math" panose="02040503050406030204" pitchFamily="18" charset="0"/>
-                    </a:rPr>
-                    <m:t>E</m:t>
-                  </m:r>
-                  <m:r>
-                    <m:rPr>
-                      <m:sty m:val="p"/>
-                    </m:rPr>
-                    <a:rPr xmlns:a="http://schemas.openxmlformats.org/drawingml/2006/main" sz="5750" i="1">
-                      <a:solidFill>
-                        <a:srgbClr val="51A7F9"/>
-                      </a:solidFill>
-                      <a:latin typeface="Cambria Math" panose="02040503050406030204" pitchFamily="18" charset="0"/>
-                    </a:rPr>
-                    <m:t>Ψ</m:t>
-                  </m:r>
-                </m:oMath>
-              </m:oMathPara>
-            </a14:m>
-          </a:p>
-          <a:p>
-            <a:pPr lvl="1" marL="998149" indent="-580319" defTabSz="772239">
-              <a:defRPr sz="4700">
-                <a:solidFill>
-                  <a:schemeClr val="accent1">
-                    <a:satOff val="-3355"/>
-                    <a:lumOff val="26614"/>
-                  </a:schemeClr>
-                </a:solidFill>
-              </a:defRPr>
-            </a:pPr>
-            <a14:m>
-              <m:oMathPara>
-                <m:oMathParaPr>
-                  <m:jc m:val="left"/>
-                </m:oMathParaPr>
-                <m:oMath>
-                  <m:r>
-                    <a:rPr xmlns:a="http://schemas.openxmlformats.org/drawingml/2006/main" sz="5750" i="1">
-                      <a:solidFill>
-                        <a:srgbClr val="51A7F9"/>
-                      </a:solidFill>
-                      <a:latin typeface="Cambria Math" panose="02040503050406030204" pitchFamily="18" charset="0"/>
-                    </a:rPr>
-                    <m:t>i</m:t>
-                  </m:r>
-                  <m:r>
-                    <m:rPr>
-                      <m:sty m:val="p"/>
-                    </m:rPr>
-                    <a:rPr xmlns:a="http://schemas.openxmlformats.org/drawingml/2006/main" sz="5750" i="1">
-                      <a:solidFill>
-                        <a:srgbClr val="51A7F9"/>
-                      </a:solidFill>
-                      <a:latin typeface="Cambria Math" panose="02040503050406030204" pitchFamily="18" charset="0"/>
-                    </a:rPr>
-                    <m:t>ℏ</m:t>
-                  </m:r>
-                  <m:f>
-                    <m:fPr>
-                      <m:ctrlPr>
-                        <a:rPr xmlns:a="http://schemas.openxmlformats.org/drawingml/2006/main" sz="5750" i="1">
-                          <a:solidFill>
-                            <a:srgbClr val="51A7F9"/>
-                          </a:solidFill>
-                          <a:latin typeface="Cambria Math" panose="02040503050406030204" pitchFamily="18" charset="0"/>
-                        </a:rPr>
-                      </m:ctrlPr>
-                      <m:type m:val="bar"/>
-                    </m:fPr>
-                    <m:num>
-                      <m:r>
-                        <m:rPr>
-                          <m:sty m:val="p"/>
-                        </m:rPr>
-                        <a:rPr xmlns:a="http://schemas.openxmlformats.org/drawingml/2006/main" sz="5750" i="1">
-                          <a:solidFill>
-                            <a:srgbClr val="51A7F9"/>
-                          </a:solidFill>
-                          <a:latin typeface="Cambria Math" panose="02040503050406030204" pitchFamily="18" charset="0"/>
-                        </a:rPr>
-                        <m:t>∂</m:t>
-                      </m:r>
-                      <m:r>
-                        <m:rPr>
-                          <m:sty m:val="p"/>
-                        </m:rPr>
-                        <a:rPr xmlns:a="http://schemas.openxmlformats.org/drawingml/2006/main" sz="5750" i="1">
-                          <a:solidFill>
-                            <a:srgbClr val="51A7F9"/>
-                          </a:solidFill>
-                          <a:latin typeface="Cambria Math" panose="02040503050406030204" pitchFamily="18" charset="0"/>
-                        </a:rPr>
-                        <m:t>Θ</m:t>
-                      </m:r>
-                    </m:num>
-                    <m:den>
-                      <m:r>
-                        <m:rPr>
-                          <m:sty m:val="p"/>
-                        </m:rPr>
-                        <a:rPr xmlns:a="http://schemas.openxmlformats.org/drawingml/2006/main" sz="5750" i="1">
-                          <a:solidFill>
-                            <a:srgbClr val="51A7F9"/>
-                          </a:solidFill>
-                          <a:latin typeface="Cambria Math" panose="02040503050406030204" pitchFamily="18" charset="0"/>
-                        </a:rPr>
-                        <m:t>∂</m:t>
-                      </m:r>
-                      <m:r>
-                        <a:rPr xmlns:a="http://schemas.openxmlformats.org/drawingml/2006/main" sz="5750" i="1">
-                          <a:solidFill>
-                            <a:srgbClr val="51A7F9"/>
-                          </a:solidFill>
-                          <a:latin typeface="Cambria Math" panose="02040503050406030204" pitchFamily="18" charset="0"/>
-                        </a:rPr>
-                        <m:t>t</m:t>
-                      </m:r>
-                    </m:den>
-                  </m:f>
-                  <m:r>
-                    <a:rPr xmlns:a="http://schemas.openxmlformats.org/drawingml/2006/main" sz="5750" i="1">
-                      <a:solidFill>
-                        <a:srgbClr val="51A7F9"/>
-                      </a:solidFill>
-                      <a:latin typeface="Cambria Math" panose="02040503050406030204" pitchFamily="18" charset="0"/>
-                    </a:rPr>
-                    <m:t>=</m:t>
-                  </m:r>
-                  <m:r>
-                    <a:rPr xmlns:a="http://schemas.openxmlformats.org/drawingml/2006/main" sz="5750" i="1">
-                      <a:solidFill>
-                        <a:srgbClr val="51A7F9"/>
-                      </a:solidFill>
-                      <a:latin typeface="Cambria Math" panose="02040503050406030204" pitchFamily="18" charset="0"/>
-                    </a:rPr>
-                    <m:t>E</m:t>
-                  </m:r>
-                  <m:r>
-                    <m:rPr>
-                      <m:sty m:val="p"/>
-                    </m:rPr>
-                    <a:rPr xmlns:a="http://schemas.openxmlformats.org/drawingml/2006/main" sz="5750" i="1">
-                      <a:solidFill>
-                        <a:srgbClr val="51A7F9"/>
-                      </a:solidFill>
-                      <a:latin typeface="Cambria Math" panose="02040503050406030204" pitchFamily="18" charset="0"/>
-                    </a:rPr>
-                    <m:t>Θ</m:t>
-                  </m:r>
-                </m:oMath>
-              </m:oMathPara>
-            </a14:m>
-            <a:endParaRPr sz="5000">
-              <a:solidFill>
-                <a:srgbClr val="51A7F9"/>
-              </a:solidFill>
-            </a:endParaRPr>
           </a:p>
         </p:txBody>
       </p:sp>
@@ -13307,42 +12423,6 @@
           <a:p>
             <a:pPr/>
             <a:fld id="{86CB4B4D-7CA3-9044-876B-883B54F8677D}" type="slidenum"/>
-          </a:p>
-        </p:txBody>
-      </p:sp>
-      <p:sp>
-        <p:nvSpPr>
-          <p:cNvPr id="277" name="Time-independent Schrödinger equation"/>
-          <p:cNvSpPr txBox="1"/>
-          <p:nvPr/>
-        </p:nvSpPr>
-        <p:spPr>
-          <a:xfrm>
-            <a:off x="12229583" y="9709487"/>
-            <a:ext cx="11648441" cy="904876"/>
-          </a:xfrm>
-          <a:prstGeom prst="rect">
-            <a:avLst/>
-          </a:prstGeom>
-          <a:ln w="12700">
-            <a:miter lim="400000"/>
-          </a:ln>
-          <a:extLst>
-            <a:ext uri="{C572A759-6A51-4108-AA02-DFA0A04FC94B}">
-              <ma14:wrappingTextBoxFlag xmlns:ma14="http://schemas.microsoft.com/office/mac/drawingml/2011/main" val="1"/>
-            </a:ext>
-          </a:extLst>
-        </p:spPr>
-        <p:txBody>
-          <a:bodyPr wrap="none" lIns="71437" tIns="71437" rIns="71437" bIns="71437" anchor="ctr">
-            <a:spAutoFit/>
-          </a:bodyPr>
-          <a:lstStyle/>
-          <a:p>
-            <a:pPr/>
-            <a:r>
-              <a:t>Time-independent Schrödinger equation</a:t>
-            </a:r>
           </a:p>
         </p:txBody>
       </p:sp>
@@ -13610,137 +12690,6 @@
                       </p:childTnLst>
                     </p:cTn>
                   </p:par>
-                  <p:par>
-                    <p:cTn id="23" fill="hold">
-                      <p:stCondLst>
-                        <p:cond delay="indefinite"/>
-                      </p:stCondLst>
-                      <p:childTnLst>
-                        <p:par>
-                          <p:cTn id="24" fill="hold">
-                            <p:stCondLst>
-                              <p:cond delay="0"/>
-                            </p:stCondLst>
-                            <p:childTnLst>
-                              <p:par>
-                                <p:cTn id="25" presetClass="entr" nodeType="clickEffect" presetSubtype="0" presetID="1" grpId="1" fill="hold">
-                                  <p:stCondLst>
-                                    <p:cond delay="0"/>
-                                  </p:stCondLst>
-                                  <p:iterate type="el" backwards="0">
-                                    <p:tmAbs val="0"/>
-                                  </p:iterate>
-                                  <p:childTnLst>
-                                    <p:set>
-                                      <p:cBhvr>
-                                        <p:cTn id="26" fill="hold"/>
-                                        <p:tgtEl>
-                                          <p:spTgt spid="275">
-                                            <p:txEl>
-                                              <p:pRg st="5" end="5"/>
-                                            </p:txEl>
-                                          </p:spTgt>
-                                        </p:tgtEl>
-                                        <p:attrNameLst>
-                                          <p:attrName>style.visibility</p:attrName>
-                                        </p:attrNameLst>
-                                      </p:cBhvr>
-                                      <p:to>
-                                        <p:strVal val="visible"/>
-                                      </p:to>
-                                    </p:set>
-                                  </p:childTnLst>
-                                </p:cTn>
-                              </p:par>
-                            </p:childTnLst>
-                          </p:cTn>
-                        </p:par>
-                        <p:par>
-                          <p:cTn id="27" fill="hold">
-                            <p:stCondLst>
-                              <p:cond delay="0"/>
-                            </p:stCondLst>
-                            <p:childTnLst>
-                              <p:par>
-                                <p:cTn id="28" presetClass="entr" nodeType="afterEffect" presetSubtype="0" presetID="1" grpId="2" fill="hold">
-                                  <p:stCondLst>
-                                    <p:cond delay="0"/>
-                                  </p:stCondLst>
-                                  <p:iterate type="el" backwards="0">
-                                    <p:tmAbs val="0"/>
-                                  </p:iterate>
-                                  <p:childTnLst>
-                                    <p:set>
-                                      <p:cBhvr>
-                                        <p:cTn id="29" fill="hold"/>
-                                        <p:tgtEl>
-                                          <p:spTgt spid="277"/>
-                                        </p:tgtEl>
-                                        <p:attrNameLst>
-                                          <p:attrName>style.visibility</p:attrName>
-                                        </p:attrNameLst>
-                                      </p:cBhvr>
-                                      <p:to>
-                                        <p:strVal val="visible"/>
-                                      </p:to>
-                                    </p:set>
-                                  </p:childTnLst>
-                                </p:cTn>
-                              </p:par>
-                            </p:childTnLst>
-                          </p:cTn>
-                        </p:par>
-                      </p:childTnLst>
-                    </p:cTn>
-                  </p:par>
-                  <p:par>
-                    <p:cTn id="30" fill="hold">
-                      <p:stCondLst>
-                        <p:cond delay="indefinite"/>
-                      </p:stCondLst>
-                      <p:childTnLst>
-                        <p:par>
-                          <p:cTn id="31" fill="hold">
-                            <p:stCondLst>
-                              <p:cond delay="0"/>
-                            </p:stCondLst>
-                            <p:childTnLst>
-                              <p:par>
-                                <p:cTn id="32" presetClass="entr" nodeType="clickEffect" presetSubtype="0" presetID="1" grpId="1" fill="hold">
-                                  <p:stCondLst>
-                                    <p:cond delay="0"/>
-                                  </p:stCondLst>
-                                  <p:iterate type="el" backwards="0">
-                                    <p:tmAbs val="0"/>
-                                  </p:iterate>
-                                  <p:childTnLst>
-                                    <p:set>
-                                      <p:cBhvr>
-                                        <p:cTn id="33" fill="hold"/>
-                                        <p:tgtEl>
-                                          <p:spTgt spid="275">
-                                            <p:txEl>
-                                              <p:pRg st="6" end="6"/>
-                                            </p:txEl>
-                                          </p:spTgt>
-                                        </p:tgtEl>
-                                        <p:attrNameLst>
-                                          <p:attrName>style.visibility</p:attrName>
-                                        </p:attrNameLst>
-                                      </p:cBhvr>
-                                      <p:to>
-                                        <p:strVal val="visible"/>
-                                      </p:to>
-                                    </p:set>
-                                  </p:childTnLst>
-                                </p:cTn>
-                              </p:par>
-                            </p:childTnLst>
-                          </p:cTn>
-                        </p:par>
-                      </p:childTnLst>
-                    </p:cTn>
-                  </p:par>
                 </p:childTnLst>
               </p:cTn>
               <p:prevCondLst>
@@ -13764,7 +12713,6 @@
     </p:tnLst>
     <p:bldLst>
       <p:bldP build="p" bldLvl="5" animBg="1" rev="0" advAuto="0" spid="275" grpId="1"/>
-      <p:bldP build="whole" bldLvl="1" animBg="1" rev="0" advAuto="0" spid="277" grpId="2"/>
     </p:bldLst>
   </p:timing>
 </p:sld>
@@ -13789,7 +12737,7 @@
       </p:grpSpPr>
       <p:sp>
         <p:nvSpPr>
-          <p:cNvPr id="279" name="Time Dependence"/>
+          <p:cNvPr id="278" name="Time Dependence"/>
           <p:cNvSpPr txBox="1"/>
           <p:nvPr>
             <p:ph type="title"/>
@@ -13813,7 +12761,7 @@
       </p:sp>
       <p:sp>
         <p:nvSpPr>
-          <p:cNvPr id="280" name="One of the differential equations is…"/>
+          <p:cNvPr id="279" name="One of the differential equations is…"/>
           <p:cNvSpPr txBox="1"/>
           <p:nvPr>
             <p:ph type="body" idx="1"/>
@@ -13955,128 +12903,6 @@
             <a:r>
               <a:t>What is the solution of this differential equation?</a:t>
             </a:r>
-          </a:p>
-          <a:p>
-            <a:pPr lvl="1">
-              <a:defRPr>
-                <a:solidFill>
-                  <a:schemeClr val="accent1">
-                    <a:satOff val="-3355"/>
-                    <a:lumOff val="26614"/>
-                  </a:schemeClr>
-                </a:solidFill>
-              </a:defRPr>
-            </a:pPr>
-            <a14:m>
-              <m:oMathPara>
-                <m:oMathParaPr>
-                  <m:jc m:val="left"/>
-                </m:oMathParaPr>
-                <m:oMath>
-                  <m:r>
-                    <m:rPr>
-                      <m:sty m:val="p"/>
-                    </m:rPr>
-                    <a:rPr xmlns:a="http://schemas.openxmlformats.org/drawingml/2006/main" sz="6100" i="1">
-                      <a:solidFill>
-                        <a:srgbClr val="51A7F9"/>
-                      </a:solidFill>
-                      <a:latin typeface="Cambria Math" panose="02040503050406030204" pitchFamily="18" charset="0"/>
-                    </a:rPr>
-                    <m:t>Θ</m:t>
-                  </m:r>
-                  <m:r>
-                    <a:rPr xmlns:a="http://schemas.openxmlformats.org/drawingml/2006/main" sz="6100" i="1">
-                      <a:solidFill>
-                        <a:srgbClr val="51A7F9"/>
-                      </a:solidFill>
-                      <a:latin typeface="Cambria Math" panose="02040503050406030204" pitchFamily="18" charset="0"/>
-                    </a:rPr>
-                    <m:t>=</m:t>
-                  </m:r>
-                  <m:sSup>
-                    <m:e>
-                      <m:r>
-                        <a:rPr xmlns:a="http://schemas.openxmlformats.org/drawingml/2006/main" sz="6100" i="1">
-                          <a:solidFill>
-                            <a:srgbClr val="51A7F9"/>
-                          </a:solidFill>
-                          <a:latin typeface="Cambria Math" panose="02040503050406030204" pitchFamily="18" charset="0"/>
-                        </a:rPr>
-                        <m:t>e</m:t>
-                      </m:r>
-                    </m:e>
-                    <m:sup>
-                      <m:r>
-                        <a:rPr xmlns:a="http://schemas.openxmlformats.org/drawingml/2006/main" sz="6100" i="1">
-                          <a:solidFill>
-                            <a:srgbClr val="51A7F9"/>
-                          </a:solidFill>
-                          <a:latin typeface="Cambria Math" panose="02040503050406030204" pitchFamily="18" charset="0"/>
-                        </a:rPr>
-                        <m:t>-</m:t>
-                      </m:r>
-                      <m:f>
-                        <m:fPr>
-                          <m:ctrlPr>
-                            <a:rPr xmlns:a="http://schemas.openxmlformats.org/drawingml/2006/main" sz="6100" i="1">
-                              <a:solidFill>
-                                <a:srgbClr val="51A7F9"/>
-                              </a:solidFill>
-                              <a:latin typeface="Cambria Math" panose="02040503050406030204" pitchFamily="18" charset="0"/>
-                            </a:rPr>
-                          </m:ctrlPr>
-                          <m:type m:val="bar"/>
-                        </m:fPr>
-                        <m:num>
-                          <m:r>
-                            <a:rPr xmlns:a="http://schemas.openxmlformats.org/drawingml/2006/main" sz="6100" i="1">
-                              <a:solidFill>
-                                <a:srgbClr val="51A7F9"/>
-                              </a:solidFill>
-                              <a:latin typeface="Cambria Math" panose="02040503050406030204" pitchFamily="18" charset="0"/>
-                            </a:rPr>
-                            <m:t>i</m:t>
-                          </m:r>
-                          <m:r>
-                            <a:rPr xmlns:a="http://schemas.openxmlformats.org/drawingml/2006/main" sz="6100" i="1">
-                              <a:solidFill>
-                                <a:srgbClr val="51A7F9"/>
-                              </a:solidFill>
-                              <a:latin typeface="Cambria Math" panose="02040503050406030204" pitchFamily="18" charset="0"/>
-                            </a:rPr>
-                            <m:t>E</m:t>
-                          </m:r>
-                        </m:num>
-                        <m:den>
-                          <m:r>
-                            <m:rPr>
-                              <m:sty m:val="p"/>
-                            </m:rPr>
-                            <a:rPr xmlns:a="http://schemas.openxmlformats.org/drawingml/2006/main" sz="6100" i="1">
-                              <a:solidFill>
-                                <a:srgbClr val="51A7F9"/>
-                              </a:solidFill>
-                              <a:latin typeface="Cambria Math" panose="02040503050406030204" pitchFamily="18" charset="0"/>
-                            </a:rPr>
-                            <m:t>ℏ</m:t>
-                          </m:r>
-                        </m:den>
-                      </m:f>
-                      <m:r>
-                        <a:rPr xmlns:a="http://schemas.openxmlformats.org/drawingml/2006/main" sz="6100" i="1">
-                          <a:solidFill>
-                            <a:srgbClr val="51A7F9"/>
-                          </a:solidFill>
-                          <a:latin typeface="Cambria Math" panose="02040503050406030204" pitchFamily="18" charset="0"/>
-                        </a:rPr>
-                        <m:t>t</m:t>
-                      </m:r>
-                    </m:sup>
-                  </m:sSup>
-                </m:oMath>
-              </m:oMathPara>
-            </a14:m>
           </a:p>
           <a:p>
             <a:pPr/>
@@ -14496,26 +13322,11 @@
               <a:t>. Does the probability of the particle position depend on time?</a:t>
             </a:r>
           </a:p>
-          <a:p>
-            <a:pPr lvl="1">
-              <a:defRPr>
-                <a:solidFill>
-                  <a:schemeClr val="accent1">
-                    <a:satOff val="-3355"/>
-                    <a:lumOff val="26614"/>
-                  </a:schemeClr>
-                </a:solidFill>
-              </a:defRPr>
-            </a:pPr>
-            <a:r>
-              <a:t>No</a:t>
-            </a:r>
-          </a:p>
         </p:txBody>
       </p:sp>
       <p:sp>
         <p:nvSpPr>
-          <p:cNvPr id="281" name="Slide Number"/>
+          <p:cNvPr id="280" name="Slide Number"/>
           <p:cNvSpPr txBox="1"/>
           <p:nvPr>
             <p:ph type="sldNum" sz="quarter" idx="2"/>
@@ -14579,7 +13390,7 @@
                                       <p:cBhvr>
                                         <p:cTn id="6" fill="hold"/>
                                         <p:tgtEl>
-                                          <p:spTgt spid="280">
+                                          <p:spTgt spid="279">
                                             <p:bg/>
                                           </p:spTgt>
                                         </p:tgtEl>
@@ -14607,7 +13418,7 @@
                                       <p:cBhvr>
                                         <p:cTn id="8" fill="hold"/>
                                         <p:tgtEl>
-                                          <p:spTgt spid="280">
+                                          <p:spTgt spid="279">
                                             <p:txEl>
                                               <p:pRg st="0" end="0"/>
                                             </p:txEl>
@@ -14655,7 +13466,7 @@
                                       <p:cBhvr>
                                         <p:cTn id="12" fill="hold"/>
                                         <p:tgtEl>
-                                          <p:spTgt spid="280">
+                                          <p:spTgt spid="279">
                                             <p:txEl>
                                               <p:pRg st="1" end="1"/>
                                             </p:txEl>
@@ -14703,7 +13514,7 @@
                                       <p:cBhvr>
                                         <p:cTn id="16" fill="hold"/>
                                         <p:tgtEl>
-                                          <p:spTgt spid="280">
+                                          <p:spTgt spid="279">
                                             <p:txEl>
                                               <p:pRg st="2" end="2"/>
                                             </p:txEl>
@@ -14751,7 +13562,1476 @@
                                       <p:cBhvr>
                                         <p:cTn id="20" fill="hold"/>
                                         <p:tgtEl>
-                                          <p:spTgt spid="280">
+                                          <p:spTgt spid="279">
+                                            <p:txEl>
+                                              <p:pRg st="3" end="3"/>
+                                            </p:txEl>
+                                          </p:spTgt>
+                                        </p:tgtEl>
+                                        <p:attrNameLst>
+                                          <p:attrName>style.visibility</p:attrName>
+                                        </p:attrNameLst>
+                                      </p:cBhvr>
+                                      <p:to>
+                                        <p:strVal val="visible"/>
+                                      </p:to>
+                                    </p:set>
+                                  </p:childTnLst>
+                                </p:cTn>
+                              </p:par>
+                            </p:childTnLst>
+                          </p:cTn>
+                        </p:par>
+                      </p:childTnLst>
+                    </p:cTn>
+                  </p:par>
+                </p:childTnLst>
+              </p:cTn>
+              <p:prevCondLst>
+                <p:cond evt="onPrev">
+                  <p:tgtEl>
+                    <p:sldTgt/>
+                  </p:tgtEl>
+                </p:cond>
+              </p:prevCondLst>
+              <p:nextCondLst>
+                <p:cond evt="onNext">
+                  <p:tgtEl>
+                    <p:sldTgt/>
+                  </p:tgtEl>
+                </p:cond>
+              </p:nextCondLst>
+            </p:seq>
+          </p:childTnLst>
+        </p:cTn>
+      </p:par>
+    </p:tnLst>
+    <p:bldLst>
+      <p:bldP build="p" bldLvl="5" animBg="1" rev="0" advAuto="0" spid="279" grpId="1"/>
+    </p:bldLst>
+  </p:timing>
+</p:sld>
+</file>
+
+<file path=ppt/slides/slide24.xml><?xml version="1.0" encoding="utf-8"?>
+<p:sld xmlns:a="http://schemas.openxmlformats.org/drawingml/2006/main" xmlns:r="http://schemas.openxmlformats.org/officeDocument/2006/relationships" xmlns:p="http://schemas.openxmlformats.org/presentationml/2006/main" xmlns:m="http://schemas.openxmlformats.org/officeDocument/2006/math" xmlns:a14="http://schemas.microsoft.com/office/drawing/2010/main" showMasterSp="1" showMasterPhAnim="1">
+  <p:cSld>
+    <p:spTree>
+      <p:nvGrpSpPr>
+        <p:cNvPr id="1" name=""/>
+        <p:cNvGrpSpPr/>
+        <p:nvPr/>
+      </p:nvGrpSpPr>
+      <p:grpSpPr>
+        <a:xfrm>
+          <a:off x="0" y="0"/>
+          <a:ext cx="0" cy="0"/>
+          <a:chOff x="0" y="0"/>
+          <a:chExt cx="0" cy="0"/>
+        </a:xfrm>
+      </p:grpSpPr>
+      <p:sp>
+        <p:nvSpPr>
+          <p:cNvPr id="282" name="Summary of Postulates"/>
+          <p:cNvSpPr txBox="1"/>
+          <p:nvPr>
+            <p:ph type="title"/>
+          </p:nvPr>
+        </p:nvSpPr>
+        <p:spPr>
+          <a:xfrm>
+            <a:off x="635000" y="635000"/>
+            <a:ext cx="23114000" cy="1905000"/>
+          </a:xfrm>
+          <a:prstGeom prst="rect">
+            <a:avLst/>
+          </a:prstGeom>
+        </p:spPr>
+        <p:txBody>
+          <a:bodyPr/>
+          <a:lstStyle/>
+          <a:p>
+            <a:pPr/>
+            <a:r>
+              <a:t>Summary of Postulates</a:t>
+            </a:r>
+          </a:p>
+        </p:txBody>
+      </p:sp>
+      <p:sp>
+        <p:nvSpPr>
+          <p:cNvPr id="283" name="The state of a system is fully described by a function  , known as the wavefunction…"/>
+          <p:cNvSpPr txBox="1"/>
+          <p:nvPr>
+            <p:ph type="body" idx="1"/>
+          </p:nvPr>
+        </p:nvSpPr>
+        <p:spPr>
+          <a:prstGeom prst="rect">
+            <a:avLst/>
+          </a:prstGeom>
+        </p:spPr>
+        <p:txBody>
+          <a:bodyPr/>
+          <a:lstStyle/>
+          <a:p>
+            <a:pPr marL="524756" indent="-524756" defTabSz="698301">
+              <a:defRPr sz="4250"/>
+            </a:pPr>
+            <a:r>
+              <a:t>The state of a system is fully described by a function </a:t>
+            </a:r>
+            <a14:m>
+              <m:oMath>
+                <m:r>
+                  <m:rPr>
+                    <m:sty m:val="p"/>
+                  </m:rPr>
+                  <a:rPr xmlns:a="http://schemas.openxmlformats.org/drawingml/2006/main" sz="5200" i="1">
+                    <a:solidFill>
+                      <a:srgbClr val="000000"/>
+                    </a:solidFill>
+                    <a:latin typeface="Cambria Math" panose="02040503050406030204" pitchFamily="18" charset="0"/>
+                  </a:rPr>
+                  <m:t>Ψ</m:t>
+                </m:r>
+                <m:r>
+                  <a:rPr xmlns:a="http://schemas.openxmlformats.org/drawingml/2006/main" sz="5200" i="1">
+                    <a:solidFill>
+                      <a:srgbClr val="000000"/>
+                    </a:solidFill>
+                    <a:latin typeface="Cambria Math" panose="02040503050406030204" pitchFamily="18" charset="0"/>
+                  </a:rPr>
+                  <m:t>(</m:t>
+                </m:r>
+                <m:sSub>
+                  <m:e>
+                    <m:r>
+                      <a:rPr xmlns:a="http://schemas.openxmlformats.org/drawingml/2006/main" sz="5200" i="1">
+                        <a:solidFill>
+                          <a:srgbClr val="000000"/>
+                        </a:solidFill>
+                        <a:latin typeface="Cambria Math" panose="02040503050406030204" pitchFamily="18" charset="0"/>
+                      </a:rPr>
+                      <m:t>r</m:t>
+                    </m:r>
+                  </m:e>
+                  <m:sub>
+                    <m:r>
+                      <a:rPr xmlns:a="http://schemas.openxmlformats.org/drawingml/2006/main" sz="5200" i="1">
+                        <a:solidFill>
+                          <a:srgbClr val="000000"/>
+                        </a:solidFill>
+                        <a:latin typeface="Cambria Math" panose="02040503050406030204" pitchFamily="18" charset="0"/>
+                      </a:rPr>
+                      <m:t>1</m:t>
+                    </m:r>
+                  </m:sub>
+                </m:sSub>
+                <m:r>
+                  <a:rPr xmlns:a="http://schemas.openxmlformats.org/drawingml/2006/main" sz="5200" i="1">
+                    <a:solidFill>
+                      <a:srgbClr val="000000"/>
+                    </a:solidFill>
+                    <a:latin typeface="Cambria Math" panose="02040503050406030204" pitchFamily="18" charset="0"/>
+                  </a:rPr>
+                  <m:t>,</m:t>
+                </m:r>
+                <m:sSub>
+                  <m:e>
+                    <m:r>
+                      <a:rPr xmlns:a="http://schemas.openxmlformats.org/drawingml/2006/main" sz="5200" i="1">
+                        <a:solidFill>
+                          <a:srgbClr val="000000"/>
+                        </a:solidFill>
+                        <a:latin typeface="Cambria Math" panose="02040503050406030204" pitchFamily="18" charset="0"/>
+                      </a:rPr>
+                      <m:t>r</m:t>
+                    </m:r>
+                  </m:e>
+                  <m:sub>
+                    <m:r>
+                      <a:rPr xmlns:a="http://schemas.openxmlformats.org/drawingml/2006/main" sz="5200" i="1">
+                        <a:solidFill>
+                          <a:srgbClr val="000000"/>
+                        </a:solidFill>
+                        <a:latin typeface="Cambria Math" panose="02040503050406030204" pitchFamily="18" charset="0"/>
+                      </a:rPr>
+                      <m:t>2</m:t>
+                    </m:r>
+                  </m:sub>
+                </m:sSub>
+                <m:r>
+                  <a:rPr xmlns:a="http://schemas.openxmlformats.org/drawingml/2006/main" sz="5200" i="1">
+                    <a:solidFill>
+                      <a:srgbClr val="000000"/>
+                    </a:solidFill>
+                    <a:latin typeface="Cambria Math" panose="02040503050406030204" pitchFamily="18" charset="0"/>
+                  </a:rPr>
+                  <m:t>,</m:t>
+                </m:r>
+                <m:r>
+                  <a:rPr xmlns:a="http://schemas.openxmlformats.org/drawingml/2006/main" sz="5200" i="1">
+                    <a:solidFill>
+                      <a:srgbClr val="000000"/>
+                    </a:solidFill>
+                    <a:latin typeface="Cambria Math" panose="02040503050406030204" pitchFamily="18" charset="0"/>
+                  </a:rPr>
+                  <m:t>.</m:t>
+                </m:r>
+                <m:r>
+                  <a:rPr xmlns:a="http://schemas.openxmlformats.org/drawingml/2006/main" sz="5200" i="1">
+                    <a:solidFill>
+                      <a:srgbClr val="000000"/>
+                    </a:solidFill>
+                    <a:latin typeface="Cambria Math" panose="02040503050406030204" pitchFamily="18" charset="0"/>
+                  </a:rPr>
+                  <m:t>.</m:t>
+                </m:r>
+                <m:r>
+                  <a:rPr xmlns:a="http://schemas.openxmlformats.org/drawingml/2006/main" sz="5200" i="1">
+                    <a:solidFill>
+                      <a:srgbClr val="000000"/>
+                    </a:solidFill>
+                    <a:latin typeface="Cambria Math" panose="02040503050406030204" pitchFamily="18" charset="0"/>
+                  </a:rPr>
+                  <m:t>.</m:t>
+                </m:r>
+                <m:r>
+                  <a:rPr xmlns:a="http://schemas.openxmlformats.org/drawingml/2006/main" sz="5200" i="1">
+                    <a:solidFill>
+                      <a:srgbClr val="000000"/>
+                    </a:solidFill>
+                    <a:latin typeface="Cambria Math" panose="02040503050406030204" pitchFamily="18" charset="0"/>
+                  </a:rPr>
+                  <m:t>,</m:t>
+                </m:r>
+                <m:r>
+                  <a:rPr xmlns:a="http://schemas.openxmlformats.org/drawingml/2006/main" sz="5200" i="1">
+                    <a:solidFill>
+                      <a:srgbClr val="000000"/>
+                    </a:solidFill>
+                    <a:latin typeface="Cambria Math" panose="02040503050406030204" pitchFamily="18" charset="0"/>
+                  </a:rPr>
+                  <m:t>t</m:t>
+                </m:r>
+                <m:r>
+                  <a:rPr xmlns:a="http://schemas.openxmlformats.org/drawingml/2006/main" sz="5200" i="1">
+                    <a:solidFill>
+                      <a:srgbClr val="000000"/>
+                    </a:solidFill>
+                    <a:latin typeface="Cambria Math" panose="02040503050406030204" pitchFamily="18" charset="0"/>
+                  </a:rPr>
+                  <m:t>)</m:t>
+                </m:r>
+              </m:oMath>
+            </a14:m>
+            <a:r>
+              <a:t>, known as the wavefunction</a:t>
+            </a:r>
+          </a:p>
+          <a:p>
+            <a:pPr marL="524756" indent="-524756" defTabSz="698301">
+              <a:defRPr sz="4250"/>
+            </a:pPr>
+            <a:r>
+              <a:t>Observables are </a:t>
+            </a:r>
+            <a:r>
+              <a:rPr i="1">
+                <a:latin typeface="+mj-lt"/>
+                <a:ea typeface="+mj-ea"/>
+                <a:cs typeface="+mj-cs"/>
+                <a:sym typeface="Helvetica"/>
+              </a:rPr>
+              <a:t>represented</a:t>
+            </a:r>
+            <a:r>
+              <a:t> by Hermitian operators chosen to satisfy the the commutation relations </a:t>
+            </a:r>
+            <a14:m>
+              <m:oMath>
+                <m:r>
+                  <a:rPr xmlns:a="http://schemas.openxmlformats.org/drawingml/2006/main" sz="5200" i="1">
+                    <a:solidFill>
+                      <a:srgbClr val="000000"/>
+                    </a:solidFill>
+                    <a:latin typeface="Cambria Math" panose="02040503050406030204" pitchFamily="18" charset="0"/>
+                  </a:rPr>
+                  <m:t>[</m:t>
+                </m:r>
+                <m:r>
+                  <a:rPr xmlns:a="http://schemas.openxmlformats.org/drawingml/2006/main" sz="5200" i="1">
+                    <a:solidFill>
+                      <a:srgbClr val="000000"/>
+                    </a:solidFill>
+                    <a:latin typeface="Cambria Math" panose="02040503050406030204" pitchFamily="18" charset="0"/>
+                  </a:rPr>
+                  <m:t>q</m:t>
+                </m:r>
+                <m:r>
+                  <a:rPr xmlns:a="http://schemas.openxmlformats.org/drawingml/2006/main" sz="5200" i="1">
+                    <a:solidFill>
+                      <a:srgbClr val="000000"/>
+                    </a:solidFill>
+                    <a:latin typeface="Cambria Math" panose="02040503050406030204" pitchFamily="18" charset="0"/>
+                  </a:rPr>
+                  <m:t>,</m:t>
+                </m:r>
+                <m:sSub>
+                  <m:e>
+                    <m:r>
+                      <a:rPr xmlns:a="http://schemas.openxmlformats.org/drawingml/2006/main" sz="5200" i="1">
+                        <a:solidFill>
+                          <a:srgbClr val="000000"/>
+                        </a:solidFill>
+                        <a:latin typeface="Cambria Math" panose="02040503050406030204" pitchFamily="18" charset="0"/>
+                      </a:rPr>
+                      <m:t>p</m:t>
+                    </m:r>
+                  </m:e>
+                  <m:sub>
+                    <m:sSup>
+                      <m:e>
+                        <m:r>
+                          <a:rPr xmlns:a="http://schemas.openxmlformats.org/drawingml/2006/main" sz="5200" i="1">
+                            <a:solidFill>
+                              <a:srgbClr val="000000"/>
+                            </a:solidFill>
+                            <a:latin typeface="Cambria Math" panose="02040503050406030204" pitchFamily="18" charset="0"/>
+                          </a:rPr>
+                          <m:t>q</m:t>
+                        </m:r>
+                      </m:e>
+                      <m:sup>
+                        <m:r>
+                          <a:rPr xmlns:a="http://schemas.openxmlformats.org/drawingml/2006/main" sz="5200" i="1">
+                            <a:solidFill>
+                              <a:srgbClr val="000000"/>
+                            </a:solidFill>
+                            <a:latin typeface="Cambria Math" panose="02040503050406030204" pitchFamily="18" charset="0"/>
+                          </a:rPr>
+                          <m:t>′</m:t>
+                        </m:r>
+                      </m:sup>
+                    </m:sSup>
+                  </m:sub>
+                </m:sSub>
+                <m:r>
+                  <a:rPr xmlns:a="http://schemas.openxmlformats.org/drawingml/2006/main" sz="5200" i="1">
+                    <a:solidFill>
+                      <a:srgbClr val="000000"/>
+                    </a:solidFill>
+                    <a:latin typeface="Cambria Math" panose="02040503050406030204" pitchFamily="18" charset="0"/>
+                  </a:rPr>
+                  <m:t>]</m:t>
+                </m:r>
+                <m:r>
+                  <a:rPr xmlns:a="http://schemas.openxmlformats.org/drawingml/2006/main" sz="5200" i="1">
+                    <a:solidFill>
+                      <a:srgbClr val="000000"/>
+                    </a:solidFill>
+                    <a:latin typeface="Cambria Math" panose="02040503050406030204" pitchFamily="18" charset="0"/>
+                  </a:rPr>
+                  <m:t>=</m:t>
+                </m:r>
+                <m:r>
+                  <a:rPr xmlns:a="http://schemas.openxmlformats.org/drawingml/2006/main" sz="5200" i="1">
+                    <a:solidFill>
+                      <a:srgbClr val="000000"/>
+                    </a:solidFill>
+                    <a:latin typeface="Cambria Math" panose="02040503050406030204" pitchFamily="18" charset="0"/>
+                  </a:rPr>
+                  <m:t>i</m:t>
+                </m:r>
+                <m:r>
+                  <m:rPr>
+                    <m:sty m:val="p"/>
+                  </m:rPr>
+                  <a:rPr xmlns:a="http://schemas.openxmlformats.org/drawingml/2006/main" sz="5200" i="1">
+                    <a:solidFill>
+                      <a:srgbClr val="000000"/>
+                    </a:solidFill>
+                    <a:latin typeface="Cambria Math" panose="02040503050406030204" pitchFamily="18" charset="0"/>
+                  </a:rPr>
+                  <m:t>ℏ</m:t>
+                </m:r>
+                <m:sSub>
+                  <m:e>
+                    <m:r>
+                      <a:rPr xmlns:a="http://schemas.openxmlformats.org/drawingml/2006/main" sz="5200" i="1">
+                        <a:solidFill>
+                          <a:srgbClr val="000000"/>
+                        </a:solidFill>
+                        <a:latin typeface="Cambria Math" panose="02040503050406030204" pitchFamily="18" charset="0"/>
+                      </a:rPr>
+                      <m:t>δ</m:t>
+                    </m:r>
+                  </m:e>
+                  <m:sub>
+                    <m:r>
+                      <a:rPr xmlns:a="http://schemas.openxmlformats.org/drawingml/2006/main" sz="5200" i="1">
+                        <a:solidFill>
+                          <a:srgbClr val="000000"/>
+                        </a:solidFill>
+                        <a:latin typeface="Cambria Math" panose="02040503050406030204" pitchFamily="18" charset="0"/>
+                      </a:rPr>
+                      <m:t>q</m:t>
+                    </m:r>
+                    <m:sSup>
+                      <m:e>
+                        <m:r>
+                          <a:rPr xmlns:a="http://schemas.openxmlformats.org/drawingml/2006/main" sz="5200" i="1">
+                            <a:solidFill>
+                              <a:srgbClr val="000000"/>
+                            </a:solidFill>
+                            <a:latin typeface="Cambria Math" panose="02040503050406030204" pitchFamily="18" charset="0"/>
+                          </a:rPr>
+                          <m:t>q</m:t>
+                        </m:r>
+                      </m:e>
+                      <m:sup>
+                        <m:r>
+                          <a:rPr xmlns:a="http://schemas.openxmlformats.org/drawingml/2006/main" sz="5200" i="1">
+                            <a:solidFill>
+                              <a:srgbClr val="000000"/>
+                            </a:solidFill>
+                            <a:latin typeface="Cambria Math" panose="02040503050406030204" pitchFamily="18" charset="0"/>
+                          </a:rPr>
+                          <m:t>′</m:t>
+                        </m:r>
+                      </m:sup>
+                    </m:sSup>
+                  </m:sub>
+                </m:sSub>
+              </m:oMath>
+            </a14:m>
+            <a:r>
+              <a:t>, </a:t>
+            </a:r>
+            <a14:m>
+              <m:oMath>
+                <m:r>
+                  <a:rPr xmlns:a="http://schemas.openxmlformats.org/drawingml/2006/main" sz="5200" i="1">
+                    <a:solidFill>
+                      <a:srgbClr val="000000"/>
+                    </a:solidFill>
+                    <a:latin typeface="Cambria Math" panose="02040503050406030204" pitchFamily="18" charset="0"/>
+                  </a:rPr>
+                  <m:t>[</m:t>
+                </m:r>
+                <m:r>
+                  <a:rPr xmlns:a="http://schemas.openxmlformats.org/drawingml/2006/main" sz="5200" i="1">
+                    <a:solidFill>
+                      <a:srgbClr val="000000"/>
+                    </a:solidFill>
+                    <a:latin typeface="Cambria Math" panose="02040503050406030204" pitchFamily="18" charset="0"/>
+                  </a:rPr>
+                  <m:t>q</m:t>
+                </m:r>
+                <m:r>
+                  <a:rPr xmlns:a="http://schemas.openxmlformats.org/drawingml/2006/main" sz="5200" i="1">
+                    <a:solidFill>
+                      <a:srgbClr val="000000"/>
+                    </a:solidFill>
+                    <a:latin typeface="Cambria Math" panose="02040503050406030204" pitchFamily="18" charset="0"/>
+                  </a:rPr>
+                  <m:t>,</m:t>
+                </m:r>
+                <m:sSup>
+                  <m:e>
+                    <m:r>
+                      <a:rPr xmlns:a="http://schemas.openxmlformats.org/drawingml/2006/main" sz="5200" i="1">
+                        <a:solidFill>
+                          <a:srgbClr val="000000"/>
+                        </a:solidFill>
+                        <a:latin typeface="Cambria Math" panose="02040503050406030204" pitchFamily="18" charset="0"/>
+                      </a:rPr>
+                      <m:t>q</m:t>
+                    </m:r>
+                  </m:e>
+                  <m:sup>
+                    <m:r>
+                      <a:rPr xmlns:a="http://schemas.openxmlformats.org/drawingml/2006/main" sz="5200" i="1">
+                        <a:solidFill>
+                          <a:srgbClr val="000000"/>
+                        </a:solidFill>
+                        <a:latin typeface="Cambria Math" panose="02040503050406030204" pitchFamily="18" charset="0"/>
+                      </a:rPr>
+                      <m:t>′</m:t>
+                    </m:r>
+                  </m:sup>
+                </m:sSup>
+                <m:r>
+                  <a:rPr xmlns:a="http://schemas.openxmlformats.org/drawingml/2006/main" sz="5200" i="1">
+                    <a:solidFill>
+                      <a:srgbClr val="000000"/>
+                    </a:solidFill>
+                    <a:latin typeface="Cambria Math" panose="02040503050406030204" pitchFamily="18" charset="0"/>
+                  </a:rPr>
+                  <m:t>]</m:t>
+                </m:r>
+                <m:r>
+                  <a:rPr xmlns:a="http://schemas.openxmlformats.org/drawingml/2006/main" sz="5200" i="1">
+                    <a:solidFill>
+                      <a:srgbClr val="000000"/>
+                    </a:solidFill>
+                    <a:latin typeface="Cambria Math" panose="02040503050406030204" pitchFamily="18" charset="0"/>
+                  </a:rPr>
+                  <m:t>=</m:t>
+                </m:r>
+                <m:r>
+                  <a:rPr xmlns:a="http://schemas.openxmlformats.org/drawingml/2006/main" sz="5200" i="1">
+                    <a:solidFill>
+                      <a:srgbClr val="000000"/>
+                    </a:solidFill>
+                    <a:latin typeface="Cambria Math" panose="02040503050406030204" pitchFamily="18" charset="0"/>
+                  </a:rPr>
+                  <m:t>0</m:t>
+                </m:r>
+              </m:oMath>
+            </a14:m>
+            <a:r>
+              <a:t>, </a:t>
+            </a:r>
+            <a14:m>
+              <m:oMath>
+                <m:r>
+                  <a:rPr xmlns:a="http://schemas.openxmlformats.org/drawingml/2006/main" sz="5200" i="1">
+                    <a:solidFill>
+                      <a:srgbClr val="000000"/>
+                    </a:solidFill>
+                    <a:latin typeface="Cambria Math" panose="02040503050406030204" pitchFamily="18" charset="0"/>
+                  </a:rPr>
+                  <m:t>[</m:t>
+                </m:r>
+                <m:sSub>
+                  <m:e>
+                    <m:r>
+                      <a:rPr xmlns:a="http://schemas.openxmlformats.org/drawingml/2006/main" sz="5200" i="1">
+                        <a:solidFill>
+                          <a:srgbClr val="000000"/>
+                        </a:solidFill>
+                        <a:latin typeface="Cambria Math" panose="02040503050406030204" pitchFamily="18" charset="0"/>
+                      </a:rPr>
+                      <m:t>p</m:t>
+                    </m:r>
+                  </m:e>
+                  <m:sub>
+                    <m:r>
+                      <a:rPr xmlns:a="http://schemas.openxmlformats.org/drawingml/2006/main" sz="5200" i="1">
+                        <a:solidFill>
+                          <a:srgbClr val="000000"/>
+                        </a:solidFill>
+                        <a:latin typeface="Cambria Math" panose="02040503050406030204" pitchFamily="18" charset="0"/>
+                      </a:rPr>
+                      <m:t>q</m:t>
+                    </m:r>
+                  </m:sub>
+                </m:sSub>
+                <m:r>
+                  <a:rPr xmlns:a="http://schemas.openxmlformats.org/drawingml/2006/main" sz="5200" i="1">
+                    <a:solidFill>
+                      <a:srgbClr val="000000"/>
+                    </a:solidFill>
+                    <a:latin typeface="Cambria Math" panose="02040503050406030204" pitchFamily="18" charset="0"/>
+                  </a:rPr>
+                  <m:t>,</m:t>
+                </m:r>
+                <m:sSub>
+                  <m:e>
+                    <m:r>
+                      <a:rPr xmlns:a="http://schemas.openxmlformats.org/drawingml/2006/main" sz="5200" i="1">
+                        <a:solidFill>
+                          <a:srgbClr val="000000"/>
+                        </a:solidFill>
+                        <a:latin typeface="Cambria Math" panose="02040503050406030204" pitchFamily="18" charset="0"/>
+                      </a:rPr>
+                      <m:t>p</m:t>
+                    </m:r>
+                  </m:e>
+                  <m:sub>
+                    <m:sSup>
+                      <m:e>
+                        <m:r>
+                          <a:rPr xmlns:a="http://schemas.openxmlformats.org/drawingml/2006/main" sz="5200" i="1">
+                            <a:solidFill>
+                              <a:srgbClr val="000000"/>
+                            </a:solidFill>
+                            <a:latin typeface="Cambria Math" panose="02040503050406030204" pitchFamily="18" charset="0"/>
+                          </a:rPr>
+                          <m:t>q</m:t>
+                        </m:r>
+                      </m:e>
+                      <m:sup>
+                        <m:r>
+                          <a:rPr xmlns:a="http://schemas.openxmlformats.org/drawingml/2006/main" sz="5200" i="1">
+                            <a:solidFill>
+                              <a:srgbClr val="000000"/>
+                            </a:solidFill>
+                            <a:latin typeface="Cambria Math" panose="02040503050406030204" pitchFamily="18" charset="0"/>
+                          </a:rPr>
+                          <m:t>′</m:t>
+                        </m:r>
+                      </m:sup>
+                    </m:sSup>
+                  </m:sub>
+                </m:sSub>
+                <m:r>
+                  <a:rPr xmlns:a="http://schemas.openxmlformats.org/drawingml/2006/main" sz="5200" i="1">
+                    <a:solidFill>
+                      <a:srgbClr val="000000"/>
+                    </a:solidFill>
+                    <a:latin typeface="Cambria Math" panose="02040503050406030204" pitchFamily="18" charset="0"/>
+                  </a:rPr>
+                  <m:t>]</m:t>
+                </m:r>
+                <m:r>
+                  <a:rPr xmlns:a="http://schemas.openxmlformats.org/drawingml/2006/main" sz="5200" i="1">
+                    <a:solidFill>
+                      <a:srgbClr val="000000"/>
+                    </a:solidFill>
+                    <a:latin typeface="Cambria Math" panose="02040503050406030204" pitchFamily="18" charset="0"/>
+                  </a:rPr>
+                  <m:t>=</m:t>
+                </m:r>
+                <m:r>
+                  <a:rPr xmlns:a="http://schemas.openxmlformats.org/drawingml/2006/main" sz="5200" i="1">
+                    <a:solidFill>
+                      <a:srgbClr val="000000"/>
+                    </a:solidFill>
+                    <a:latin typeface="Cambria Math" panose="02040503050406030204" pitchFamily="18" charset="0"/>
+                  </a:rPr>
+                  <m:t>0</m:t>
+                </m:r>
+              </m:oMath>
+            </a14:m>
+          </a:p>
+          <a:p>
+            <a:pPr marL="524756" indent="-524756" defTabSz="698301">
+              <a:defRPr sz="4250"/>
+            </a:pPr>
+            <a:r>
+              <a:t>The mean value of the observable in a series of measurements is equal to the expectation value of the corresponding operator. For an eigenfunction expansion </a:t>
+            </a:r>
+            <a14:m>
+              <m:oMath>
+                <m:r>
+                  <m:rPr>
+                    <m:sty m:val="p"/>
+                  </m:rPr>
+                  <a:rPr xmlns:a="http://schemas.openxmlformats.org/drawingml/2006/main" sz="5200" i="1">
+                    <a:solidFill>
+                      <a:srgbClr val="000000"/>
+                    </a:solidFill>
+                    <a:latin typeface="Cambria Math" panose="02040503050406030204" pitchFamily="18" charset="0"/>
+                  </a:rPr>
+                  <m:t>Ψ</m:t>
+                </m:r>
+                <m:r>
+                  <a:rPr xmlns:a="http://schemas.openxmlformats.org/drawingml/2006/main" sz="5200" i="1">
+                    <a:solidFill>
+                      <a:srgbClr val="000000"/>
+                    </a:solidFill>
+                    <a:latin typeface="Cambria Math" panose="02040503050406030204" pitchFamily="18" charset="0"/>
+                  </a:rPr>
+                  <m:t>=</m:t>
+                </m:r>
+                <m:limLow>
+                  <m:e>
+                    <m:r>
+                      <a:rPr xmlns:a="http://schemas.openxmlformats.org/drawingml/2006/main" sz="5200" i="1">
+                        <a:solidFill>
+                          <a:srgbClr val="000000"/>
+                        </a:solidFill>
+                        <a:latin typeface="Cambria Math" panose="02040503050406030204" pitchFamily="18" charset="0"/>
+                      </a:rPr>
+                      <m:t>∑</m:t>
+                    </m:r>
+                  </m:e>
+                  <m:lim>
+                    <m:r>
+                      <a:rPr xmlns:a="http://schemas.openxmlformats.org/drawingml/2006/main" sz="5200" i="1">
+                        <a:solidFill>
+                          <a:srgbClr val="000000"/>
+                        </a:solidFill>
+                        <a:latin typeface="Cambria Math" panose="02040503050406030204" pitchFamily="18" charset="0"/>
+                      </a:rPr>
+                      <m:t>m</m:t>
+                    </m:r>
+                  </m:lim>
+                </m:limLow>
+                <m:sSub>
+                  <m:e>
+                    <m:r>
+                      <a:rPr xmlns:a="http://schemas.openxmlformats.org/drawingml/2006/main" sz="5200" i="1">
+                        <a:solidFill>
+                          <a:srgbClr val="000000"/>
+                        </a:solidFill>
+                        <a:latin typeface="Cambria Math" panose="02040503050406030204" pitchFamily="18" charset="0"/>
+                      </a:rPr>
+                      <m:t>c</m:t>
+                    </m:r>
+                  </m:e>
+                  <m:sub>
+                    <m:r>
+                      <a:rPr xmlns:a="http://schemas.openxmlformats.org/drawingml/2006/main" sz="5200" i="1">
+                        <a:solidFill>
+                          <a:srgbClr val="000000"/>
+                        </a:solidFill>
+                        <a:latin typeface="Cambria Math" panose="02040503050406030204" pitchFamily="18" charset="0"/>
+                      </a:rPr>
+                      <m:t>m</m:t>
+                    </m:r>
+                  </m:sub>
+                </m:sSub>
+                <m:sSub>
+                  <m:e>
+                    <m:r>
+                      <m:rPr>
+                        <m:sty m:val="p"/>
+                      </m:rPr>
+                      <a:rPr xmlns:a="http://schemas.openxmlformats.org/drawingml/2006/main" sz="5200" i="1">
+                        <a:solidFill>
+                          <a:srgbClr val="000000"/>
+                        </a:solidFill>
+                        <a:latin typeface="Cambria Math" panose="02040503050406030204" pitchFamily="18" charset="0"/>
+                      </a:rPr>
+                      <m:t>Ψ</m:t>
+                    </m:r>
+                  </m:e>
+                  <m:sub>
+                    <m:r>
+                      <a:rPr xmlns:a="http://schemas.openxmlformats.org/drawingml/2006/main" sz="5200" i="1">
+                        <a:solidFill>
+                          <a:srgbClr val="000000"/>
+                        </a:solidFill>
+                        <a:latin typeface="Cambria Math" panose="02040503050406030204" pitchFamily="18" charset="0"/>
+                      </a:rPr>
+                      <m:t>m</m:t>
+                    </m:r>
+                  </m:sub>
+                </m:sSub>
+              </m:oMath>
+            </a14:m>
+            <a:r>
+              <a:t>, the probability of measuring a particular eigenvalue </a:t>
+            </a:r>
+            <a14:m>
+              <m:oMath>
+                <m:sSub>
+                  <m:e>
+                    <m:r>
+                      <a:rPr xmlns:a="http://schemas.openxmlformats.org/drawingml/2006/main" sz="5200" i="1">
+                        <a:solidFill>
+                          <a:srgbClr val="000000"/>
+                        </a:solidFill>
+                        <a:latin typeface="Cambria Math" panose="02040503050406030204" pitchFamily="18" charset="0"/>
+                      </a:rPr>
+                      <m:t>ω</m:t>
+                    </m:r>
+                  </m:e>
+                  <m:sub>
+                    <m:r>
+                      <a:rPr xmlns:a="http://schemas.openxmlformats.org/drawingml/2006/main" sz="5200" i="1">
+                        <a:solidFill>
+                          <a:srgbClr val="000000"/>
+                        </a:solidFill>
+                        <a:latin typeface="Cambria Math" panose="02040503050406030204" pitchFamily="18" charset="0"/>
+                      </a:rPr>
+                      <m:t>n</m:t>
+                    </m:r>
+                  </m:sub>
+                </m:sSub>
+              </m:oMath>
+            </a14:m>
+            <a:r>
+              <a:t> is proportional to </a:t>
+            </a:r>
+            <a14:m>
+              <m:oMath>
+                <m:r>
+                  <a:rPr xmlns:a="http://schemas.openxmlformats.org/drawingml/2006/main" sz="5200" i="1">
+                    <a:solidFill>
+                      <a:srgbClr val="000000"/>
+                    </a:solidFill>
+                    <a:latin typeface="Cambria Math" panose="02040503050406030204" pitchFamily="18" charset="0"/>
+                  </a:rPr>
+                  <m:t>|</m:t>
+                </m:r>
+                <m:sSub>
+                  <m:e>
+                    <m:r>
+                      <a:rPr xmlns:a="http://schemas.openxmlformats.org/drawingml/2006/main" sz="5200" i="1">
+                        <a:solidFill>
+                          <a:srgbClr val="000000"/>
+                        </a:solidFill>
+                        <a:latin typeface="Cambria Math" panose="02040503050406030204" pitchFamily="18" charset="0"/>
+                      </a:rPr>
+                      <m:t>c</m:t>
+                    </m:r>
+                  </m:e>
+                  <m:sub>
+                    <m:r>
+                      <a:rPr xmlns:a="http://schemas.openxmlformats.org/drawingml/2006/main" sz="5200" i="1">
+                        <a:solidFill>
+                          <a:srgbClr val="000000"/>
+                        </a:solidFill>
+                        <a:latin typeface="Cambria Math" panose="02040503050406030204" pitchFamily="18" charset="0"/>
+                      </a:rPr>
+                      <m:t>m</m:t>
+                    </m:r>
+                  </m:sub>
+                </m:sSub>
+                <m:sSup>
+                  <m:e>
+                    <m:r>
+                      <a:rPr xmlns:a="http://schemas.openxmlformats.org/drawingml/2006/main" sz="5200" i="1">
+                        <a:solidFill>
+                          <a:srgbClr val="000000"/>
+                        </a:solidFill>
+                        <a:latin typeface="Cambria Math" panose="02040503050406030204" pitchFamily="18" charset="0"/>
+                      </a:rPr>
+                      <m:t>|</m:t>
+                    </m:r>
+                  </m:e>
+                  <m:sup>
+                    <m:r>
+                      <a:rPr xmlns:a="http://schemas.openxmlformats.org/drawingml/2006/main" sz="5200" i="1">
+                        <a:solidFill>
+                          <a:srgbClr val="000000"/>
+                        </a:solidFill>
+                        <a:latin typeface="Cambria Math" panose="02040503050406030204" pitchFamily="18" charset="0"/>
+                      </a:rPr>
+                      <m:t>2</m:t>
+                    </m:r>
+                  </m:sup>
+                </m:sSup>
+              </m:oMath>
+            </a14:m>
+            <a:r>
+              <a:t>. Measurement makes the system </a:t>
+            </a:r>
+            <a:r>
+              <a:rPr i="1">
+                <a:latin typeface="+mj-lt"/>
+                <a:ea typeface="+mj-ea"/>
+                <a:cs typeface="+mj-cs"/>
+                <a:sym typeface="Helvetica"/>
+              </a:rPr>
+              <a:t>collapse</a:t>
+            </a:r>
+            <a:r>
+              <a:t> onto a state.</a:t>
+            </a:r>
+          </a:p>
+          <a:p>
+            <a:pPr marL="524756" indent="-524756" defTabSz="698301">
+              <a:defRPr sz="4250"/>
+            </a:pPr>
+            <a:r>
+              <a:t>The probability that a particle will be found in the volume element </a:t>
+            </a:r>
+            <a14:m>
+              <m:oMath>
+                <m:r>
+                  <a:rPr xmlns:a="http://schemas.openxmlformats.org/drawingml/2006/main" sz="5200" i="1">
+                    <a:solidFill>
+                      <a:srgbClr val="000000"/>
+                    </a:solidFill>
+                    <a:latin typeface="Cambria Math" panose="02040503050406030204" pitchFamily="18" charset="0"/>
+                  </a:rPr>
+                  <m:t>d</m:t>
+                </m:r>
+                <m:r>
+                  <a:rPr xmlns:a="http://schemas.openxmlformats.org/drawingml/2006/main" sz="5200" i="1">
+                    <a:solidFill>
+                      <a:srgbClr val="000000"/>
+                    </a:solidFill>
+                    <a:latin typeface="Cambria Math" panose="02040503050406030204" pitchFamily="18" charset="0"/>
+                  </a:rPr>
+                  <m:t>τ</m:t>
+                </m:r>
+              </m:oMath>
+            </a14:m>
+            <a:r>
+              <a:t> at the point </a:t>
+            </a:r>
+            <a14:m>
+              <m:oMath>
+                <m:r>
+                  <a:rPr xmlns:a="http://schemas.openxmlformats.org/drawingml/2006/main" sz="5200" i="1">
+                    <a:solidFill>
+                      <a:srgbClr val="000000"/>
+                    </a:solidFill>
+                    <a:latin typeface="Cambria Math" panose="02040503050406030204" pitchFamily="18" charset="0"/>
+                  </a:rPr>
+                  <m:t>r</m:t>
+                </m:r>
+              </m:oMath>
+            </a14:m>
+            <a:r>
+              <a:t> is proportional to </a:t>
+            </a:r>
+            <a14:m>
+              <m:oMath>
+                <m:r>
+                  <a:rPr xmlns:a="http://schemas.openxmlformats.org/drawingml/2006/main" sz="5200" i="1">
+                    <a:solidFill>
+                      <a:srgbClr val="000000"/>
+                    </a:solidFill>
+                    <a:latin typeface="Cambria Math" panose="02040503050406030204" pitchFamily="18" charset="0"/>
+                  </a:rPr>
+                  <m:t>|</m:t>
+                </m:r>
+                <m:r>
+                  <m:rPr>
+                    <m:sty m:val="p"/>
+                  </m:rPr>
+                  <a:rPr xmlns:a="http://schemas.openxmlformats.org/drawingml/2006/main" sz="5200" i="1">
+                    <a:solidFill>
+                      <a:srgbClr val="000000"/>
+                    </a:solidFill>
+                    <a:latin typeface="Cambria Math" panose="02040503050406030204" pitchFamily="18" charset="0"/>
+                  </a:rPr>
+                  <m:t>Ψ</m:t>
+                </m:r>
+                <m:r>
+                  <a:rPr xmlns:a="http://schemas.openxmlformats.org/drawingml/2006/main" sz="5200" i="1">
+                    <a:solidFill>
+                      <a:srgbClr val="000000"/>
+                    </a:solidFill>
+                    <a:latin typeface="Cambria Math" panose="02040503050406030204" pitchFamily="18" charset="0"/>
+                  </a:rPr>
+                  <m:t>(</m:t>
+                </m:r>
+                <m:r>
+                  <a:rPr xmlns:a="http://schemas.openxmlformats.org/drawingml/2006/main" sz="5200" i="1">
+                    <a:solidFill>
+                      <a:srgbClr val="000000"/>
+                    </a:solidFill>
+                    <a:latin typeface="Cambria Math" panose="02040503050406030204" pitchFamily="18" charset="0"/>
+                  </a:rPr>
+                  <m:t>r</m:t>
+                </m:r>
+                <m:r>
+                  <a:rPr xmlns:a="http://schemas.openxmlformats.org/drawingml/2006/main" sz="5200" i="1">
+                    <a:solidFill>
+                      <a:srgbClr val="000000"/>
+                    </a:solidFill>
+                    <a:latin typeface="Cambria Math" panose="02040503050406030204" pitchFamily="18" charset="0"/>
+                  </a:rPr>
+                  <m:t>)</m:t>
+                </m:r>
+                <m:sSup>
+                  <m:e>
+                    <m:r>
+                      <a:rPr xmlns:a="http://schemas.openxmlformats.org/drawingml/2006/main" sz="5200" i="1">
+                        <a:solidFill>
+                          <a:srgbClr val="000000"/>
+                        </a:solidFill>
+                        <a:latin typeface="Cambria Math" panose="02040503050406030204" pitchFamily="18" charset="0"/>
+                      </a:rPr>
+                      <m:t>|</m:t>
+                    </m:r>
+                  </m:e>
+                  <m:sup>
+                    <m:r>
+                      <a:rPr xmlns:a="http://schemas.openxmlformats.org/drawingml/2006/main" sz="5200" i="1">
+                        <a:solidFill>
+                          <a:srgbClr val="000000"/>
+                        </a:solidFill>
+                        <a:latin typeface="Cambria Math" panose="02040503050406030204" pitchFamily="18" charset="0"/>
+                      </a:rPr>
+                      <m:t>2</m:t>
+                    </m:r>
+                  </m:sup>
+                </m:sSup>
+                <m:r>
+                  <a:rPr xmlns:a="http://schemas.openxmlformats.org/drawingml/2006/main" sz="5200" i="1">
+                    <a:solidFill>
+                      <a:srgbClr val="000000"/>
+                    </a:solidFill>
+                    <a:latin typeface="Cambria Math" panose="02040503050406030204" pitchFamily="18" charset="0"/>
+                  </a:rPr>
+                  <m:t>d</m:t>
+                </m:r>
+                <m:r>
+                  <a:rPr xmlns:a="http://schemas.openxmlformats.org/drawingml/2006/main" sz="5200" i="1">
+                    <a:solidFill>
+                      <a:srgbClr val="000000"/>
+                    </a:solidFill>
+                    <a:latin typeface="Cambria Math" panose="02040503050406030204" pitchFamily="18" charset="0"/>
+                  </a:rPr>
+                  <m:t>τ</m:t>
+                </m:r>
+              </m:oMath>
+            </a14:m>
+            <a:r>
+              <a:t>.</a:t>
+            </a:r>
+          </a:p>
+          <a:p>
+            <a:pPr marL="524756" indent="-524756" defTabSz="698301">
+              <a:defRPr sz="4250"/>
+            </a:pPr>
+            <a:r>
+              <a:t>The wavefunction evolves in time according to </a:t>
+            </a:r>
+            <a14:m>
+              <m:oMath>
+                <m:r>
+                  <a:rPr xmlns:a="http://schemas.openxmlformats.org/drawingml/2006/main" sz="5200" i="1">
+                    <a:solidFill>
+                      <a:srgbClr val="000000"/>
+                    </a:solidFill>
+                    <a:latin typeface="Cambria Math" panose="02040503050406030204" pitchFamily="18" charset="0"/>
+                  </a:rPr>
+                  <m:t>i</m:t>
+                </m:r>
+                <m:r>
+                  <m:rPr>
+                    <m:sty m:val="p"/>
+                  </m:rPr>
+                  <a:rPr xmlns:a="http://schemas.openxmlformats.org/drawingml/2006/main" sz="5200" i="1">
+                    <a:solidFill>
+                      <a:srgbClr val="000000"/>
+                    </a:solidFill>
+                    <a:latin typeface="Cambria Math" panose="02040503050406030204" pitchFamily="18" charset="0"/>
+                  </a:rPr>
+                  <m:t>ℏ</m:t>
+                </m:r>
+                <m:f>
+                  <m:fPr>
+                    <m:ctrlPr>
+                      <a:rPr xmlns:a="http://schemas.openxmlformats.org/drawingml/2006/main" sz="5200" i="1">
+                        <a:solidFill>
+                          <a:srgbClr val="000000"/>
+                        </a:solidFill>
+                        <a:latin typeface="Cambria Math" panose="02040503050406030204" pitchFamily="18" charset="0"/>
+                      </a:rPr>
+                    </m:ctrlPr>
+                    <m:type m:val="bar"/>
+                  </m:fPr>
+                  <m:num>
+                    <m:r>
+                      <m:rPr>
+                        <m:sty m:val="p"/>
+                      </m:rPr>
+                      <a:rPr xmlns:a="http://schemas.openxmlformats.org/drawingml/2006/main" sz="5200" i="1">
+                        <a:solidFill>
+                          <a:srgbClr val="000000"/>
+                        </a:solidFill>
+                        <a:latin typeface="Cambria Math" panose="02040503050406030204" pitchFamily="18" charset="0"/>
+                      </a:rPr>
+                      <m:t>∂</m:t>
+                    </m:r>
+                    <m:r>
+                      <m:rPr>
+                        <m:sty m:val="p"/>
+                      </m:rPr>
+                      <a:rPr xmlns:a="http://schemas.openxmlformats.org/drawingml/2006/main" sz="5200" i="1">
+                        <a:solidFill>
+                          <a:srgbClr val="000000"/>
+                        </a:solidFill>
+                        <a:latin typeface="Cambria Math" panose="02040503050406030204" pitchFamily="18" charset="0"/>
+                      </a:rPr>
+                      <m:t>Ψ</m:t>
+                    </m:r>
+                  </m:num>
+                  <m:den>
+                    <m:r>
+                      <m:rPr>
+                        <m:sty m:val="p"/>
+                      </m:rPr>
+                      <a:rPr xmlns:a="http://schemas.openxmlformats.org/drawingml/2006/main" sz="5200" i="1">
+                        <a:solidFill>
+                          <a:srgbClr val="000000"/>
+                        </a:solidFill>
+                        <a:latin typeface="Cambria Math" panose="02040503050406030204" pitchFamily="18" charset="0"/>
+                      </a:rPr>
+                      <m:t>∂</m:t>
+                    </m:r>
+                    <m:r>
+                      <a:rPr xmlns:a="http://schemas.openxmlformats.org/drawingml/2006/main" sz="5200" i="1">
+                        <a:solidFill>
+                          <a:srgbClr val="000000"/>
+                        </a:solidFill>
+                        <a:latin typeface="Cambria Math" panose="02040503050406030204" pitchFamily="18" charset="0"/>
+                      </a:rPr>
+                      <m:t>t</m:t>
+                    </m:r>
+                  </m:den>
+                </m:f>
+                <m:r>
+                  <a:rPr xmlns:a="http://schemas.openxmlformats.org/drawingml/2006/main" sz="5200" i="1">
+                    <a:solidFill>
+                      <a:srgbClr val="000000"/>
+                    </a:solidFill>
+                    <a:latin typeface="Cambria Math" panose="02040503050406030204" pitchFamily="18" charset="0"/>
+                  </a:rPr>
+                  <m:t>=</m:t>
+                </m:r>
+                <m:limUpp>
+                  <m:e>
+                    <m:r>
+                      <m:rPr>
+                        <m:sty m:val="b"/>
+                      </m:rPr>
+                      <a:rPr xmlns:a="http://schemas.openxmlformats.org/drawingml/2006/main" sz="5200" i="1">
+                        <a:solidFill>
+                          <a:srgbClr val="000000"/>
+                        </a:solidFill>
+                        <a:latin typeface="Cambria Math" panose="02040503050406030204" pitchFamily="18" charset="0"/>
+                      </a:rPr>
+                      <m:t>H</m:t>
+                    </m:r>
+                  </m:e>
+                  <m:lim>
+                    <m:r>
+                      <a:rPr xmlns:a="http://schemas.openxmlformats.org/drawingml/2006/main" sz="5200" i="1">
+                        <a:solidFill>
+                          <a:srgbClr val="000000"/>
+                        </a:solidFill>
+                        <a:latin typeface="Cambria Math" panose="02040503050406030204" pitchFamily="18" charset="0"/>
+                      </a:rPr>
+                      <m:t>̂</m:t>
+                    </m:r>
+                  </m:lim>
+                </m:limUpp>
+                <m:r>
+                  <m:rPr>
+                    <m:sty m:val="p"/>
+                  </m:rPr>
+                  <a:rPr xmlns:a="http://schemas.openxmlformats.org/drawingml/2006/main" sz="5200" i="1">
+                    <a:solidFill>
+                      <a:srgbClr val="000000"/>
+                    </a:solidFill>
+                    <a:latin typeface="Cambria Math" panose="02040503050406030204" pitchFamily="18" charset="0"/>
+                  </a:rPr>
+                  <m:t>Ψ</m:t>
+                </m:r>
+              </m:oMath>
+            </a14:m>
+            <a:r>
+              <a:t>. If the potential energy is time-independent, then </a:t>
+            </a:r>
+            <a14:m>
+              <m:oMath>
+                <m:limUpp>
+                  <m:e>
+                    <m:r>
+                      <m:rPr>
+                        <m:sty m:val="b"/>
+                      </m:rPr>
+                      <a:rPr xmlns:a="http://schemas.openxmlformats.org/drawingml/2006/main" sz="5200" i="1">
+                        <a:solidFill>
+                          <a:srgbClr val="000000"/>
+                        </a:solidFill>
+                        <a:latin typeface="Cambria Math" panose="02040503050406030204" pitchFamily="18" charset="0"/>
+                      </a:rPr>
+                      <m:t>H</m:t>
+                    </m:r>
+                  </m:e>
+                  <m:lim>
+                    <m:r>
+                      <a:rPr xmlns:a="http://schemas.openxmlformats.org/drawingml/2006/main" sz="5200" i="1">
+                        <a:solidFill>
+                          <a:srgbClr val="000000"/>
+                        </a:solidFill>
+                        <a:latin typeface="Cambria Math" panose="02040503050406030204" pitchFamily="18" charset="0"/>
+                      </a:rPr>
+                      <m:t>̂</m:t>
+                    </m:r>
+                  </m:lim>
+                </m:limUpp>
+                <m:r>
+                  <m:rPr>
+                    <m:sty m:val="p"/>
+                  </m:rPr>
+                  <a:rPr xmlns:a="http://schemas.openxmlformats.org/drawingml/2006/main" sz="5200" i="1">
+                    <a:solidFill>
+                      <a:srgbClr val="000000"/>
+                    </a:solidFill>
+                    <a:latin typeface="Cambria Math" panose="02040503050406030204" pitchFamily="18" charset="0"/>
+                  </a:rPr>
+                  <m:t>Ψ</m:t>
+                </m:r>
+                <m:r>
+                  <a:rPr xmlns:a="http://schemas.openxmlformats.org/drawingml/2006/main" sz="5200" i="1">
+                    <a:solidFill>
+                      <a:srgbClr val="000000"/>
+                    </a:solidFill>
+                    <a:latin typeface="Cambria Math" panose="02040503050406030204" pitchFamily="18" charset="0"/>
+                  </a:rPr>
+                  <m:t>=</m:t>
+                </m:r>
+                <m:r>
+                  <a:rPr xmlns:a="http://schemas.openxmlformats.org/drawingml/2006/main" sz="5200" i="1">
+                    <a:solidFill>
+                      <a:srgbClr val="000000"/>
+                    </a:solidFill>
+                    <a:latin typeface="Cambria Math" panose="02040503050406030204" pitchFamily="18" charset="0"/>
+                  </a:rPr>
+                  <m:t>E</m:t>
+                </m:r>
+                <m:r>
+                  <m:rPr>
+                    <m:sty m:val="p"/>
+                  </m:rPr>
+                  <a:rPr xmlns:a="http://schemas.openxmlformats.org/drawingml/2006/main" sz="5200" i="1">
+                    <a:solidFill>
+                      <a:srgbClr val="000000"/>
+                    </a:solidFill>
+                    <a:latin typeface="Cambria Math" panose="02040503050406030204" pitchFamily="18" charset="0"/>
+                  </a:rPr>
+                  <m:t>Ψ</m:t>
+                </m:r>
+              </m:oMath>
+            </a14:m>
+            <a:endParaRPr sz="5000"/>
+          </a:p>
+        </p:txBody>
+      </p:sp>
+      <p:sp>
+        <p:nvSpPr>
+          <p:cNvPr id="284" name="Slide Number"/>
+          <p:cNvSpPr txBox="1"/>
+          <p:nvPr>
+            <p:ph type="sldNum" sz="quarter" idx="2"/>
+          </p:nvPr>
+        </p:nvSpPr>
+        <p:spPr>
+          <a:prstGeom prst="rect">
+            <a:avLst/>
+          </a:prstGeom>
+          <a:extLst>
+            <a:ext uri="{C572A759-6A51-4108-AA02-DFA0A04FC94B}">
+              <ma14:wrappingTextBoxFlag xmlns:ma14="http://schemas.microsoft.com/office/mac/drawingml/2011/main" val="1"/>
+            </a:ext>
+          </a:extLst>
+        </p:spPr>
+        <p:txBody>
+          <a:bodyPr/>
+          <a:lstStyle/>
+          <a:p>
+            <a:pPr/>
+            <a:fld id="{86CB4B4D-7CA3-9044-876B-883B54F8677D}" type="slidenum"/>
+          </a:p>
+        </p:txBody>
+      </p:sp>
+    </p:spTree>
+  </p:cSld>
+  <p:clrMapOvr>
+    <a:masterClrMapping/>
+  </p:clrMapOvr>
+  <p:transition xmlns:p14="http://schemas.microsoft.com/office/powerpoint/2010/main" spd="med" advClick="1"/>
+  <p:timing>
+    <p:tnLst>
+      <p:par>
+        <p:cTn id="1" nodeType="tmRoot" restart="never" dur="indefinite" fill="hold">
+          <p:childTnLst>
+            <p:seq concurrent="1" prevAc="none" nextAc="seek">
+              <p:cTn id="2" nodeType="mainSeq" dur="indefinite" fill="hold">
+                <p:childTnLst>
+                  <p:par>
+                    <p:cTn id="3" fill="hold">
+                      <p:stCondLst>
+                        <p:cond delay="indefinite"/>
+                      </p:stCondLst>
+                      <p:childTnLst>
+                        <p:par>
+                          <p:cTn id="4" fill="hold">
+                            <p:stCondLst>
+                              <p:cond delay="0"/>
+                            </p:stCondLst>
+                            <p:childTnLst>
+                              <p:par>
+                                <p:cTn id="5" presetClass="entr" nodeType="clickEffect" presetSubtype="0" presetID="1" grpId="1" fill="hold">
+                                  <p:stCondLst>
+                                    <p:cond delay="0"/>
+                                  </p:stCondLst>
+                                  <p:iterate type="el" backwards="0">
+                                    <p:tmAbs val="0"/>
+                                  </p:iterate>
+                                  <p:childTnLst>
+                                    <p:set>
+                                      <p:cBhvr>
+                                        <p:cTn id="6" fill="hold"/>
+                                        <p:tgtEl>
+                                          <p:spTgt spid="283">
+                                            <p:bg/>
+                                          </p:spTgt>
+                                        </p:tgtEl>
+                                        <p:attrNameLst>
+                                          <p:attrName>style.visibility</p:attrName>
+                                        </p:attrNameLst>
+                                      </p:cBhvr>
+                                      <p:to>
+                                        <p:strVal val="visible"/>
+                                      </p:to>
+                                    </p:set>
+                                  </p:childTnLst>
+                                </p:cTn>
+                              </p:par>
+                              <p:par>
+                                <p:cTn id="7" presetClass="entr" nodeType="withEffect" presetSubtype="0" presetID="1" grpId="1" fill="hold">
+                                  <p:stCondLst>
+                                    <p:cond delay="0"/>
+                                  </p:stCondLst>
+                                  <p:iterate type="el" backwards="0">
+                                    <p:tmAbs val="0"/>
+                                  </p:iterate>
+                                  <p:childTnLst>
+                                    <p:set>
+                                      <p:cBhvr>
+                                        <p:cTn id="8" fill="hold"/>
+                                        <p:tgtEl>
+                                          <p:spTgt spid="283">
+                                            <p:txEl>
+                                              <p:pRg st="0" end="0"/>
+                                            </p:txEl>
+                                          </p:spTgt>
+                                        </p:tgtEl>
+                                        <p:attrNameLst>
+                                          <p:attrName>style.visibility</p:attrName>
+                                        </p:attrNameLst>
+                                      </p:cBhvr>
+                                      <p:to>
+                                        <p:strVal val="visible"/>
+                                      </p:to>
+                                    </p:set>
+                                  </p:childTnLst>
+                                </p:cTn>
+                              </p:par>
+                            </p:childTnLst>
+                          </p:cTn>
+                        </p:par>
+                      </p:childTnLst>
+                    </p:cTn>
+                  </p:par>
+                  <p:par>
+                    <p:cTn id="9" fill="hold">
+                      <p:stCondLst>
+                        <p:cond delay="indefinite"/>
+                      </p:stCondLst>
+                      <p:childTnLst>
+                        <p:par>
+                          <p:cTn id="10" fill="hold">
+                            <p:stCondLst>
+                              <p:cond delay="0"/>
+                            </p:stCondLst>
+                            <p:childTnLst>
+                              <p:par>
+                                <p:cTn id="11" presetClass="entr" nodeType="clickEffect" presetSubtype="0" presetID="1" grpId="1" fill="hold">
+                                  <p:stCondLst>
+                                    <p:cond delay="0"/>
+                                  </p:stCondLst>
+                                  <p:iterate type="el" backwards="0">
+                                    <p:tmAbs val="0"/>
+                                  </p:iterate>
+                                  <p:childTnLst>
+                                    <p:set>
+                                      <p:cBhvr>
+                                        <p:cTn id="12" fill="hold"/>
+                                        <p:tgtEl>
+                                          <p:spTgt spid="283">
+                                            <p:txEl>
+                                              <p:pRg st="1" end="1"/>
+                                            </p:txEl>
+                                          </p:spTgt>
+                                        </p:tgtEl>
+                                        <p:attrNameLst>
+                                          <p:attrName>style.visibility</p:attrName>
+                                        </p:attrNameLst>
+                                      </p:cBhvr>
+                                      <p:to>
+                                        <p:strVal val="visible"/>
+                                      </p:to>
+                                    </p:set>
+                                  </p:childTnLst>
+                                </p:cTn>
+                              </p:par>
+                            </p:childTnLst>
+                          </p:cTn>
+                        </p:par>
+                      </p:childTnLst>
+                    </p:cTn>
+                  </p:par>
+                  <p:par>
+                    <p:cTn id="13" fill="hold">
+                      <p:stCondLst>
+                        <p:cond delay="indefinite"/>
+                      </p:stCondLst>
+                      <p:childTnLst>
+                        <p:par>
+                          <p:cTn id="14" fill="hold">
+                            <p:stCondLst>
+                              <p:cond delay="0"/>
+                            </p:stCondLst>
+                            <p:childTnLst>
+                              <p:par>
+                                <p:cTn id="15" presetClass="entr" nodeType="clickEffect" presetSubtype="0" presetID="1" grpId="1" fill="hold">
+                                  <p:stCondLst>
+                                    <p:cond delay="0"/>
+                                  </p:stCondLst>
+                                  <p:iterate type="el" backwards="0">
+                                    <p:tmAbs val="0"/>
+                                  </p:iterate>
+                                  <p:childTnLst>
+                                    <p:set>
+                                      <p:cBhvr>
+                                        <p:cTn id="16" fill="hold"/>
+                                        <p:tgtEl>
+                                          <p:spTgt spid="283">
+                                            <p:txEl>
+                                              <p:pRg st="2" end="2"/>
+                                            </p:txEl>
+                                          </p:spTgt>
+                                        </p:tgtEl>
+                                        <p:attrNameLst>
+                                          <p:attrName>style.visibility</p:attrName>
+                                        </p:attrNameLst>
+                                      </p:cBhvr>
+                                      <p:to>
+                                        <p:strVal val="visible"/>
+                                      </p:to>
+                                    </p:set>
+                                  </p:childTnLst>
+                                </p:cTn>
+                              </p:par>
+                            </p:childTnLst>
+                          </p:cTn>
+                        </p:par>
+                      </p:childTnLst>
+                    </p:cTn>
+                  </p:par>
+                  <p:par>
+                    <p:cTn id="17" fill="hold">
+                      <p:stCondLst>
+                        <p:cond delay="indefinite"/>
+                      </p:stCondLst>
+                      <p:childTnLst>
+                        <p:par>
+                          <p:cTn id="18" fill="hold">
+                            <p:stCondLst>
+                              <p:cond delay="0"/>
+                            </p:stCondLst>
+                            <p:childTnLst>
+                              <p:par>
+                                <p:cTn id="19" presetClass="entr" nodeType="clickEffect" presetSubtype="0" presetID="1" grpId="1" fill="hold">
+                                  <p:stCondLst>
+                                    <p:cond delay="0"/>
+                                  </p:stCondLst>
+                                  <p:iterate type="el" backwards="0">
+                                    <p:tmAbs val="0"/>
+                                  </p:iterate>
+                                  <p:childTnLst>
+                                    <p:set>
+                                      <p:cBhvr>
+                                        <p:cTn id="20" fill="hold"/>
+                                        <p:tgtEl>
+                                          <p:spTgt spid="283">
                                             <p:txEl>
                                               <p:pRg st="3" end="3"/>
                                             </p:txEl>
@@ -14799,1572 +15079,7 @@
                                       <p:cBhvr>
                                         <p:cTn id="24" fill="hold"/>
                                         <p:tgtEl>
-                                          <p:spTgt spid="280">
-                                            <p:txEl>
-                                              <p:pRg st="4" end="4"/>
-                                            </p:txEl>
-                                          </p:spTgt>
-                                        </p:tgtEl>
-                                        <p:attrNameLst>
-                                          <p:attrName>style.visibility</p:attrName>
-                                        </p:attrNameLst>
-                                      </p:cBhvr>
-                                      <p:to>
-                                        <p:strVal val="visible"/>
-                                      </p:to>
-                                    </p:set>
-                                  </p:childTnLst>
-                                </p:cTn>
-                              </p:par>
-                            </p:childTnLst>
-                          </p:cTn>
-                        </p:par>
-                      </p:childTnLst>
-                    </p:cTn>
-                  </p:par>
-                  <p:par>
-                    <p:cTn id="25" fill="hold">
-                      <p:stCondLst>
-                        <p:cond delay="indefinite"/>
-                      </p:stCondLst>
-                      <p:childTnLst>
-                        <p:par>
-                          <p:cTn id="26" fill="hold">
-                            <p:stCondLst>
-                              <p:cond delay="0"/>
-                            </p:stCondLst>
-                            <p:childTnLst>
-                              <p:par>
-                                <p:cTn id="27" presetClass="entr" nodeType="clickEffect" presetSubtype="0" presetID="1" grpId="1" fill="hold">
-                                  <p:stCondLst>
-                                    <p:cond delay="0"/>
-                                  </p:stCondLst>
-                                  <p:iterate type="el" backwards="0">
-                                    <p:tmAbs val="0"/>
-                                  </p:iterate>
-                                  <p:childTnLst>
-                                    <p:set>
-                                      <p:cBhvr>
-                                        <p:cTn id="28" fill="hold"/>
-                                        <p:tgtEl>
-                                          <p:spTgt spid="280">
-                                            <p:txEl>
-                                              <p:pRg st="5" end="5"/>
-                                            </p:txEl>
-                                          </p:spTgt>
-                                        </p:tgtEl>
-                                        <p:attrNameLst>
-                                          <p:attrName>style.visibility</p:attrName>
-                                        </p:attrNameLst>
-                                      </p:cBhvr>
-                                      <p:to>
-                                        <p:strVal val="visible"/>
-                                      </p:to>
-                                    </p:set>
-                                  </p:childTnLst>
-                                </p:cTn>
-                              </p:par>
-                            </p:childTnLst>
-                          </p:cTn>
-                        </p:par>
-                      </p:childTnLst>
-                    </p:cTn>
-                  </p:par>
-                </p:childTnLst>
-              </p:cTn>
-              <p:prevCondLst>
-                <p:cond evt="onPrev">
-                  <p:tgtEl>
-                    <p:sldTgt/>
-                  </p:tgtEl>
-                </p:cond>
-              </p:prevCondLst>
-              <p:nextCondLst>
-                <p:cond evt="onNext">
-                  <p:tgtEl>
-                    <p:sldTgt/>
-                  </p:tgtEl>
-                </p:cond>
-              </p:nextCondLst>
-            </p:seq>
-          </p:childTnLst>
-        </p:cTn>
-      </p:par>
-    </p:tnLst>
-    <p:bldLst>
-      <p:bldP build="p" bldLvl="5" animBg="1" rev="0" advAuto="0" spid="280" grpId="1"/>
-    </p:bldLst>
-  </p:timing>
-</p:sld>
-</file>
-
-<file path=ppt/slides/slide24.xml><?xml version="1.0" encoding="utf-8"?>
-<p:sld xmlns:a="http://schemas.openxmlformats.org/drawingml/2006/main" xmlns:r="http://schemas.openxmlformats.org/officeDocument/2006/relationships" xmlns:p="http://schemas.openxmlformats.org/presentationml/2006/main" xmlns:m="http://schemas.openxmlformats.org/officeDocument/2006/math" xmlns:a14="http://schemas.microsoft.com/office/drawing/2010/main" showMasterSp="1" showMasterPhAnim="1">
-  <p:cSld>
-    <p:spTree>
-      <p:nvGrpSpPr>
-        <p:cNvPr id="1" name=""/>
-        <p:cNvGrpSpPr/>
-        <p:nvPr/>
-      </p:nvGrpSpPr>
-      <p:grpSpPr>
-        <a:xfrm>
-          <a:off x="0" y="0"/>
-          <a:ext cx="0" cy="0"/>
-          <a:chOff x="0" y="0"/>
-          <a:chExt cx="0" cy="0"/>
-        </a:xfrm>
-      </p:grpSpPr>
-      <p:sp>
-        <p:nvSpPr>
-          <p:cNvPr id="283" name="Summary of Postulates"/>
-          <p:cNvSpPr txBox="1"/>
-          <p:nvPr>
-            <p:ph type="title"/>
-          </p:nvPr>
-        </p:nvSpPr>
-        <p:spPr>
-          <a:xfrm>
-            <a:off x="635000" y="635000"/>
-            <a:ext cx="23114000" cy="1905000"/>
-          </a:xfrm>
-          <a:prstGeom prst="rect">
-            <a:avLst/>
-          </a:prstGeom>
-        </p:spPr>
-        <p:txBody>
-          <a:bodyPr/>
-          <a:lstStyle/>
-          <a:p>
-            <a:pPr/>
-            <a:r>
-              <a:t>Summary of Postulates</a:t>
-            </a:r>
-          </a:p>
-        </p:txBody>
-      </p:sp>
-      <p:sp>
-        <p:nvSpPr>
-          <p:cNvPr id="284" name="The state of a system is fully described by a function  , known as the wavefunction…"/>
-          <p:cNvSpPr txBox="1"/>
-          <p:nvPr>
-            <p:ph type="body" idx="1"/>
-          </p:nvPr>
-        </p:nvSpPr>
-        <p:spPr>
-          <a:prstGeom prst="rect">
-            <a:avLst/>
-          </a:prstGeom>
-        </p:spPr>
-        <p:txBody>
-          <a:bodyPr/>
-          <a:lstStyle/>
-          <a:p>
-            <a:pPr marL="524756" indent="-524756" defTabSz="698301">
-              <a:defRPr sz="4250"/>
-            </a:pPr>
-            <a:r>
-              <a:t>The state of a system is fully described by a function </a:t>
-            </a:r>
-            <a14:m>
-              <m:oMath>
-                <m:r>
-                  <m:rPr>
-                    <m:sty m:val="p"/>
-                  </m:rPr>
-                  <a:rPr xmlns:a="http://schemas.openxmlformats.org/drawingml/2006/main" sz="5200" i="1">
-                    <a:solidFill>
-                      <a:srgbClr val="000000"/>
-                    </a:solidFill>
-                    <a:latin typeface="Cambria Math" panose="02040503050406030204" pitchFamily="18" charset="0"/>
-                  </a:rPr>
-                  <m:t>Ψ</m:t>
-                </m:r>
-                <m:r>
-                  <a:rPr xmlns:a="http://schemas.openxmlformats.org/drawingml/2006/main" sz="5200" i="1">
-                    <a:solidFill>
-                      <a:srgbClr val="000000"/>
-                    </a:solidFill>
-                    <a:latin typeface="Cambria Math" panose="02040503050406030204" pitchFamily="18" charset="0"/>
-                  </a:rPr>
-                  <m:t>(</m:t>
-                </m:r>
-                <m:sSub>
-                  <m:e>
-                    <m:r>
-                      <a:rPr xmlns:a="http://schemas.openxmlformats.org/drawingml/2006/main" sz="5200" i="1">
-                        <a:solidFill>
-                          <a:srgbClr val="000000"/>
-                        </a:solidFill>
-                        <a:latin typeface="Cambria Math" panose="02040503050406030204" pitchFamily="18" charset="0"/>
-                      </a:rPr>
-                      <m:t>r</m:t>
-                    </m:r>
-                  </m:e>
-                  <m:sub>
-                    <m:r>
-                      <a:rPr xmlns:a="http://schemas.openxmlformats.org/drawingml/2006/main" sz="5200" i="1">
-                        <a:solidFill>
-                          <a:srgbClr val="000000"/>
-                        </a:solidFill>
-                        <a:latin typeface="Cambria Math" panose="02040503050406030204" pitchFamily="18" charset="0"/>
-                      </a:rPr>
-                      <m:t>1</m:t>
-                    </m:r>
-                  </m:sub>
-                </m:sSub>
-                <m:r>
-                  <a:rPr xmlns:a="http://schemas.openxmlformats.org/drawingml/2006/main" sz="5200" i="1">
-                    <a:solidFill>
-                      <a:srgbClr val="000000"/>
-                    </a:solidFill>
-                    <a:latin typeface="Cambria Math" panose="02040503050406030204" pitchFamily="18" charset="0"/>
-                  </a:rPr>
-                  <m:t>,</m:t>
-                </m:r>
-                <m:sSub>
-                  <m:e>
-                    <m:r>
-                      <a:rPr xmlns:a="http://schemas.openxmlformats.org/drawingml/2006/main" sz="5200" i="1">
-                        <a:solidFill>
-                          <a:srgbClr val="000000"/>
-                        </a:solidFill>
-                        <a:latin typeface="Cambria Math" panose="02040503050406030204" pitchFamily="18" charset="0"/>
-                      </a:rPr>
-                      <m:t>r</m:t>
-                    </m:r>
-                  </m:e>
-                  <m:sub>
-                    <m:r>
-                      <a:rPr xmlns:a="http://schemas.openxmlformats.org/drawingml/2006/main" sz="5200" i="1">
-                        <a:solidFill>
-                          <a:srgbClr val="000000"/>
-                        </a:solidFill>
-                        <a:latin typeface="Cambria Math" panose="02040503050406030204" pitchFamily="18" charset="0"/>
-                      </a:rPr>
-                      <m:t>2</m:t>
-                    </m:r>
-                  </m:sub>
-                </m:sSub>
-                <m:r>
-                  <a:rPr xmlns:a="http://schemas.openxmlformats.org/drawingml/2006/main" sz="5200" i="1">
-                    <a:solidFill>
-                      <a:srgbClr val="000000"/>
-                    </a:solidFill>
-                    <a:latin typeface="Cambria Math" panose="02040503050406030204" pitchFamily="18" charset="0"/>
-                  </a:rPr>
-                  <m:t>,</m:t>
-                </m:r>
-                <m:r>
-                  <a:rPr xmlns:a="http://schemas.openxmlformats.org/drawingml/2006/main" sz="5200" i="1">
-                    <a:solidFill>
-                      <a:srgbClr val="000000"/>
-                    </a:solidFill>
-                    <a:latin typeface="Cambria Math" panose="02040503050406030204" pitchFamily="18" charset="0"/>
-                  </a:rPr>
-                  <m:t>.</m:t>
-                </m:r>
-                <m:r>
-                  <a:rPr xmlns:a="http://schemas.openxmlformats.org/drawingml/2006/main" sz="5200" i="1">
-                    <a:solidFill>
-                      <a:srgbClr val="000000"/>
-                    </a:solidFill>
-                    <a:latin typeface="Cambria Math" panose="02040503050406030204" pitchFamily="18" charset="0"/>
-                  </a:rPr>
-                  <m:t>.</m:t>
-                </m:r>
-                <m:r>
-                  <a:rPr xmlns:a="http://schemas.openxmlformats.org/drawingml/2006/main" sz="5200" i="1">
-                    <a:solidFill>
-                      <a:srgbClr val="000000"/>
-                    </a:solidFill>
-                    <a:latin typeface="Cambria Math" panose="02040503050406030204" pitchFamily="18" charset="0"/>
-                  </a:rPr>
-                  <m:t>.</m:t>
-                </m:r>
-                <m:r>
-                  <a:rPr xmlns:a="http://schemas.openxmlformats.org/drawingml/2006/main" sz="5200" i="1">
-                    <a:solidFill>
-                      <a:srgbClr val="000000"/>
-                    </a:solidFill>
-                    <a:latin typeface="Cambria Math" panose="02040503050406030204" pitchFamily="18" charset="0"/>
-                  </a:rPr>
-                  <m:t>,</m:t>
-                </m:r>
-                <m:r>
-                  <a:rPr xmlns:a="http://schemas.openxmlformats.org/drawingml/2006/main" sz="5200" i="1">
-                    <a:solidFill>
-                      <a:srgbClr val="000000"/>
-                    </a:solidFill>
-                    <a:latin typeface="Cambria Math" panose="02040503050406030204" pitchFamily="18" charset="0"/>
-                  </a:rPr>
-                  <m:t>t</m:t>
-                </m:r>
-                <m:r>
-                  <a:rPr xmlns:a="http://schemas.openxmlformats.org/drawingml/2006/main" sz="5200" i="1">
-                    <a:solidFill>
-                      <a:srgbClr val="000000"/>
-                    </a:solidFill>
-                    <a:latin typeface="Cambria Math" panose="02040503050406030204" pitchFamily="18" charset="0"/>
-                  </a:rPr>
-                  <m:t>)</m:t>
-                </m:r>
-              </m:oMath>
-            </a14:m>
-            <a:r>
-              <a:t>, known as the wavefunction</a:t>
-            </a:r>
-          </a:p>
-          <a:p>
-            <a:pPr marL="524756" indent="-524756" defTabSz="698301">
-              <a:defRPr sz="4250"/>
-            </a:pPr>
-            <a:r>
-              <a:t>Observables are </a:t>
-            </a:r>
-            <a:r>
-              <a:rPr i="1">
-                <a:latin typeface="+mj-lt"/>
-                <a:ea typeface="+mj-ea"/>
-                <a:cs typeface="+mj-cs"/>
-                <a:sym typeface="Helvetica"/>
-              </a:rPr>
-              <a:t>represented</a:t>
-            </a:r>
-            <a:r>
-              <a:t> by Hermitian operators chosen to satisfy the the commutation relations </a:t>
-            </a:r>
-            <a14:m>
-              <m:oMath>
-                <m:r>
-                  <a:rPr xmlns:a="http://schemas.openxmlformats.org/drawingml/2006/main" sz="5200" i="1">
-                    <a:solidFill>
-                      <a:srgbClr val="000000"/>
-                    </a:solidFill>
-                    <a:latin typeface="Cambria Math" panose="02040503050406030204" pitchFamily="18" charset="0"/>
-                  </a:rPr>
-                  <m:t>[</m:t>
-                </m:r>
-                <m:r>
-                  <a:rPr xmlns:a="http://schemas.openxmlformats.org/drawingml/2006/main" sz="5200" i="1">
-                    <a:solidFill>
-                      <a:srgbClr val="000000"/>
-                    </a:solidFill>
-                    <a:latin typeface="Cambria Math" panose="02040503050406030204" pitchFamily="18" charset="0"/>
-                  </a:rPr>
-                  <m:t>q</m:t>
-                </m:r>
-                <m:r>
-                  <a:rPr xmlns:a="http://schemas.openxmlformats.org/drawingml/2006/main" sz="5200" i="1">
-                    <a:solidFill>
-                      <a:srgbClr val="000000"/>
-                    </a:solidFill>
-                    <a:latin typeface="Cambria Math" panose="02040503050406030204" pitchFamily="18" charset="0"/>
-                  </a:rPr>
-                  <m:t>,</m:t>
-                </m:r>
-                <m:sSub>
-                  <m:e>
-                    <m:r>
-                      <a:rPr xmlns:a="http://schemas.openxmlformats.org/drawingml/2006/main" sz="5200" i="1">
-                        <a:solidFill>
-                          <a:srgbClr val="000000"/>
-                        </a:solidFill>
-                        <a:latin typeface="Cambria Math" panose="02040503050406030204" pitchFamily="18" charset="0"/>
-                      </a:rPr>
-                      <m:t>p</m:t>
-                    </m:r>
-                  </m:e>
-                  <m:sub>
-                    <m:sSup>
-                      <m:e>
-                        <m:r>
-                          <a:rPr xmlns:a="http://schemas.openxmlformats.org/drawingml/2006/main" sz="5200" i="1">
-                            <a:solidFill>
-                              <a:srgbClr val="000000"/>
-                            </a:solidFill>
-                            <a:latin typeface="Cambria Math" panose="02040503050406030204" pitchFamily="18" charset="0"/>
-                          </a:rPr>
-                          <m:t>q</m:t>
-                        </m:r>
-                      </m:e>
-                      <m:sup>
-                        <m:r>
-                          <a:rPr xmlns:a="http://schemas.openxmlformats.org/drawingml/2006/main" sz="5200" i="1">
-                            <a:solidFill>
-                              <a:srgbClr val="000000"/>
-                            </a:solidFill>
-                            <a:latin typeface="Cambria Math" panose="02040503050406030204" pitchFamily="18" charset="0"/>
-                          </a:rPr>
-                          <m:t>′</m:t>
-                        </m:r>
-                      </m:sup>
-                    </m:sSup>
-                  </m:sub>
-                </m:sSub>
-                <m:r>
-                  <a:rPr xmlns:a="http://schemas.openxmlformats.org/drawingml/2006/main" sz="5200" i="1">
-                    <a:solidFill>
-                      <a:srgbClr val="000000"/>
-                    </a:solidFill>
-                    <a:latin typeface="Cambria Math" panose="02040503050406030204" pitchFamily="18" charset="0"/>
-                  </a:rPr>
-                  <m:t>]</m:t>
-                </m:r>
-                <m:r>
-                  <a:rPr xmlns:a="http://schemas.openxmlformats.org/drawingml/2006/main" sz="5200" i="1">
-                    <a:solidFill>
-                      <a:srgbClr val="000000"/>
-                    </a:solidFill>
-                    <a:latin typeface="Cambria Math" panose="02040503050406030204" pitchFamily="18" charset="0"/>
-                  </a:rPr>
-                  <m:t>=</m:t>
-                </m:r>
-                <m:r>
-                  <a:rPr xmlns:a="http://schemas.openxmlformats.org/drawingml/2006/main" sz="5200" i="1">
-                    <a:solidFill>
-                      <a:srgbClr val="000000"/>
-                    </a:solidFill>
-                    <a:latin typeface="Cambria Math" panose="02040503050406030204" pitchFamily="18" charset="0"/>
-                  </a:rPr>
-                  <m:t>i</m:t>
-                </m:r>
-                <m:r>
-                  <m:rPr>
-                    <m:sty m:val="p"/>
-                  </m:rPr>
-                  <a:rPr xmlns:a="http://schemas.openxmlformats.org/drawingml/2006/main" sz="5200" i="1">
-                    <a:solidFill>
-                      <a:srgbClr val="000000"/>
-                    </a:solidFill>
-                    <a:latin typeface="Cambria Math" panose="02040503050406030204" pitchFamily="18" charset="0"/>
-                  </a:rPr>
-                  <m:t>ℏ</m:t>
-                </m:r>
-                <m:sSub>
-                  <m:e>
-                    <m:r>
-                      <a:rPr xmlns:a="http://schemas.openxmlformats.org/drawingml/2006/main" sz="5200" i="1">
-                        <a:solidFill>
-                          <a:srgbClr val="000000"/>
-                        </a:solidFill>
-                        <a:latin typeface="Cambria Math" panose="02040503050406030204" pitchFamily="18" charset="0"/>
-                      </a:rPr>
-                      <m:t>δ</m:t>
-                    </m:r>
-                  </m:e>
-                  <m:sub>
-                    <m:r>
-                      <a:rPr xmlns:a="http://schemas.openxmlformats.org/drawingml/2006/main" sz="5200" i="1">
-                        <a:solidFill>
-                          <a:srgbClr val="000000"/>
-                        </a:solidFill>
-                        <a:latin typeface="Cambria Math" panose="02040503050406030204" pitchFamily="18" charset="0"/>
-                      </a:rPr>
-                      <m:t>q</m:t>
-                    </m:r>
-                    <m:sSup>
-                      <m:e>
-                        <m:r>
-                          <a:rPr xmlns:a="http://schemas.openxmlformats.org/drawingml/2006/main" sz="5200" i="1">
-                            <a:solidFill>
-                              <a:srgbClr val="000000"/>
-                            </a:solidFill>
-                            <a:latin typeface="Cambria Math" panose="02040503050406030204" pitchFamily="18" charset="0"/>
-                          </a:rPr>
-                          <m:t>q</m:t>
-                        </m:r>
-                      </m:e>
-                      <m:sup>
-                        <m:r>
-                          <a:rPr xmlns:a="http://schemas.openxmlformats.org/drawingml/2006/main" sz="5200" i="1">
-                            <a:solidFill>
-                              <a:srgbClr val="000000"/>
-                            </a:solidFill>
-                            <a:latin typeface="Cambria Math" panose="02040503050406030204" pitchFamily="18" charset="0"/>
-                          </a:rPr>
-                          <m:t>′</m:t>
-                        </m:r>
-                      </m:sup>
-                    </m:sSup>
-                  </m:sub>
-                </m:sSub>
-              </m:oMath>
-            </a14:m>
-            <a:r>
-              <a:t>, </a:t>
-            </a:r>
-            <a14:m>
-              <m:oMath>
-                <m:r>
-                  <a:rPr xmlns:a="http://schemas.openxmlformats.org/drawingml/2006/main" sz="5200" i="1">
-                    <a:solidFill>
-                      <a:srgbClr val="000000"/>
-                    </a:solidFill>
-                    <a:latin typeface="Cambria Math" panose="02040503050406030204" pitchFamily="18" charset="0"/>
-                  </a:rPr>
-                  <m:t>[</m:t>
-                </m:r>
-                <m:r>
-                  <a:rPr xmlns:a="http://schemas.openxmlformats.org/drawingml/2006/main" sz="5200" i="1">
-                    <a:solidFill>
-                      <a:srgbClr val="000000"/>
-                    </a:solidFill>
-                    <a:latin typeface="Cambria Math" panose="02040503050406030204" pitchFamily="18" charset="0"/>
-                  </a:rPr>
-                  <m:t>q</m:t>
-                </m:r>
-                <m:r>
-                  <a:rPr xmlns:a="http://schemas.openxmlformats.org/drawingml/2006/main" sz="5200" i="1">
-                    <a:solidFill>
-                      <a:srgbClr val="000000"/>
-                    </a:solidFill>
-                    <a:latin typeface="Cambria Math" panose="02040503050406030204" pitchFamily="18" charset="0"/>
-                  </a:rPr>
-                  <m:t>,</m:t>
-                </m:r>
-                <m:sSup>
-                  <m:e>
-                    <m:r>
-                      <a:rPr xmlns:a="http://schemas.openxmlformats.org/drawingml/2006/main" sz="5200" i="1">
-                        <a:solidFill>
-                          <a:srgbClr val="000000"/>
-                        </a:solidFill>
-                        <a:latin typeface="Cambria Math" panose="02040503050406030204" pitchFamily="18" charset="0"/>
-                      </a:rPr>
-                      <m:t>q</m:t>
-                    </m:r>
-                  </m:e>
-                  <m:sup>
-                    <m:r>
-                      <a:rPr xmlns:a="http://schemas.openxmlformats.org/drawingml/2006/main" sz="5200" i="1">
-                        <a:solidFill>
-                          <a:srgbClr val="000000"/>
-                        </a:solidFill>
-                        <a:latin typeface="Cambria Math" panose="02040503050406030204" pitchFamily="18" charset="0"/>
-                      </a:rPr>
-                      <m:t>′</m:t>
-                    </m:r>
-                  </m:sup>
-                </m:sSup>
-                <m:r>
-                  <a:rPr xmlns:a="http://schemas.openxmlformats.org/drawingml/2006/main" sz="5200" i="1">
-                    <a:solidFill>
-                      <a:srgbClr val="000000"/>
-                    </a:solidFill>
-                    <a:latin typeface="Cambria Math" panose="02040503050406030204" pitchFamily="18" charset="0"/>
-                  </a:rPr>
-                  <m:t>]</m:t>
-                </m:r>
-                <m:r>
-                  <a:rPr xmlns:a="http://schemas.openxmlformats.org/drawingml/2006/main" sz="5200" i="1">
-                    <a:solidFill>
-                      <a:srgbClr val="000000"/>
-                    </a:solidFill>
-                    <a:latin typeface="Cambria Math" panose="02040503050406030204" pitchFamily="18" charset="0"/>
-                  </a:rPr>
-                  <m:t>=</m:t>
-                </m:r>
-                <m:r>
-                  <a:rPr xmlns:a="http://schemas.openxmlformats.org/drawingml/2006/main" sz="5200" i="1">
-                    <a:solidFill>
-                      <a:srgbClr val="000000"/>
-                    </a:solidFill>
-                    <a:latin typeface="Cambria Math" panose="02040503050406030204" pitchFamily="18" charset="0"/>
-                  </a:rPr>
-                  <m:t>0</m:t>
-                </m:r>
-              </m:oMath>
-            </a14:m>
-            <a:r>
-              <a:t>, </a:t>
-            </a:r>
-            <a14:m>
-              <m:oMath>
-                <m:r>
-                  <a:rPr xmlns:a="http://schemas.openxmlformats.org/drawingml/2006/main" sz="5200" i="1">
-                    <a:solidFill>
-                      <a:srgbClr val="000000"/>
-                    </a:solidFill>
-                    <a:latin typeface="Cambria Math" panose="02040503050406030204" pitchFamily="18" charset="0"/>
-                  </a:rPr>
-                  <m:t>[</m:t>
-                </m:r>
-                <m:sSub>
-                  <m:e>
-                    <m:r>
-                      <a:rPr xmlns:a="http://schemas.openxmlformats.org/drawingml/2006/main" sz="5200" i="1">
-                        <a:solidFill>
-                          <a:srgbClr val="000000"/>
-                        </a:solidFill>
-                        <a:latin typeface="Cambria Math" panose="02040503050406030204" pitchFamily="18" charset="0"/>
-                      </a:rPr>
-                      <m:t>p</m:t>
-                    </m:r>
-                  </m:e>
-                  <m:sub>
-                    <m:r>
-                      <a:rPr xmlns:a="http://schemas.openxmlformats.org/drawingml/2006/main" sz="5200" i="1">
-                        <a:solidFill>
-                          <a:srgbClr val="000000"/>
-                        </a:solidFill>
-                        <a:latin typeface="Cambria Math" panose="02040503050406030204" pitchFamily="18" charset="0"/>
-                      </a:rPr>
-                      <m:t>q</m:t>
-                    </m:r>
-                  </m:sub>
-                </m:sSub>
-                <m:r>
-                  <a:rPr xmlns:a="http://schemas.openxmlformats.org/drawingml/2006/main" sz="5200" i="1">
-                    <a:solidFill>
-                      <a:srgbClr val="000000"/>
-                    </a:solidFill>
-                    <a:latin typeface="Cambria Math" panose="02040503050406030204" pitchFamily="18" charset="0"/>
-                  </a:rPr>
-                  <m:t>,</m:t>
-                </m:r>
-                <m:sSub>
-                  <m:e>
-                    <m:r>
-                      <a:rPr xmlns:a="http://schemas.openxmlformats.org/drawingml/2006/main" sz="5200" i="1">
-                        <a:solidFill>
-                          <a:srgbClr val="000000"/>
-                        </a:solidFill>
-                        <a:latin typeface="Cambria Math" panose="02040503050406030204" pitchFamily="18" charset="0"/>
-                      </a:rPr>
-                      <m:t>p</m:t>
-                    </m:r>
-                  </m:e>
-                  <m:sub>
-                    <m:sSup>
-                      <m:e>
-                        <m:r>
-                          <a:rPr xmlns:a="http://schemas.openxmlformats.org/drawingml/2006/main" sz="5200" i="1">
-                            <a:solidFill>
-                              <a:srgbClr val="000000"/>
-                            </a:solidFill>
-                            <a:latin typeface="Cambria Math" panose="02040503050406030204" pitchFamily="18" charset="0"/>
-                          </a:rPr>
-                          <m:t>q</m:t>
-                        </m:r>
-                      </m:e>
-                      <m:sup>
-                        <m:r>
-                          <a:rPr xmlns:a="http://schemas.openxmlformats.org/drawingml/2006/main" sz="5200" i="1">
-                            <a:solidFill>
-                              <a:srgbClr val="000000"/>
-                            </a:solidFill>
-                            <a:latin typeface="Cambria Math" panose="02040503050406030204" pitchFamily="18" charset="0"/>
-                          </a:rPr>
-                          <m:t>′</m:t>
-                        </m:r>
-                      </m:sup>
-                    </m:sSup>
-                  </m:sub>
-                </m:sSub>
-                <m:r>
-                  <a:rPr xmlns:a="http://schemas.openxmlformats.org/drawingml/2006/main" sz="5200" i="1">
-                    <a:solidFill>
-                      <a:srgbClr val="000000"/>
-                    </a:solidFill>
-                    <a:latin typeface="Cambria Math" panose="02040503050406030204" pitchFamily="18" charset="0"/>
-                  </a:rPr>
-                  <m:t>]</m:t>
-                </m:r>
-                <m:r>
-                  <a:rPr xmlns:a="http://schemas.openxmlformats.org/drawingml/2006/main" sz="5200" i="1">
-                    <a:solidFill>
-                      <a:srgbClr val="000000"/>
-                    </a:solidFill>
-                    <a:latin typeface="Cambria Math" panose="02040503050406030204" pitchFamily="18" charset="0"/>
-                  </a:rPr>
-                  <m:t>=</m:t>
-                </m:r>
-                <m:r>
-                  <a:rPr xmlns:a="http://schemas.openxmlformats.org/drawingml/2006/main" sz="5200" i="1">
-                    <a:solidFill>
-                      <a:srgbClr val="000000"/>
-                    </a:solidFill>
-                    <a:latin typeface="Cambria Math" panose="02040503050406030204" pitchFamily="18" charset="0"/>
-                  </a:rPr>
-                  <m:t>0</m:t>
-                </m:r>
-              </m:oMath>
-            </a14:m>
-          </a:p>
-          <a:p>
-            <a:pPr marL="524756" indent="-524756" defTabSz="698301">
-              <a:defRPr sz="4250"/>
-            </a:pPr>
-            <a:r>
-              <a:t>The mean value of the observable in a series of measurements is equal to the expectation value of the corresponding operator. For an eigenfunction expansion </a:t>
-            </a:r>
-            <a14:m>
-              <m:oMath>
-                <m:r>
-                  <m:rPr>
-                    <m:sty m:val="p"/>
-                  </m:rPr>
-                  <a:rPr xmlns:a="http://schemas.openxmlformats.org/drawingml/2006/main" sz="5200" i="1">
-                    <a:solidFill>
-                      <a:srgbClr val="000000"/>
-                    </a:solidFill>
-                    <a:latin typeface="Cambria Math" panose="02040503050406030204" pitchFamily="18" charset="0"/>
-                  </a:rPr>
-                  <m:t>Ψ</m:t>
-                </m:r>
-                <m:r>
-                  <a:rPr xmlns:a="http://schemas.openxmlformats.org/drawingml/2006/main" sz="5200" i="1">
-                    <a:solidFill>
-                      <a:srgbClr val="000000"/>
-                    </a:solidFill>
-                    <a:latin typeface="Cambria Math" panose="02040503050406030204" pitchFamily="18" charset="0"/>
-                  </a:rPr>
-                  <m:t>=</m:t>
-                </m:r>
-                <m:limLow>
-                  <m:e>
-                    <m:r>
-                      <a:rPr xmlns:a="http://schemas.openxmlformats.org/drawingml/2006/main" sz="5200" i="1">
-                        <a:solidFill>
-                          <a:srgbClr val="000000"/>
-                        </a:solidFill>
-                        <a:latin typeface="Cambria Math" panose="02040503050406030204" pitchFamily="18" charset="0"/>
-                      </a:rPr>
-                      <m:t>∑</m:t>
-                    </m:r>
-                  </m:e>
-                  <m:lim>
-                    <m:r>
-                      <a:rPr xmlns:a="http://schemas.openxmlformats.org/drawingml/2006/main" sz="5200" i="1">
-                        <a:solidFill>
-                          <a:srgbClr val="000000"/>
-                        </a:solidFill>
-                        <a:latin typeface="Cambria Math" panose="02040503050406030204" pitchFamily="18" charset="0"/>
-                      </a:rPr>
-                      <m:t>m</m:t>
-                    </m:r>
-                  </m:lim>
-                </m:limLow>
-                <m:sSub>
-                  <m:e>
-                    <m:r>
-                      <a:rPr xmlns:a="http://schemas.openxmlformats.org/drawingml/2006/main" sz="5200" i="1">
-                        <a:solidFill>
-                          <a:srgbClr val="000000"/>
-                        </a:solidFill>
-                        <a:latin typeface="Cambria Math" panose="02040503050406030204" pitchFamily="18" charset="0"/>
-                      </a:rPr>
-                      <m:t>c</m:t>
-                    </m:r>
-                  </m:e>
-                  <m:sub>
-                    <m:r>
-                      <a:rPr xmlns:a="http://schemas.openxmlformats.org/drawingml/2006/main" sz="5200" i="1">
-                        <a:solidFill>
-                          <a:srgbClr val="000000"/>
-                        </a:solidFill>
-                        <a:latin typeface="Cambria Math" panose="02040503050406030204" pitchFamily="18" charset="0"/>
-                      </a:rPr>
-                      <m:t>m</m:t>
-                    </m:r>
-                  </m:sub>
-                </m:sSub>
-                <m:sSub>
-                  <m:e>
-                    <m:r>
-                      <m:rPr>
-                        <m:sty m:val="p"/>
-                      </m:rPr>
-                      <a:rPr xmlns:a="http://schemas.openxmlformats.org/drawingml/2006/main" sz="5200" i="1">
-                        <a:solidFill>
-                          <a:srgbClr val="000000"/>
-                        </a:solidFill>
-                        <a:latin typeface="Cambria Math" panose="02040503050406030204" pitchFamily="18" charset="0"/>
-                      </a:rPr>
-                      <m:t>Ψ</m:t>
-                    </m:r>
-                  </m:e>
-                  <m:sub>
-                    <m:r>
-                      <a:rPr xmlns:a="http://schemas.openxmlformats.org/drawingml/2006/main" sz="5200" i="1">
-                        <a:solidFill>
-                          <a:srgbClr val="000000"/>
-                        </a:solidFill>
-                        <a:latin typeface="Cambria Math" panose="02040503050406030204" pitchFamily="18" charset="0"/>
-                      </a:rPr>
-                      <m:t>m</m:t>
-                    </m:r>
-                  </m:sub>
-                </m:sSub>
-              </m:oMath>
-            </a14:m>
-            <a:r>
-              <a:t>, the probability of measuring a particular eigenvalue </a:t>
-            </a:r>
-            <a14:m>
-              <m:oMath>
-                <m:sSub>
-                  <m:e>
-                    <m:r>
-                      <a:rPr xmlns:a="http://schemas.openxmlformats.org/drawingml/2006/main" sz="5200" i="1">
-                        <a:solidFill>
-                          <a:srgbClr val="000000"/>
-                        </a:solidFill>
-                        <a:latin typeface="Cambria Math" panose="02040503050406030204" pitchFamily="18" charset="0"/>
-                      </a:rPr>
-                      <m:t>ω</m:t>
-                    </m:r>
-                  </m:e>
-                  <m:sub>
-                    <m:r>
-                      <a:rPr xmlns:a="http://schemas.openxmlformats.org/drawingml/2006/main" sz="5200" i="1">
-                        <a:solidFill>
-                          <a:srgbClr val="000000"/>
-                        </a:solidFill>
-                        <a:latin typeface="Cambria Math" panose="02040503050406030204" pitchFamily="18" charset="0"/>
-                      </a:rPr>
-                      <m:t>n</m:t>
-                    </m:r>
-                  </m:sub>
-                </m:sSub>
-              </m:oMath>
-            </a14:m>
-            <a:r>
-              <a:t> is proportional to </a:t>
-            </a:r>
-            <a14:m>
-              <m:oMath>
-                <m:r>
-                  <a:rPr xmlns:a="http://schemas.openxmlformats.org/drawingml/2006/main" sz="5200" i="1">
-                    <a:solidFill>
-                      <a:srgbClr val="000000"/>
-                    </a:solidFill>
-                    <a:latin typeface="Cambria Math" panose="02040503050406030204" pitchFamily="18" charset="0"/>
-                  </a:rPr>
-                  <m:t>|</m:t>
-                </m:r>
-                <m:sSub>
-                  <m:e>
-                    <m:r>
-                      <a:rPr xmlns:a="http://schemas.openxmlformats.org/drawingml/2006/main" sz="5200" i="1">
-                        <a:solidFill>
-                          <a:srgbClr val="000000"/>
-                        </a:solidFill>
-                        <a:latin typeface="Cambria Math" panose="02040503050406030204" pitchFamily="18" charset="0"/>
-                      </a:rPr>
-                      <m:t>c</m:t>
-                    </m:r>
-                  </m:e>
-                  <m:sub>
-                    <m:r>
-                      <a:rPr xmlns:a="http://schemas.openxmlformats.org/drawingml/2006/main" sz="5200" i="1">
-                        <a:solidFill>
-                          <a:srgbClr val="000000"/>
-                        </a:solidFill>
-                        <a:latin typeface="Cambria Math" panose="02040503050406030204" pitchFamily="18" charset="0"/>
-                      </a:rPr>
-                      <m:t>m</m:t>
-                    </m:r>
-                  </m:sub>
-                </m:sSub>
-                <m:sSup>
-                  <m:e>
-                    <m:r>
-                      <a:rPr xmlns:a="http://schemas.openxmlformats.org/drawingml/2006/main" sz="5200" i="1">
-                        <a:solidFill>
-                          <a:srgbClr val="000000"/>
-                        </a:solidFill>
-                        <a:latin typeface="Cambria Math" panose="02040503050406030204" pitchFamily="18" charset="0"/>
-                      </a:rPr>
-                      <m:t>|</m:t>
-                    </m:r>
-                  </m:e>
-                  <m:sup>
-                    <m:r>
-                      <a:rPr xmlns:a="http://schemas.openxmlformats.org/drawingml/2006/main" sz="5200" i="1">
-                        <a:solidFill>
-                          <a:srgbClr val="000000"/>
-                        </a:solidFill>
-                        <a:latin typeface="Cambria Math" panose="02040503050406030204" pitchFamily="18" charset="0"/>
-                      </a:rPr>
-                      <m:t>2</m:t>
-                    </m:r>
-                  </m:sup>
-                </m:sSup>
-              </m:oMath>
-            </a14:m>
-            <a:r>
-              <a:t>. Measurement makes the system </a:t>
-            </a:r>
-            <a:r>
-              <a:rPr i="1">
-                <a:latin typeface="+mj-lt"/>
-                <a:ea typeface="+mj-ea"/>
-                <a:cs typeface="+mj-cs"/>
-                <a:sym typeface="Helvetica"/>
-              </a:rPr>
-              <a:t>collapse</a:t>
-            </a:r>
-            <a:r>
-              <a:t> onto a state.</a:t>
-            </a:r>
-          </a:p>
-          <a:p>
-            <a:pPr marL="524756" indent="-524756" defTabSz="698301">
-              <a:defRPr sz="4250"/>
-            </a:pPr>
-            <a:r>
-              <a:t>The probability that a particle will be found in the volume element </a:t>
-            </a:r>
-            <a14:m>
-              <m:oMath>
-                <m:r>
-                  <a:rPr xmlns:a="http://schemas.openxmlformats.org/drawingml/2006/main" sz="5200" i="1">
-                    <a:solidFill>
-                      <a:srgbClr val="000000"/>
-                    </a:solidFill>
-                    <a:latin typeface="Cambria Math" panose="02040503050406030204" pitchFamily="18" charset="0"/>
-                  </a:rPr>
-                  <m:t>d</m:t>
-                </m:r>
-                <m:r>
-                  <a:rPr xmlns:a="http://schemas.openxmlformats.org/drawingml/2006/main" sz="5200" i="1">
-                    <a:solidFill>
-                      <a:srgbClr val="000000"/>
-                    </a:solidFill>
-                    <a:latin typeface="Cambria Math" panose="02040503050406030204" pitchFamily="18" charset="0"/>
-                  </a:rPr>
-                  <m:t>τ</m:t>
-                </m:r>
-              </m:oMath>
-            </a14:m>
-            <a:r>
-              <a:t> at the point </a:t>
-            </a:r>
-            <a14:m>
-              <m:oMath>
-                <m:r>
-                  <a:rPr xmlns:a="http://schemas.openxmlformats.org/drawingml/2006/main" sz="5200" i="1">
-                    <a:solidFill>
-                      <a:srgbClr val="000000"/>
-                    </a:solidFill>
-                    <a:latin typeface="Cambria Math" panose="02040503050406030204" pitchFamily="18" charset="0"/>
-                  </a:rPr>
-                  <m:t>r</m:t>
-                </m:r>
-              </m:oMath>
-            </a14:m>
-            <a:r>
-              <a:t> is proportional to </a:t>
-            </a:r>
-            <a14:m>
-              <m:oMath>
-                <m:r>
-                  <a:rPr xmlns:a="http://schemas.openxmlformats.org/drawingml/2006/main" sz="5200" i="1">
-                    <a:solidFill>
-                      <a:srgbClr val="000000"/>
-                    </a:solidFill>
-                    <a:latin typeface="Cambria Math" panose="02040503050406030204" pitchFamily="18" charset="0"/>
-                  </a:rPr>
-                  <m:t>|</m:t>
-                </m:r>
-                <m:r>
-                  <m:rPr>
-                    <m:sty m:val="p"/>
-                  </m:rPr>
-                  <a:rPr xmlns:a="http://schemas.openxmlformats.org/drawingml/2006/main" sz="5200" i="1">
-                    <a:solidFill>
-                      <a:srgbClr val="000000"/>
-                    </a:solidFill>
-                    <a:latin typeface="Cambria Math" panose="02040503050406030204" pitchFamily="18" charset="0"/>
-                  </a:rPr>
-                  <m:t>Ψ</m:t>
-                </m:r>
-                <m:r>
-                  <a:rPr xmlns:a="http://schemas.openxmlformats.org/drawingml/2006/main" sz="5200" i="1">
-                    <a:solidFill>
-                      <a:srgbClr val="000000"/>
-                    </a:solidFill>
-                    <a:latin typeface="Cambria Math" panose="02040503050406030204" pitchFamily="18" charset="0"/>
-                  </a:rPr>
-                  <m:t>(</m:t>
-                </m:r>
-                <m:r>
-                  <a:rPr xmlns:a="http://schemas.openxmlformats.org/drawingml/2006/main" sz="5200" i="1">
-                    <a:solidFill>
-                      <a:srgbClr val="000000"/>
-                    </a:solidFill>
-                    <a:latin typeface="Cambria Math" panose="02040503050406030204" pitchFamily="18" charset="0"/>
-                  </a:rPr>
-                  <m:t>r</m:t>
-                </m:r>
-                <m:r>
-                  <a:rPr xmlns:a="http://schemas.openxmlformats.org/drawingml/2006/main" sz="5200" i="1">
-                    <a:solidFill>
-                      <a:srgbClr val="000000"/>
-                    </a:solidFill>
-                    <a:latin typeface="Cambria Math" panose="02040503050406030204" pitchFamily="18" charset="0"/>
-                  </a:rPr>
-                  <m:t>)</m:t>
-                </m:r>
-                <m:sSup>
-                  <m:e>
-                    <m:r>
-                      <a:rPr xmlns:a="http://schemas.openxmlformats.org/drawingml/2006/main" sz="5200" i="1">
-                        <a:solidFill>
-                          <a:srgbClr val="000000"/>
-                        </a:solidFill>
-                        <a:latin typeface="Cambria Math" panose="02040503050406030204" pitchFamily="18" charset="0"/>
-                      </a:rPr>
-                      <m:t>|</m:t>
-                    </m:r>
-                  </m:e>
-                  <m:sup>
-                    <m:r>
-                      <a:rPr xmlns:a="http://schemas.openxmlformats.org/drawingml/2006/main" sz="5200" i="1">
-                        <a:solidFill>
-                          <a:srgbClr val="000000"/>
-                        </a:solidFill>
-                        <a:latin typeface="Cambria Math" panose="02040503050406030204" pitchFamily="18" charset="0"/>
-                      </a:rPr>
-                      <m:t>2</m:t>
-                    </m:r>
-                  </m:sup>
-                </m:sSup>
-                <m:r>
-                  <a:rPr xmlns:a="http://schemas.openxmlformats.org/drawingml/2006/main" sz="5200" i="1">
-                    <a:solidFill>
-                      <a:srgbClr val="000000"/>
-                    </a:solidFill>
-                    <a:latin typeface="Cambria Math" panose="02040503050406030204" pitchFamily="18" charset="0"/>
-                  </a:rPr>
-                  <m:t>d</m:t>
-                </m:r>
-                <m:r>
-                  <a:rPr xmlns:a="http://schemas.openxmlformats.org/drawingml/2006/main" sz="5200" i="1">
-                    <a:solidFill>
-                      <a:srgbClr val="000000"/>
-                    </a:solidFill>
-                    <a:latin typeface="Cambria Math" panose="02040503050406030204" pitchFamily="18" charset="0"/>
-                  </a:rPr>
-                  <m:t>τ</m:t>
-                </m:r>
-              </m:oMath>
-            </a14:m>
-            <a:r>
-              <a:t>.</a:t>
-            </a:r>
-          </a:p>
-          <a:p>
-            <a:pPr marL="524756" indent="-524756" defTabSz="698301">
-              <a:defRPr sz="4250"/>
-            </a:pPr>
-            <a:r>
-              <a:t>The wavefunction evolves in time according to </a:t>
-            </a:r>
-            <a14:m>
-              <m:oMath>
-                <m:r>
-                  <a:rPr xmlns:a="http://schemas.openxmlformats.org/drawingml/2006/main" sz="5200" i="1">
-                    <a:solidFill>
-                      <a:srgbClr val="000000"/>
-                    </a:solidFill>
-                    <a:latin typeface="Cambria Math" panose="02040503050406030204" pitchFamily="18" charset="0"/>
-                  </a:rPr>
-                  <m:t>i</m:t>
-                </m:r>
-                <m:r>
-                  <m:rPr>
-                    <m:sty m:val="p"/>
-                  </m:rPr>
-                  <a:rPr xmlns:a="http://schemas.openxmlformats.org/drawingml/2006/main" sz="5200" i="1">
-                    <a:solidFill>
-                      <a:srgbClr val="000000"/>
-                    </a:solidFill>
-                    <a:latin typeface="Cambria Math" panose="02040503050406030204" pitchFamily="18" charset="0"/>
-                  </a:rPr>
-                  <m:t>ℏ</m:t>
-                </m:r>
-                <m:f>
-                  <m:fPr>
-                    <m:ctrlPr>
-                      <a:rPr xmlns:a="http://schemas.openxmlformats.org/drawingml/2006/main" sz="5200" i="1">
-                        <a:solidFill>
-                          <a:srgbClr val="000000"/>
-                        </a:solidFill>
-                        <a:latin typeface="Cambria Math" panose="02040503050406030204" pitchFamily="18" charset="0"/>
-                      </a:rPr>
-                    </m:ctrlPr>
-                    <m:type m:val="bar"/>
-                  </m:fPr>
-                  <m:num>
-                    <m:r>
-                      <m:rPr>
-                        <m:sty m:val="p"/>
-                      </m:rPr>
-                      <a:rPr xmlns:a="http://schemas.openxmlformats.org/drawingml/2006/main" sz="5200" i="1">
-                        <a:solidFill>
-                          <a:srgbClr val="000000"/>
-                        </a:solidFill>
-                        <a:latin typeface="Cambria Math" panose="02040503050406030204" pitchFamily="18" charset="0"/>
-                      </a:rPr>
-                      <m:t>∂</m:t>
-                    </m:r>
-                    <m:r>
-                      <m:rPr>
-                        <m:sty m:val="p"/>
-                      </m:rPr>
-                      <a:rPr xmlns:a="http://schemas.openxmlformats.org/drawingml/2006/main" sz="5200" i="1">
-                        <a:solidFill>
-                          <a:srgbClr val="000000"/>
-                        </a:solidFill>
-                        <a:latin typeface="Cambria Math" panose="02040503050406030204" pitchFamily="18" charset="0"/>
-                      </a:rPr>
-                      <m:t>Ψ</m:t>
-                    </m:r>
-                  </m:num>
-                  <m:den>
-                    <m:r>
-                      <m:rPr>
-                        <m:sty m:val="p"/>
-                      </m:rPr>
-                      <a:rPr xmlns:a="http://schemas.openxmlformats.org/drawingml/2006/main" sz="5200" i="1">
-                        <a:solidFill>
-                          <a:srgbClr val="000000"/>
-                        </a:solidFill>
-                        <a:latin typeface="Cambria Math" panose="02040503050406030204" pitchFamily="18" charset="0"/>
-                      </a:rPr>
-                      <m:t>∂</m:t>
-                    </m:r>
-                    <m:r>
-                      <a:rPr xmlns:a="http://schemas.openxmlformats.org/drawingml/2006/main" sz="5200" i="1">
-                        <a:solidFill>
-                          <a:srgbClr val="000000"/>
-                        </a:solidFill>
-                        <a:latin typeface="Cambria Math" panose="02040503050406030204" pitchFamily="18" charset="0"/>
-                      </a:rPr>
-                      <m:t>t</m:t>
-                    </m:r>
-                  </m:den>
-                </m:f>
-                <m:r>
-                  <a:rPr xmlns:a="http://schemas.openxmlformats.org/drawingml/2006/main" sz="5200" i="1">
-                    <a:solidFill>
-                      <a:srgbClr val="000000"/>
-                    </a:solidFill>
-                    <a:latin typeface="Cambria Math" panose="02040503050406030204" pitchFamily="18" charset="0"/>
-                  </a:rPr>
-                  <m:t>=</m:t>
-                </m:r>
-                <m:limUpp>
-                  <m:e>
-                    <m:r>
-                      <m:rPr>
-                        <m:sty m:val="b"/>
-                      </m:rPr>
-                      <a:rPr xmlns:a="http://schemas.openxmlformats.org/drawingml/2006/main" sz="5200" i="1">
-                        <a:solidFill>
-                          <a:srgbClr val="000000"/>
-                        </a:solidFill>
-                        <a:latin typeface="Cambria Math" panose="02040503050406030204" pitchFamily="18" charset="0"/>
-                      </a:rPr>
-                      <m:t>H</m:t>
-                    </m:r>
-                  </m:e>
-                  <m:lim>
-                    <m:r>
-                      <a:rPr xmlns:a="http://schemas.openxmlformats.org/drawingml/2006/main" sz="5200" i="1">
-                        <a:solidFill>
-                          <a:srgbClr val="000000"/>
-                        </a:solidFill>
-                        <a:latin typeface="Cambria Math" panose="02040503050406030204" pitchFamily="18" charset="0"/>
-                      </a:rPr>
-                      <m:t>̂</m:t>
-                    </m:r>
-                  </m:lim>
-                </m:limUpp>
-                <m:r>
-                  <m:rPr>
-                    <m:sty m:val="p"/>
-                  </m:rPr>
-                  <a:rPr xmlns:a="http://schemas.openxmlformats.org/drawingml/2006/main" sz="5200" i="1">
-                    <a:solidFill>
-                      <a:srgbClr val="000000"/>
-                    </a:solidFill>
-                    <a:latin typeface="Cambria Math" panose="02040503050406030204" pitchFamily="18" charset="0"/>
-                  </a:rPr>
-                  <m:t>Ψ</m:t>
-                </m:r>
-              </m:oMath>
-            </a14:m>
-            <a:r>
-              <a:t>. If the potential energy is time-independent, then </a:t>
-            </a:r>
-            <a14:m>
-              <m:oMath>
-                <m:limUpp>
-                  <m:e>
-                    <m:r>
-                      <m:rPr>
-                        <m:sty m:val="b"/>
-                      </m:rPr>
-                      <a:rPr xmlns:a="http://schemas.openxmlformats.org/drawingml/2006/main" sz="5200" i="1">
-                        <a:solidFill>
-                          <a:srgbClr val="000000"/>
-                        </a:solidFill>
-                        <a:latin typeface="Cambria Math" panose="02040503050406030204" pitchFamily="18" charset="0"/>
-                      </a:rPr>
-                      <m:t>H</m:t>
-                    </m:r>
-                  </m:e>
-                  <m:lim>
-                    <m:r>
-                      <a:rPr xmlns:a="http://schemas.openxmlformats.org/drawingml/2006/main" sz="5200" i="1">
-                        <a:solidFill>
-                          <a:srgbClr val="000000"/>
-                        </a:solidFill>
-                        <a:latin typeface="Cambria Math" panose="02040503050406030204" pitchFamily="18" charset="0"/>
-                      </a:rPr>
-                      <m:t>̂</m:t>
-                    </m:r>
-                  </m:lim>
-                </m:limUpp>
-                <m:r>
-                  <m:rPr>
-                    <m:sty m:val="p"/>
-                  </m:rPr>
-                  <a:rPr xmlns:a="http://schemas.openxmlformats.org/drawingml/2006/main" sz="5200" i="1">
-                    <a:solidFill>
-                      <a:srgbClr val="000000"/>
-                    </a:solidFill>
-                    <a:latin typeface="Cambria Math" panose="02040503050406030204" pitchFamily="18" charset="0"/>
-                  </a:rPr>
-                  <m:t>Ψ</m:t>
-                </m:r>
-                <m:r>
-                  <a:rPr xmlns:a="http://schemas.openxmlformats.org/drawingml/2006/main" sz="5200" i="1">
-                    <a:solidFill>
-                      <a:srgbClr val="000000"/>
-                    </a:solidFill>
-                    <a:latin typeface="Cambria Math" panose="02040503050406030204" pitchFamily="18" charset="0"/>
-                  </a:rPr>
-                  <m:t>=</m:t>
-                </m:r>
-                <m:r>
-                  <a:rPr xmlns:a="http://schemas.openxmlformats.org/drawingml/2006/main" sz="5200" i="1">
-                    <a:solidFill>
-                      <a:srgbClr val="000000"/>
-                    </a:solidFill>
-                    <a:latin typeface="Cambria Math" panose="02040503050406030204" pitchFamily="18" charset="0"/>
-                  </a:rPr>
-                  <m:t>E</m:t>
-                </m:r>
-                <m:r>
-                  <m:rPr>
-                    <m:sty m:val="p"/>
-                  </m:rPr>
-                  <a:rPr xmlns:a="http://schemas.openxmlformats.org/drawingml/2006/main" sz="5200" i="1">
-                    <a:solidFill>
-                      <a:srgbClr val="000000"/>
-                    </a:solidFill>
-                    <a:latin typeface="Cambria Math" panose="02040503050406030204" pitchFamily="18" charset="0"/>
-                  </a:rPr>
-                  <m:t>Ψ</m:t>
-                </m:r>
-              </m:oMath>
-            </a14:m>
-            <a:endParaRPr sz="5000"/>
-          </a:p>
-        </p:txBody>
-      </p:sp>
-      <p:sp>
-        <p:nvSpPr>
-          <p:cNvPr id="285" name="Slide Number"/>
-          <p:cNvSpPr txBox="1"/>
-          <p:nvPr>
-            <p:ph type="sldNum" sz="quarter" idx="2"/>
-          </p:nvPr>
-        </p:nvSpPr>
-        <p:spPr>
-          <a:prstGeom prst="rect">
-            <a:avLst/>
-          </a:prstGeom>
-          <a:extLst>
-            <a:ext uri="{C572A759-6A51-4108-AA02-DFA0A04FC94B}">
-              <ma14:wrappingTextBoxFlag xmlns:ma14="http://schemas.microsoft.com/office/mac/drawingml/2011/main" val="1"/>
-            </a:ext>
-          </a:extLst>
-        </p:spPr>
-        <p:txBody>
-          <a:bodyPr/>
-          <a:lstStyle/>
-          <a:p>
-            <a:pPr/>
-            <a:fld id="{86CB4B4D-7CA3-9044-876B-883B54F8677D}" type="slidenum"/>
-          </a:p>
-        </p:txBody>
-      </p:sp>
-    </p:spTree>
-  </p:cSld>
-  <p:clrMapOvr>
-    <a:masterClrMapping/>
-  </p:clrMapOvr>
-  <p:transition xmlns:p14="http://schemas.microsoft.com/office/powerpoint/2010/main" spd="med" advClick="1"/>
-  <p:timing>
-    <p:tnLst>
-      <p:par>
-        <p:cTn id="1" nodeType="tmRoot" restart="never" dur="indefinite" fill="hold">
-          <p:childTnLst>
-            <p:seq concurrent="1" prevAc="none" nextAc="seek">
-              <p:cTn id="2" nodeType="mainSeq" dur="indefinite" fill="hold">
-                <p:childTnLst>
-                  <p:par>
-                    <p:cTn id="3" fill="hold">
-                      <p:stCondLst>
-                        <p:cond delay="indefinite"/>
-                      </p:stCondLst>
-                      <p:childTnLst>
-                        <p:par>
-                          <p:cTn id="4" fill="hold">
-                            <p:stCondLst>
-                              <p:cond delay="0"/>
-                            </p:stCondLst>
-                            <p:childTnLst>
-                              <p:par>
-                                <p:cTn id="5" presetClass="entr" nodeType="clickEffect" presetSubtype="0" presetID="1" grpId="1" fill="hold">
-                                  <p:stCondLst>
-                                    <p:cond delay="0"/>
-                                  </p:stCondLst>
-                                  <p:iterate type="el" backwards="0">
-                                    <p:tmAbs val="0"/>
-                                  </p:iterate>
-                                  <p:childTnLst>
-                                    <p:set>
-                                      <p:cBhvr>
-                                        <p:cTn id="6" fill="hold"/>
-                                        <p:tgtEl>
-                                          <p:spTgt spid="284">
-                                            <p:bg/>
-                                          </p:spTgt>
-                                        </p:tgtEl>
-                                        <p:attrNameLst>
-                                          <p:attrName>style.visibility</p:attrName>
-                                        </p:attrNameLst>
-                                      </p:cBhvr>
-                                      <p:to>
-                                        <p:strVal val="visible"/>
-                                      </p:to>
-                                    </p:set>
-                                  </p:childTnLst>
-                                </p:cTn>
-                              </p:par>
-                              <p:par>
-                                <p:cTn id="7" presetClass="entr" nodeType="withEffect" presetSubtype="0" presetID="1" grpId="1" fill="hold">
-                                  <p:stCondLst>
-                                    <p:cond delay="0"/>
-                                  </p:stCondLst>
-                                  <p:iterate type="el" backwards="0">
-                                    <p:tmAbs val="0"/>
-                                  </p:iterate>
-                                  <p:childTnLst>
-                                    <p:set>
-                                      <p:cBhvr>
-                                        <p:cTn id="8" fill="hold"/>
-                                        <p:tgtEl>
-                                          <p:spTgt spid="284">
-                                            <p:txEl>
-                                              <p:pRg st="0" end="0"/>
-                                            </p:txEl>
-                                          </p:spTgt>
-                                        </p:tgtEl>
-                                        <p:attrNameLst>
-                                          <p:attrName>style.visibility</p:attrName>
-                                        </p:attrNameLst>
-                                      </p:cBhvr>
-                                      <p:to>
-                                        <p:strVal val="visible"/>
-                                      </p:to>
-                                    </p:set>
-                                  </p:childTnLst>
-                                </p:cTn>
-                              </p:par>
-                            </p:childTnLst>
-                          </p:cTn>
-                        </p:par>
-                      </p:childTnLst>
-                    </p:cTn>
-                  </p:par>
-                  <p:par>
-                    <p:cTn id="9" fill="hold">
-                      <p:stCondLst>
-                        <p:cond delay="indefinite"/>
-                      </p:stCondLst>
-                      <p:childTnLst>
-                        <p:par>
-                          <p:cTn id="10" fill="hold">
-                            <p:stCondLst>
-                              <p:cond delay="0"/>
-                            </p:stCondLst>
-                            <p:childTnLst>
-                              <p:par>
-                                <p:cTn id="11" presetClass="entr" nodeType="clickEffect" presetSubtype="0" presetID="1" grpId="1" fill="hold">
-                                  <p:stCondLst>
-                                    <p:cond delay="0"/>
-                                  </p:stCondLst>
-                                  <p:iterate type="el" backwards="0">
-                                    <p:tmAbs val="0"/>
-                                  </p:iterate>
-                                  <p:childTnLst>
-                                    <p:set>
-                                      <p:cBhvr>
-                                        <p:cTn id="12" fill="hold"/>
-                                        <p:tgtEl>
-                                          <p:spTgt spid="284">
-                                            <p:txEl>
-                                              <p:pRg st="1" end="1"/>
-                                            </p:txEl>
-                                          </p:spTgt>
-                                        </p:tgtEl>
-                                        <p:attrNameLst>
-                                          <p:attrName>style.visibility</p:attrName>
-                                        </p:attrNameLst>
-                                      </p:cBhvr>
-                                      <p:to>
-                                        <p:strVal val="visible"/>
-                                      </p:to>
-                                    </p:set>
-                                  </p:childTnLst>
-                                </p:cTn>
-                              </p:par>
-                            </p:childTnLst>
-                          </p:cTn>
-                        </p:par>
-                      </p:childTnLst>
-                    </p:cTn>
-                  </p:par>
-                  <p:par>
-                    <p:cTn id="13" fill="hold">
-                      <p:stCondLst>
-                        <p:cond delay="indefinite"/>
-                      </p:stCondLst>
-                      <p:childTnLst>
-                        <p:par>
-                          <p:cTn id="14" fill="hold">
-                            <p:stCondLst>
-                              <p:cond delay="0"/>
-                            </p:stCondLst>
-                            <p:childTnLst>
-                              <p:par>
-                                <p:cTn id="15" presetClass="entr" nodeType="clickEffect" presetSubtype="0" presetID="1" grpId="1" fill="hold">
-                                  <p:stCondLst>
-                                    <p:cond delay="0"/>
-                                  </p:stCondLst>
-                                  <p:iterate type="el" backwards="0">
-                                    <p:tmAbs val="0"/>
-                                  </p:iterate>
-                                  <p:childTnLst>
-                                    <p:set>
-                                      <p:cBhvr>
-                                        <p:cTn id="16" fill="hold"/>
-                                        <p:tgtEl>
-                                          <p:spTgt spid="284">
-                                            <p:txEl>
-                                              <p:pRg st="2" end="2"/>
-                                            </p:txEl>
-                                          </p:spTgt>
-                                        </p:tgtEl>
-                                        <p:attrNameLst>
-                                          <p:attrName>style.visibility</p:attrName>
-                                        </p:attrNameLst>
-                                      </p:cBhvr>
-                                      <p:to>
-                                        <p:strVal val="visible"/>
-                                      </p:to>
-                                    </p:set>
-                                  </p:childTnLst>
-                                </p:cTn>
-                              </p:par>
-                            </p:childTnLst>
-                          </p:cTn>
-                        </p:par>
-                      </p:childTnLst>
-                    </p:cTn>
-                  </p:par>
-                  <p:par>
-                    <p:cTn id="17" fill="hold">
-                      <p:stCondLst>
-                        <p:cond delay="indefinite"/>
-                      </p:stCondLst>
-                      <p:childTnLst>
-                        <p:par>
-                          <p:cTn id="18" fill="hold">
-                            <p:stCondLst>
-                              <p:cond delay="0"/>
-                            </p:stCondLst>
-                            <p:childTnLst>
-                              <p:par>
-                                <p:cTn id="19" presetClass="entr" nodeType="clickEffect" presetSubtype="0" presetID="1" grpId="1" fill="hold">
-                                  <p:stCondLst>
-                                    <p:cond delay="0"/>
-                                  </p:stCondLst>
-                                  <p:iterate type="el" backwards="0">
-                                    <p:tmAbs val="0"/>
-                                  </p:iterate>
-                                  <p:childTnLst>
-                                    <p:set>
-                                      <p:cBhvr>
-                                        <p:cTn id="20" fill="hold"/>
-                                        <p:tgtEl>
-                                          <p:spTgt spid="284">
-                                            <p:txEl>
-                                              <p:pRg st="3" end="3"/>
-                                            </p:txEl>
-                                          </p:spTgt>
-                                        </p:tgtEl>
-                                        <p:attrNameLst>
-                                          <p:attrName>style.visibility</p:attrName>
-                                        </p:attrNameLst>
-                                      </p:cBhvr>
-                                      <p:to>
-                                        <p:strVal val="visible"/>
-                                      </p:to>
-                                    </p:set>
-                                  </p:childTnLst>
-                                </p:cTn>
-                              </p:par>
-                            </p:childTnLst>
-                          </p:cTn>
-                        </p:par>
-                      </p:childTnLst>
-                    </p:cTn>
-                  </p:par>
-                  <p:par>
-                    <p:cTn id="21" fill="hold">
-                      <p:stCondLst>
-                        <p:cond delay="indefinite"/>
-                      </p:stCondLst>
-                      <p:childTnLst>
-                        <p:par>
-                          <p:cTn id="22" fill="hold">
-                            <p:stCondLst>
-                              <p:cond delay="0"/>
-                            </p:stCondLst>
-                            <p:childTnLst>
-                              <p:par>
-                                <p:cTn id="23" presetClass="entr" nodeType="clickEffect" presetSubtype="0" presetID="1" grpId="1" fill="hold">
-                                  <p:stCondLst>
-                                    <p:cond delay="0"/>
-                                  </p:stCondLst>
-                                  <p:iterate type="el" backwards="0">
-                                    <p:tmAbs val="0"/>
-                                  </p:iterate>
-                                  <p:childTnLst>
-                                    <p:set>
-                                      <p:cBhvr>
-                                        <p:cTn id="24" fill="hold"/>
-                                        <p:tgtEl>
-                                          <p:spTgt spid="284">
+                                          <p:spTgt spid="283">
                                             <p:txEl>
                                               <p:pRg st="4" end="4"/>
                                             </p:txEl>
@@ -16409,7 +15124,7 @@
       </p:par>
     </p:tnLst>
     <p:bldLst>
-      <p:bldP build="p" bldLvl="5" animBg="1" rev="0" advAuto="0" spid="284" grpId="1"/>
+      <p:bldP build="p" bldLvl="5" animBg="1" rev="0" advAuto="0" spid="283" grpId="1"/>
     </p:bldLst>
   </p:timing>
 </p:sld>
@@ -16434,7 +15149,7 @@
       </p:grpSpPr>
       <p:sp>
         <p:nvSpPr>
-          <p:cNvPr id="287" name="Review"/>
+          <p:cNvPr id="286" name="Review"/>
           <p:cNvSpPr txBox="1"/>
           <p:nvPr>
             <p:ph type="title"/>
@@ -16458,7 +15173,7 @@
       </p:sp>
       <p:sp>
         <p:nvSpPr>
-          <p:cNvPr id="288" name="What does a wavefunction describe?…"/>
+          <p:cNvPr id="287" name="What does a wavefunction describe?…"/>
           <p:cNvSpPr txBox="1"/>
           <p:nvPr>
             <p:ph type="body" idx="1"/>
@@ -16512,7 +15227,7 @@
       </p:sp>
       <p:sp>
         <p:nvSpPr>
-          <p:cNvPr id="289" name="Slide Number"/>
+          <p:cNvPr id="288" name="Slide Number"/>
           <p:cNvSpPr txBox="1"/>
           <p:nvPr>
             <p:ph type="sldNum" sz="quarter" idx="2"/>
@@ -20273,9 +18988,9 @@
               <a:buNone/>
               <a:defRPr>
                 <a:solidFill>
-                  <a:schemeClr val="accent1">
-                    <a:satOff val="-3355"/>
-                    <a:lumOff val="26614"/>
+                  <a:schemeClr val="accent6">
+                    <a:satOff val="24555"/>
+                    <a:lumOff val="22232"/>
                   </a:schemeClr>
                 </a:solidFill>
               </a:defRPr>
@@ -20287,7 +19002,7 @@
                     <m:ctrlPr>
                       <a:rPr xmlns:a="http://schemas.openxmlformats.org/drawingml/2006/main" sz="6100" i="1">
                         <a:solidFill>
-                          <a:srgbClr val="51A7F9"/>
+                          <a:srgbClr val="B26AE1"/>
                         </a:solidFill>
                         <a:latin typeface="Cambria Math" panose="02040503050406030204" pitchFamily="18" charset="0"/>
                       </a:rPr>
@@ -20299,7 +19014,7 @@
                     <m:r>
                       <a:rPr xmlns:a="http://schemas.openxmlformats.org/drawingml/2006/main" sz="6100" i="1">
                         <a:solidFill>
-                          <a:srgbClr val="51A7F9"/>
+                          <a:srgbClr val="B26AE1"/>
                         </a:solidFill>
                         <a:latin typeface="Cambria Math" panose="02040503050406030204" pitchFamily="18" charset="0"/>
                       </a:rPr>
@@ -20308,7 +19023,7 @@
                     <m:r>
                       <a:rPr xmlns:a="http://schemas.openxmlformats.org/drawingml/2006/main" sz="6100" i="1">
                         <a:solidFill>
-                          <a:srgbClr val="51A7F9"/>
+                          <a:srgbClr val="B26AE1"/>
                         </a:solidFill>
                         <a:latin typeface="Cambria Math" panose="02040503050406030204" pitchFamily="18" charset="0"/>
                       </a:rPr>
@@ -20319,7 +19034,7 @@
                         <m:ctrlPr>
                           <a:rPr xmlns:a="http://schemas.openxmlformats.org/drawingml/2006/main" sz="6100" i="1">
                             <a:solidFill>
-                              <a:srgbClr val="51A7F9"/>
+                              <a:srgbClr val="B26AE1"/>
                             </a:solidFill>
                             <a:latin typeface="Cambria Math" panose="02040503050406030204" pitchFamily="18" charset="0"/>
                           </a:rPr>
@@ -20333,7 +19048,7 @@
                           </m:rPr>
                           <a:rPr xmlns:a="http://schemas.openxmlformats.org/drawingml/2006/main" sz="6100" i="1">
                             <a:solidFill>
-                              <a:srgbClr val="51A7F9"/>
+                              <a:srgbClr val="B26AE1"/>
                             </a:solidFill>
                             <a:latin typeface="Cambria Math" panose="02040503050406030204" pitchFamily="18" charset="0"/>
                           </a:rPr>
@@ -20344,7 +19059,7 @@
                         <m:r>
                           <a:rPr xmlns:a="http://schemas.openxmlformats.org/drawingml/2006/main" sz="6100" i="1">
                             <a:solidFill>
-                              <a:srgbClr val="51A7F9"/>
+                              <a:srgbClr val="B26AE1"/>
                             </a:solidFill>
                             <a:latin typeface="Cambria Math" panose="02040503050406030204" pitchFamily="18" charset="0"/>
                           </a:rPr>
@@ -20357,7 +19072,7 @@
                         <m:ctrlPr>
                           <a:rPr xmlns:a="http://schemas.openxmlformats.org/drawingml/2006/main" sz="6100" i="1">
                             <a:solidFill>
-                              <a:srgbClr val="51A7F9"/>
+                              <a:srgbClr val="B26AE1"/>
                             </a:solidFill>
                             <a:latin typeface="Cambria Math" panose="02040503050406030204" pitchFamily="18" charset="0"/>
                           </a:rPr>
@@ -20371,7 +19086,7 @@
                           </m:rPr>
                           <a:rPr xmlns:a="http://schemas.openxmlformats.org/drawingml/2006/main" sz="6100" i="1">
                             <a:solidFill>
-                              <a:srgbClr val="51A7F9"/>
+                              <a:srgbClr val="B26AE1"/>
                             </a:solidFill>
                             <a:latin typeface="Cambria Math" panose="02040503050406030204" pitchFamily="18" charset="0"/>
                           </a:rPr>
@@ -20385,7 +19100,7 @@
                           </m:rPr>
                           <a:rPr xmlns:a="http://schemas.openxmlformats.org/drawingml/2006/main" sz="6100" i="1">
                             <a:solidFill>
-                              <a:srgbClr val="51A7F9"/>
+                              <a:srgbClr val="B26AE1"/>
                             </a:solidFill>
                             <a:latin typeface="Cambria Math" panose="02040503050406030204" pitchFamily="18" charset="0"/>
                           </a:rPr>
@@ -20396,7 +19111,7 @@
                             <m:r>
                               <a:rPr xmlns:a="http://schemas.openxmlformats.org/drawingml/2006/main" sz="6100" i="1">
                                 <a:solidFill>
-                                  <a:srgbClr val="51A7F9"/>
+                                  <a:srgbClr val="B26AE1"/>
                                 </a:solidFill>
                                 <a:latin typeface="Cambria Math" panose="02040503050406030204" pitchFamily="18" charset="0"/>
                               </a:rPr>
@@ -20407,7 +19122,7 @@
                             <m:r>
                               <a:rPr xmlns:a="http://schemas.openxmlformats.org/drawingml/2006/main" sz="6100" i="1">
                                 <a:solidFill>
-                                  <a:srgbClr val="51A7F9"/>
+                                  <a:srgbClr val="B26AE1"/>
                                 </a:solidFill>
                                 <a:latin typeface="Cambria Math" panose="02040503050406030204" pitchFamily="18" charset="0"/>
                               </a:rPr>
@@ -20422,7 +19137,7 @@
                 <m:r>
                   <a:rPr xmlns:a="http://schemas.openxmlformats.org/drawingml/2006/main" sz="6100" i="1">
                     <a:solidFill>
-                      <a:srgbClr val="51A7F9"/>
+                      <a:srgbClr val="B26AE1"/>
                     </a:solidFill>
                     <a:latin typeface="Cambria Math" panose="02040503050406030204" pitchFamily="18" charset="0"/>
                   </a:rPr>
@@ -20431,7 +19146,7 @@
                 <m:r>
                   <a:rPr xmlns:a="http://schemas.openxmlformats.org/drawingml/2006/main" sz="6100" i="1">
                     <a:solidFill>
-                      <a:srgbClr val="51A7F9"/>
+                      <a:srgbClr val="B26AE1"/>
                     </a:solidFill>
                     <a:latin typeface="Cambria Math" panose="02040503050406030204" pitchFamily="18" charset="0"/>
                   </a:rPr>
@@ -20440,7 +19155,7 @@
                 <m:r>
                   <a:rPr xmlns:a="http://schemas.openxmlformats.org/drawingml/2006/main" sz="6100" i="1">
                     <a:solidFill>
-                      <a:srgbClr val="51A7F9"/>
+                      <a:srgbClr val="B26AE1"/>
                     </a:solidFill>
                     <a:latin typeface="Cambria Math" panose="02040503050406030204" pitchFamily="18" charset="0"/>
                   </a:rPr>
@@ -20451,7 +19166,7 @@
                     <m:ctrlPr>
                       <a:rPr xmlns:a="http://schemas.openxmlformats.org/drawingml/2006/main" sz="6100" i="1">
                         <a:solidFill>
-                          <a:srgbClr val="51A7F9"/>
+                          <a:srgbClr val="B26AE1"/>
                         </a:solidFill>
                         <a:latin typeface="Cambria Math" panose="02040503050406030204" pitchFamily="18" charset="0"/>
                       </a:rPr>
@@ -20465,7 +19180,7 @@
                       </m:rPr>
                       <a:rPr xmlns:a="http://schemas.openxmlformats.org/drawingml/2006/main" sz="6100" i="1">
                         <a:solidFill>
-                          <a:srgbClr val="51A7F9"/>
+                          <a:srgbClr val="B26AE1"/>
                         </a:solidFill>
                         <a:latin typeface="Cambria Math" panose="02040503050406030204" pitchFamily="18" charset="0"/>
                       </a:rPr>
@@ -20476,7 +19191,7 @@
                     <m:r>
                       <a:rPr xmlns:a="http://schemas.openxmlformats.org/drawingml/2006/main" sz="6100" i="1">
                         <a:solidFill>
-                          <a:srgbClr val="51A7F9"/>
+                          <a:srgbClr val="B26AE1"/>
                         </a:solidFill>
                         <a:latin typeface="Cambria Math" panose="02040503050406030204" pitchFamily="18" charset="0"/>
                       </a:rPr>
@@ -20489,7 +19204,7 @@
                     <m:ctrlPr>
                       <a:rPr xmlns:a="http://schemas.openxmlformats.org/drawingml/2006/main" sz="6100" i="1">
                         <a:solidFill>
-                          <a:srgbClr val="51A7F9"/>
+                          <a:srgbClr val="B26AE1"/>
                         </a:solidFill>
                         <a:latin typeface="Cambria Math" panose="02040503050406030204" pitchFamily="18" charset="0"/>
                       </a:rPr>
@@ -20503,7 +19218,7 @@
                       </m:rPr>
                       <a:rPr xmlns:a="http://schemas.openxmlformats.org/drawingml/2006/main" sz="6100" i="1">
                         <a:solidFill>
-                          <a:srgbClr val="51A7F9"/>
+                          <a:srgbClr val="B26AE1"/>
                         </a:solidFill>
                         <a:latin typeface="Cambria Math" panose="02040503050406030204" pitchFamily="18" charset="0"/>
                       </a:rPr>
@@ -20512,7 +19227,7 @@
                     <m:r>
                       <a:rPr xmlns:a="http://schemas.openxmlformats.org/drawingml/2006/main" sz="6100" i="1">
                         <a:solidFill>
-                          <a:srgbClr val="51A7F9"/>
+                          <a:srgbClr val="B26AE1"/>
                         </a:solidFill>
                         <a:latin typeface="Cambria Math" panose="02040503050406030204" pitchFamily="18" charset="0"/>
                       </a:rPr>
@@ -20526,7 +19241,7 @@
                       </m:rPr>
                       <a:rPr xmlns:a="http://schemas.openxmlformats.org/drawingml/2006/main" sz="6100" i="1">
                         <a:solidFill>
-                          <a:srgbClr val="51A7F9"/>
+                          <a:srgbClr val="B26AE1"/>
                         </a:solidFill>
                         <a:latin typeface="Cambria Math" panose="02040503050406030204" pitchFamily="18" charset="0"/>
                       </a:rPr>
@@ -20537,7 +19252,7 @@
                         <m:r>
                           <a:rPr xmlns:a="http://schemas.openxmlformats.org/drawingml/2006/main" sz="6100" i="1">
                             <a:solidFill>
-                              <a:srgbClr val="51A7F9"/>
+                              <a:srgbClr val="B26AE1"/>
                             </a:solidFill>
                             <a:latin typeface="Cambria Math" panose="02040503050406030204" pitchFamily="18" charset="0"/>
                           </a:rPr>
@@ -20548,7 +19263,7 @@
                         <m:r>
                           <a:rPr xmlns:a="http://schemas.openxmlformats.org/drawingml/2006/main" sz="6100" i="1">
                             <a:solidFill>
-                              <a:srgbClr val="51A7F9"/>
+                              <a:srgbClr val="B26AE1"/>
                             </a:solidFill>
                             <a:latin typeface="Cambria Math" panose="02040503050406030204" pitchFamily="18" charset="0"/>
                           </a:rPr>
@@ -20561,7 +19276,7 @@
                 <m:r>
                   <a:rPr xmlns:a="http://schemas.openxmlformats.org/drawingml/2006/main" sz="6100" i="1">
                     <a:solidFill>
-                      <a:srgbClr val="51A7F9"/>
+                      <a:srgbClr val="B26AE1"/>
                     </a:solidFill>
                     <a:latin typeface="Cambria Math" panose="02040503050406030204" pitchFamily="18" charset="0"/>
                   </a:rPr>
@@ -20572,7 +19287,7 @@
                     <m:ctrlPr>
                       <a:rPr xmlns:a="http://schemas.openxmlformats.org/drawingml/2006/main" sz="6100" i="1">
                         <a:solidFill>
-                          <a:srgbClr val="51A7F9"/>
+                          <a:srgbClr val="B26AE1"/>
                         </a:solidFill>
                         <a:latin typeface="Cambria Math" panose="02040503050406030204" pitchFamily="18" charset="0"/>
                       </a:rPr>
@@ -20586,7 +19301,7 @@
                       </m:rPr>
                       <a:rPr xmlns:a="http://schemas.openxmlformats.org/drawingml/2006/main" sz="6100" i="1">
                         <a:solidFill>
-                          <a:srgbClr val="51A7F9"/>
+                          <a:srgbClr val="B26AE1"/>
                         </a:solidFill>
                         <a:latin typeface="Cambria Math" panose="02040503050406030204" pitchFamily="18" charset="0"/>
                       </a:rPr>
@@ -20597,7 +19312,7 @@
                     <m:r>
                       <a:rPr xmlns:a="http://schemas.openxmlformats.org/drawingml/2006/main" sz="6100" i="1">
                         <a:solidFill>
-                          <a:srgbClr val="51A7F9"/>
+                          <a:srgbClr val="B26AE1"/>
                         </a:solidFill>
                         <a:latin typeface="Cambria Math" panose="02040503050406030204" pitchFamily="18" charset="0"/>
                       </a:rPr>
@@ -20610,7 +19325,7 @@
                     <m:ctrlPr>
                       <a:rPr xmlns:a="http://schemas.openxmlformats.org/drawingml/2006/main" sz="6100" i="1">
                         <a:solidFill>
-                          <a:srgbClr val="51A7F9"/>
+                          <a:srgbClr val="B26AE1"/>
                         </a:solidFill>
                         <a:latin typeface="Cambria Math" panose="02040503050406030204" pitchFamily="18" charset="0"/>
                       </a:rPr>
@@ -20624,7 +19339,7 @@
                       </m:rPr>
                       <a:rPr xmlns:a="http://schemas.openxmlformats.org/drawingml/2006/main" sz="6100" i="1">
                         <a:solidFill>
-                          <a:srgbClr val="51A7F9"/>
+                          <a:srgbClr val="B26AE1"/>
                         </a:solidFill>
                         <a:latin typeface="Cambria Math" panose="02040503050406030204" pitchFamily="18" charset="0"/>
                       </a:rPr>
@@ -20638,7 +19353,7 @@
                       </m:rPr>
                       <a:rPr xmlns:a="http://schemas.openxmlformats.org/drawingml/2006/main" sz="6100" i="1">
                         <a:solidFill>
-                          <a:srgbClr val="51A7F9"/>
+                          <a:srgbClr val="B26AE1"/>
                         </a:solidFill>
                         <a:latin typeface="Cambria Math" panose="02040503050406030204" pitchFamily="18" charset="0"/>
                       </a:rPr>
@@ -20649,7 +19364,7 @@
                         <m:r>
                           <a:rPr xmlns:a="http://schemas.openxmlformats.org/drawingml/2006/main" sz="6100" i="1">
                             <a:solidFill>
-                              <a:srgbClr val="51A7F9"/>
+                              <a:srgbClr val="B26AE1"/>
                             </a:solidFill>
                             <a:latin typeface="Cambria Math" panose="02040503050406030204" pitchFamily="18" charset="0"/>
                           </a:rPr>
@@ -20660,7 +19375,7 @@
                         <m:r>
                           <a:rPr xmlns:a="http://schemas.openxmlformats.org/drawingml/2006/main" sz="6100" i="1">
                             <a:solidFill>
-                              <a:srgbClr val="51A7F9"/>
+                              <a:srgbClr val="B26AE1"/>
                             </a:solidFill>
                             <a:latin typeface="Cambria Math" panose="02040503050406030204" pitchFamily="18" charset="0"/>
                           </a:rPr>
@@ -20673,7 +19388,7 @@
                 <m:r>
                   <a:rPr xmlns:a="http://schemas.openxmlformats.org/drawingml/2006/main" sz="6100" i="1">
                     <a:solidFill>
-                      <a:srgbClr val="51A7F9"/>
+                      <a:srgbClr val="B26AE1"/>
                     </a:solidFill>
                     <a:latin typeface="Cambria Math" panose="02040503050406030204" pitchFamily="18" charset="0"/>
                   </a:rPr>
@@ -20682,7 +19397,7 @@
                 <m:r>
                   <a:rPr xmlns:a="http://schemas.openxmlformats.org/drawingml/2006/main" sz="6100" i="1">
                     <a:solidFill>
-                      <a:srgbClr val="51A7F9"/>
+                      <a:srgbClr val="B26AE1"/>
                     </a:solidFill>
                     <a:latin typeface="Cambria Math" panose="02040503050406030204" pitchFamily="18" charset="0"/>
                   </a:rPr>
@@ -20691,7 +19406,7 @@
                 <m:r>
                   <a:rPr xmlns:a="http://schemas.openxmlformats.org/drawingml/2006/main" sz="6100" i="1">
                     <a:solidFill>
-                      <a:srgbClr val="51A7F9"/>
+                      <a:srgbClr val="B26AE1"/>
                     </a:solidFill>
                     <a:latin typeface="Cambria Math" panose="02040503050406030204" pitchFamily="18" charset="0"/>
                   </a:rPr>
@@ -20700,7 +19415,7 @@
                 <m:r>
                   <a:rPr xmlns:a="http://schemas.openxmlformats.org/drawingml/2006/main" sz="6100" i="1">
                     <a:solidFill>
-                      <a:srgbClr val="51A7F9"/>
+                      <a:srgbClr val="B26AE1"/>
                     </a:solidFill>
                     <a:latin typeface="Cambria Math" panose="02040503050406030204" pitchFamily="18" charset="0"/>
                   </a:rPr>
@@ -20714,7 +19429,7 @@
                 <m:r>
                   <a:rPr xmlns:a="http://schemas.openxmlformats.org/drawingml/2006/main" sz="6100" i="1">
                     <a:solidFill>
-                      <a:srgbClr val="51A7F9"/>
+                      <a:srgbClr val="B26AE1"/>
                     </a:solidFill>
                     <a:latin typeface="Cambria Math" panose="02040503050406030204" pitchFamily="18" charset="0"/>
                   </a:rPr>
@@ -20725,7 +19440,7 @@
                     <m:ctrlPr>
                       <a:rPr xmlns:a="http://schemas.openxmlformats.org/drawingml/2006/main" sz="6100" i="1">
                         <a:solidFill>
-                          <a:srgbClr val="51A7F9"/>
+                          <a:srgbClr val="B26AE1"/>
                         </a:solidFill>
                         <a:latin typeface="Cambria Math" panose="02040503050406030204" pitchFamily="18" charset="0"/>
                       </a:rPr>
@@ -20739,7 +19454,7 @@
                       </m:rPr>
                       <a:rPr xmlns:a="http://schemas.openxmlformats.org/drawingml/2006/main" sz="6100" i="1">
                         <a:solidFill>
-                          <a:srgbClr val="51A7F9"/>
+                          <a:srgbClr val="B26AE1"/>
                         </a:solidFill>
                         <a:latin typeface="Cambria Math" panose="02040503050406030204" pitchFamily="18" charset="0"/>
                       </a:rPr>
@@ -20750,7 +19465,7 @@
                     <m:r>
                       <a:rPr xmlns:a="http://schemas.openxmlformats.org/drawingml/2006/main" sz="6100" i="1">
                         <a:solidFill>
-                          <a:srgbClr val="51A7F9"/>
+                          <a:srgbClr val="B26AE1"/>
                         </a:solidFill>
                         <a:latin typeface="Cambria Math" panose="02040503050406030204" pitchFamily="18" charset="0"/>
                       </a:rPr>
@@ -20763,7 +19478,7 @@
                     <m:ctrlPr>
                       <a:rPr xmlns:a="http://schemas.openxmlformats.org/drawingml/2006/main" sz="6100" i="1">
                         <a:solidFill>
-                          <a:srgbClr val="51A7F9"/>
+                          <a:srgbClr val="B26AE1"/>
                         </a:solidFill>
                         <a:latin typeface="Cambria Math" panose="02040503050406030204" pitchFamily="18" charset="0"/>
                       </a:rPr>
@@ -20775,7 +19490,7 @@
                     <m:r>
                       <a:rPr xmlns:a="http://schemas.openxmlformats.org/drawingml/2006/main" sz="6100" i="1">
                         <a:solidFill>
-                          <a:srgbClr val="51A7F9"/>
+                          <a:srgbClr val="B26AE1"/>
                         </a:solidFill>
                         <a:latin typeface="Cambria Math" panose="02040503050406030204" pitchFamily="18" charset="0"/>
                       </a:rPr>
@@ -20786,7 +19501,7 @@
                         <m:ctrlPr>
                           <a:rPr xmlns:a="http://schemas.openxmlformats.org/drawingml/2006/main" sz="6100" i="1">
                             <a:solidFill>
-                              <a:srgbClr val="51A7F9"/>
+                              <a:srgbClr val="B26AE1"/>
                             </a:solidFill>
                             <a:latin typeface="Cambria Math" panose="02040503050406030204" pitchFamily="18" charset="0"/>
                           </a:rPr>
@@ -20800,7 +19515,7 @@
                           </m:rPr>
                           <a:rPr xmlns:a="http://schemas.openxmlformats.org/drawingml/2006/main" sz="6100" i="1">
                             <a:solidFill>
-                              <a:srgbClr val="51A7F9"/>
+                              <a:srgbClr val="B26AE1"/>
                             </a:solidFill>
                             <a:latin typeface="Cambria Math" panose="02040503050406030204" pitchFamily="18" charset="0"/>
                           </a:rPr>
@@ -20809,7 +19524,7 @@
                         <m:r>
                           <a:rPr xmlns:a="http://schemas.openxmlformats.org/drawingml/2006/main" sz="6100" i="1">
                             <a:solidFill>
-                              <a:srgbClr val="51A7F9"/>
+                              <a:srgbClr val="B26AE1"/>
                             </a:solidFill>
                             <a:latin typeface="Cambria Math" panose="02040503050406030204" pitchFamily="18" charset="0"/>
                           </a:rPr>
@@ -20823,7 +19538,7 @@
                           </m:rPr>
                           <a:rPr xmlns:a="http://schemas.openxmlformats.org/drawingml/2006/main" sz="6100" i="1">
                             <a:solidFill>
-                              <a:srgbClr val="51A7F9"/>
+                              <a:srgbClr val="B26AE1"/>
                             </a:solidFill>
                             <a:latin typeface="Cambria Math" panose="02040503050406030204" pitchFamily="18" charset="0"/>
                           </a:rPr>
@@ -20834,7 +19549,7 @@
                             <m:r>
                               <a:rPr xmlns:a="http://schemas.openxmlformats.org/drawingml/2006/main" sz="6100" i="1">
                                 <a:solidFill>
-                                  <a:srgbClr val="51A7F9"/>
+                                  <a:srgbClr val="B26AE1"/>
                                 </a:solidFill>
                                 <a:latin typeface="Cambria Math" panose="02040503050406030204" pitchFamily="18" charset="0"/>
                               </a:rPr>
@@ -20845,7 +19560,7 @@
                             <m:r>
                               <a:rPr xmlns:a="http://schemas.openxmlformats.org/drawingml/2006/main" sz="6100" i="1">
                                 <a:solidFill>
-                                  <a:srgbClr val="51A7F9"/>
+                                  <a:srgbClr val="B26AE1"/>
                                 </a:solidFill>
                                 <a:latin typeface="Cambria Math" panose="02040503050406030204" pitchFamily="18" charset="0"/>
                               </a:rPr>
@@ -20858,7 +19573,7 @@
                     <m:r>
                       <a:rPr xmlns:a="http://schemas.openxmlformats.org/drawingml/2006/main" sz="6100" i="1">
                         <a:solidFill>
-                          <a:srgbClr val="51A7F9"/>
+                          <a:srgbClr val="B26AE1"/>
                         </a:solidFill>
                         <a:latin typeface="Cambria Math" panose="02040503050406030204" pitchFamily="18" charset="0"/>
                       </a:rPr>
@@ -20869,7 +19584,7 @@
                         <m:ctrlPr>
                           <a:rPr xmlns:a="http://schemas.openxmlformats.org/drawingml/2006/main" sz="6100" i="1">
                             <a:solidFill>
-                              <a:srgbClr val="51A7F9"/>
+                              <a:srgbClr val="B26AE1"/>
                             </a:solidFill>
                             <a:latin typeface="Cambria Math" panose="02040503050406030204" pitchFamily="18" charset="0"/>
                           </a:rPr>
@@ -20883,7 +19598,7 @@
                           </m:rPr>
                           <a:rPr xmlns:a="http://schemas.openxmlformats.org/drawingml/2006/main" sz="6100" i="1">
                             <a:solidFill>
-                              <a:srgbClr val="51A7F9"/>
+                              <a:srgbClr val="B26AE1"/>
                             </a:solidFill>
                             <a:latin typeface="Cambria Math" panose="02040503050406030204" pitchFamily="18" charset="0"/>
                           </a:rPr>
@@ -20892,7 +19607,7 @@
                         <m:r>
                           <a:rPr xmlns:a="http://schemas.openxmlformats.org/drawingml/2006/main" sz="6100" i="1">
                             <a:solidFill>
-                              <a:srgbClr val="51A7F9"/>
+                              <a:srgbClr val="B26AE1"/>
                             </a:solidFill>
                             <a:latin typeface="Cambria Math" panose="02040503050406030204" pitchFamily="18" charset="0"/>
                           </a:rPr>
@@ -20906,7 +19621,7 @@
                           </m:rPr>
                           <a:rPr xmlns:a="http://schemas.openxmlformats.org/drawingml/2006/main" sz="6100" i="1">
                             <a:solidFill>
-                              <a:srgbClr val="51A7F9"/>
+                              <a:srgbClr val="B26AE1"/>
                             </a:solidFill>
                             <a:latin typeface="Cambria Math" panose="02040503050406030204" pitchFamily="18" charset="0"/>
                           </a:rPr>
@@ -20917,7 +19632,7 @@
                             <m:r>
                               <a:rPr xmlns:a="http://schemas.openxmlformats.org/drawingml/2006/main" sz="6100" i="1">
                                 <a:solidFill>
-                                  <a:srgbClr val="51A7F9"/>
+                                  <a:srgbClr val="B26AE1"/>
                                 </a:solidFill>
                                 <a:latin typeface="Cambria Math" panose="02040503050406030204" pitchFamily="18" charset="0"/>
                               </a:rPr>
@@ -20928,7 +19643,7 @@
                             <m:r>
                               <a:rPr xmlns:a="http://schemas.openxmlformats.org/drawingml/2006/main" sz="6100" i="1">
                                 <a:solidFill>
-                                  <a:srgbClr val="51A7F9"/>
+                                  <a:srgbClr val="B26AE1"/>
                                 </a:solidFill>
                                 <a:latin typeface="Cambria Math" panose="02040503050406030204" pitchFamily="18" charset="0"/>
                               </a:rPr>
@@ -20941,7 +19656,7 @@
                     <m:r>
                       <a:rPr xmlns:a="http://schemas.openxmlformats.org/drawingml/2006/main" sz="6100" i="1">
                         <a:solidFill>
-                          <a:srgbClr val="51A7F9"/>
+                          <a:srgbClr val="B26AE1"/>
                         </a:solidFill>
                         <a:latin typeface="Cambria Math" panose="02040503050406030204" pitchFamily="18" charset="0"/>
                       </a:rPr>
@@ -20950,7 +19665,7 @@
                     <m:r>
                       <a:rPr xmlns:a="http://schemas.openxmlformats.org/drawingml/2006/main" sz="6100" i="1">
                         <a:solidFill>
-                          <a:srgbClr val="51A7F9"/>
+                          <a:srgbClr val="B26AE1"/>
                         </a:solidFill>
                         <a:latin typeface="Cambria Math" panose="02040503050406030204" pitchFamily="18" charset="0"/>
                       </a:rPr>
@@ -20959,7 +19674,7 @@
                     <m:r>
                       <a:rPr xmlns:a="http://schemas.openxmlformats.org/drawingml/2006/main" sz="6100" i="1">
                         <a:solidFill>
-                          <a:srgbClr val="51A7F9"/>
+                          <a:srgbClr val="B26AE1"/>
                         </a:solidFill>
                         <a:latin typeface="Cambria Math" panose="02040503050406030204" pitchFamily="18" charset="0"/>
                       </a:rPr>
@@ -20970,7 +19685,7 @@
                         <m:ctrlPr>
                           <a:rPr xmlns:a="http://schemas.openxmlformats.org/drawingml/2006/main" sz="6100" i="1">
                             <a:solidFill>
-                              <a:srgbClr val="51A7F9"/>
+                              <a:srgbClr val="B26AE1"/>
                             </a:solidFill>
                             <a:latin typeface="Cambria Math" panose="02040503050406030204" pitchFamily="18" charset="0"/>
                           </a:rPr>
@@ -20984,7 +19699,7 @@
                           </m:rPr>
                           <a:rPr xmlns:a="http://schemas.openxmlformats.org/drawingml/2006/main" sz="6100" i="1">
                             <a:solidFill>
-                              <a:srgbClr val="51A7F9"/>
+                              <a:srgbClr val="B26AE1"/>
                             </a:solidFill>
                             <a:latin typeface="Cambria Math" panose="02040503050406030204" pitchFamily="18" charset="0"/>
                           </a:rPr>
@@ -20993,7 +19708,7 @@
                         <m:r>
                           <a:rPr xmlns:a="http://schemas.openxmlformats.org/drawingml/2006/main" sz="6100" i="1">
                             <a:solidFill>
-                              <a:srgbClr val="51A7F9"/>
+                              <a:srgbClr val="B26AE1"/>
                             </a:solidFill>
                             <a:latin typeface="Cambria Math" panose="02040503050406030204" pitchFamily="18" charset="0"/>
                           </a:rPr>
@@ -21007,7 +19722,7 @@
                           </m:rPr>
                           <a:rPr xmlns:a="http://schemas.openxmlformats.org/drawingml/2006/main" sz="6100" i="1">
                             <a:solidFill>
-                              <a:srgbClr val="51A7F9"/>
+                              <a:srgbClr val="B26AE1"/>
                             </a:solidFill>
                             <a:latin typeface="Cambria Math" panose="02040503050406030204" pitchFamily="18" charset="0"/>
                           </a:rPr>
@@ -21018,7 +19733,7 @@
                             <m:r>
                               <a:rPr xmlns:a="http://schemas.openxmlformats.org/drawingml/2006/main" sz="6100" i="1">
                                 <a:solidFill>
-                                  <a:srgbClr val="51A7F9"/>
+                                  <a:srgbClr val="B26AE1"/>
                                 </a:solidFill>
                                 <a:latin typeface="Cambria Math" panose="02040503050406030204" pitchFamily="18" charset="0"/>
                               </a:rPr>
@@ -21029,7 +19744,7 @@
                             <m:r>
                               <a:rPr xmlns:a="http://schemas.openxmlformats.org/drawingml/2006/main" sz="6100" i="1">
                                 <a:solidFill>
-                                  <a:srgbClr val="51A7F9"/>
+                                  <a:srgbClr val="B26AE1"/>
                                 </a:solidFill>
                                 <a:latin typeface="Cambria Math" panose="02040503050406030204" pitchFamily="18" charset="0"/>
                               </a:rPr>
@@ -21049,7 +19764,7 @@
                 <m:r>
                   <a:rPr xmlns:a="http://schemas.openxmlformats.org/drawingml/2006/main" sz="6100" i="1">
                     <a:solidFill>
-                      <a:srgbClr val="51A7F9"/>
+                      <a:srgbClr val="B26AE1"/>
                     </a:solidFill>
                     <a:latin typeface="Cambria Math" panose="02040503050406030204" pitchFamily="18" charset="0"/>
                   </a:rPr>
@@ -21058,7 +19773,7 @@
                 <m:r>
                   <a:rPr xmlns:a="http://schemas.openxmlformats.org/drawingml/2006/main" sz="6100" i="1">
                     <a:solidFill>
-                      <a:srgbClr val="51A7F9"/>
+                      <a:srgbClr val="B26AE1"/>
                     </a:solidFill>
                     <a:latin typeface="Cambria Math" panose="02040503050406030204" pitchFamily="18" charset="0"/>
                   </a:rPr>
@@ -21069,7 +19784,7 @@
                     <m:ctrlPr>
                       <a:rPr xmlns:a="http://schemas.openxmlformats.org/drawingml/2006/main" sz="6100" i="1">
                         <a:solidFill>
-                          <a:srgbClr val="51A7F9"/>
+                          <a:srgbClr val="B26AE1"/>
                         </a:solidFill>
                         <a:latin typeface="Cambria Math" panose="02040503050406030204" pitchFamily="18" charset="0"/>
                       </a:rPr>
@@ -21083,7 +19798,7 @@
                       </m:rPr>
                       <a:rPr xmlns:a="http://schemas.openxmlformats.org/drawingml/2006/main" sz="6100" i="1">
                         <a:solidFill>
-                          <a:srgbClr val="51A7F9"/>
+                          <a:srgbClr val="B26AE1"/>
                         </a:solidFill>
                         <a:latin typeface="Cambria Math" panose="02040503050406030204" pitchFamily="18" charset="0"/>
                       </a:rPr>
@@ -21094,7 +19809,7 @@
                     <m:r>
                       <a:rPr xmlns:a="http://schemas.openxmlformats.org/drawingml/2006/main" sz="6100" i="1">
                         <a:solidFill>
-                          <a:srgbClr val="51A7F9"/>
+                          <a:srgbClr val="B26AE1"/>
                         </a:solidFill>
                         <a:latin typeface="Cambria Math" panose="02040503050406030204" pitchFamily="18" charset="0"/>
                       </a:rPr>
@@ -21107,7 +19822,7 @@
                     <m:ctrlPr>
                       <a:rPr xmlns:a="http://schemas.openxmlformats.org/drawingml/2006/main" sz="6100" i="1">
                         <a:solidFill>
-                          <a:srgbClr val="51A7F9"/>
+                          <a:srgbClr val="B26AE1"/>
                         </a:solidFill>
                         <a:latin typeface="Cambria Math" panose="02040503050406030204" pitchFamily="18" charset="0"/>
                       </a:rPr>
@@ -21121,7 +19836,7 @@
                       </m:rPr>
                       <a:rPr xmlns:a="http://schemas.openxmlformats.org/drawingml/2006/main" sz="6100" i="1">
                         <a:solidFill>
-                          <a:srgbClr val="51A7F9"/>
+                          <a:srgbClr val="B26AE1"/>
                         </a:solidFill>
                         <a:latin typeface="Cambria Math" panose="02040503050406030204" pitchFamily="18" charset="0"/>
                       </a:rPr>
@@ -21130,7 +19845,7 @@
                     <m:r>
                       <a:rPr xmlns:a="http://schemas.openxmlformats.org/drawingml/2006/main" sz="6100" i="1">
                         <a:solidFill>
-                          <a:srgbClr val="51A7F9"/>
+                          <a:srgbClr val="B26AE1"/>
                         </a:solidFill>
                         <a:latin typeface="Cambria Math" panose="02040503050406030204" pitchFamily="18" charset="0"/>
                       </a:rPr>
@@ -21144,7 +19859,7 @@
                       </m:rPr>
                       <a:rPr xmlns:a="http://schemas.openxmlformats.org/drawingml/2006/main" sz="6100" i="1">
                         <a:solidFill>
-                          <a:srgbClr val="51A7F9"/>
+                          <a:srgbClr val="B26AE1"/>
                         </a:solidFill>
                         <a:latin typeface="Cambria Math" panose="02040503050406030204" pitchFamily="18" charset="0"/>
                       </a:rPr>
@@ -21155,7 +19870,7 @@
                         <m:r>
                           <a:rPr xmlns:a="http://schemas.openxmlformats.org/drawingml/2006/main" sz="6100" i="1">
                             <a:solidFill>
-                              <a:srgbClr val="51A7F9"/>
+                              <a:srgbClr val="B26AE1"/>
                             </a:solidFill>
                             <a:latin typeface="Cambria Math" panose="02040503050406030204" pitchFamily="18" charset="0"/>
                           </a:rPr>
@@ -21166,7 +19881,7 @@
                         <m:r>
                           <a:rPr xmlns:a="http://schemas.openxmlformats.org/drawingml/2006/main" sz="6100" i="1">
                             <a:solidFill>
-                              <a:srgbClr val="51A7F9"/>
+                              <a:srgbClr val="B26AE1"/>
                             </a:solidFill>
                             <a:latin typeface="Cambria Math" panose="02040503050406030204" pitchFamily="18" charset="0"/>
                           </a:rPr>
@@ -21179,7 +19894,7 @@
                 <m:r>
                   <a:rPr xmlns:a="http://schemas.openxmlformats.org/drawingml/2006/main" sz="6100" i="1">
                     <a:solidFill>
-                      <a:srgbClr val="51A7F9"/>
+                      <a:srgbClr val="B26AE1"/>
                     </a:solidFill>
                     <a:latin typeface="Cambria Math" panose="02040503050406030204" pitchFamily="18" charset="0"/>
                   </a:rPr>
@@ -21188,7 +19903,7 @@
                 <m:r>
                   <a:rPr xmlns:a="http://schemas.openxmlformats.org/drawingml/2006/main" sz="6100" i="1">
                     <a:solidFill>
-                      <a:srgbClr val="51A7F9"/>
+                      <a:srgbClr val="B26AE1"/>
                     </a:solidFill>
                     <a:latin typeface="Cambria Math" panose="02040503050406030204" pitchFamily="18" charset="0"/>
                   </a:rPr>
@@ -21197,7 +19912,7 @@
                 <m:r>
                   <a:rPr xmlns:a="http://schemas.openxmlformats.org/drawingml/2006/main" sz="6100" i="1">
                     <a:solidFill>
-                      <a:srgbClr val="51A7F9"/>
+                      <a:srgbClr val="B26AE1"/>
                     </a:solidFill>
                     <a:latin typeface="Cambria Math" panose="02040503050406030204" pitchFamily="18" charset="0"/>
                   </a:rPr>
@@ -21209,7 +19924,7 @@
                   </m:rPr>
                   <a:rPr xmlns:a="http://schemas.openxmlformats.org/drawingml/2006/main" sz="6100" i="1">
                     <a:solidFill>
-                      <a:srgbClr val="51A7F9"/>
+                      <a:srgbClr val="B26AE1"/>
                     </a:solidFill>
                     <a:latin typeface="Cambria Math" panose="02040503050406030204" pitchFamily="18" charset="0"/>
                   </a:rPr>
@@ -21220,7 +19935,7 @@
                     <m:r>
                       <a:rPr xmlns:a="http://schemas.openxmlformats.org/drawingml/2006/main" sz="6100" i="1">
                         <a:solidFill>
-                          <a:srgbClr val="51A7F9"/>
+                          <a:srgbClr val="B26AE1"/>
                         </a:solidFill>
                         <a:latin typeface="Cambria Math" panose="02040503050406030204" pitchFamily="18" charset="0"/>
                       </a:rPr>
@@ -21231,7 +19946,7 @@
                     <m:r>
                       <a:rPr xmlns:a="http://schemas.openxmlformats.org/drawingml/2006/main" sz="6100" i="1">
                         <a:solidFill>
-                          <a:srgbClr val="51A7F9"/>
+                          <a:srgbClr val="B26AE1"/>
                         </a:solidFill>
                         <a:latin typeface="Cambria Math" panose="02040503050406030204" pitchFamily="18" charset="0"/>
                       </a:rPr>
@@ -21242,7 +19957,7 @@
                         <m:r>
                           <a:rPr xmlns:a="http://schemas.openxmlformats.org/drawingml/2006/main" sz="6100" i="1">
                             <a:solidFill>
-                              <a:srgbClr val="51A7F9"/>
+                              <a:srgbClr val="B26AE1"/>
                             </a:solidFill>
                             <a:latin typeface="Cambria Math" panose="02040503050406030204" pitchFamily="18" charset="0"/>
                           </a:rPr>
@@ -21253,7 +19968,7 @@
                         <m:r>
                           <a:rPr xmlns:a="http://schemas.openxmlformats.org/drawingml/2006/main" sz="6100" i="1">
                             <a:solidFill>
-                              <a:srgbClr val="51A7F9"/>
+                              <a:srgbClr val="B26AE1"/>
                             </a:solidFill>
                             <a:latin typeface="Cambria Math" panose="02040503050406030204" pitchFamily="18" charset="0"/>
                           </a:rPr>
@@ -21266,7 +19981,7 @@
                 <m:r>
                   <a:rPr xmlns:a="http://schemas.openxmlformats.org/drawingml/2006/main" sz="6100" i="1">
                     <a:solidFill>
-                      <a:srgbClr val="51A7F9"/>
+                      <a:srgbClr val="B26AE1"/>
                     </a:solidFill>
                     <a:latin typeface="Cambria Math" panose="02040503050406030204" pitchFamily="18" charset="0"/>
                   </a:rPr>
@@ -21276,7 +19991,7 @@
             </a14:m>
             <a:endParaRPr>
               <a:solidFill>
-                <a:srgbClr val="51A7F9"/>
+                <a:srgbClr val="B36AE2"/>
               </a:solidFill>
             </a:endParaRPr>
           </a:p>
@@ -22154,806 +20869,6 @@
             <a:r>
               <a:t>? Try it.</a:t>
             </a:r>
-            <a:br/>
-          </a:p>
-          <a:p>
-            <a:pPr marL="0" indent="0">
-              <a:buSzTx/>
-              <a:buNone/>
-              <a:defRPr>
-                <a:solidFill>
-                  <a:schemeClr val="accent1">
-                    <a:satOff val="-3355"/>
-                    <a:lumOff val="26614"/>
-                  </a:schemeClr>
-                </a:solidFill>
-              </a:defRPr>
-            </a:pPr>
-            <a14:m>
-              <m:oMath>
-                <m:d>
-                  <m:dPr>
-                    <m:ctrlPr>
-                      <a:rPr xmlns:a="http://schemas.openxmlformats.org/drawingml/2006/main" sz="6100" i="1">
-                        <a:solidFill>
-                          <a:srgbClr val="51A7F9"/>
-                        </a:solidFill>
-                        <a:latin typeface="Cambria Math" panose="02040503050406030204" pitchFamily="18" charset="0"/>
-                      </a:rPr>
-                    </m:ctrlPr>
-                    <m:begChr m:val="["/>
-                    <m:endChr m:val="]"/>
-                  </m:dPr>
-                  <m:e>
-                    <m:r>
-                      <a:rPr xmlns:a="http://schemas.openxmlformats.org/drawingml/2006/main" sz="6100" i="1">
-                        <a:solidFill>
-                          <a:srgbClr val="51A7F9"/>
-                        </a:solidFill>
-                        <a:latin typeface="Cambria Math" panose="02040503050406030204" pitchFamily="18" charset="0"/>
-                      </a:rPr>
-                      <m:t>-</m:t>
-                    </m:r>
-                    <m:f>
-                      <m:fPr>
-                        <m:ctrlPr>
-                          <a:rPr xmlns:a="http://schemas.openxmlformats.org/drawingml/2006/main" sz="6100" i="1">
-                            <a:solidFill>
-                              <a:srgbClr val="51A7F9"/>
-                            </a:solidFill>
-                            <a:latin typeface="Cambria Math" panose="02040503050406030204" pitchFamily="18" charset="0"/>
-                          </a:rPr>
-                        </m:ctrlPr>
-                        <m:type m:val="bar"/>
-                      </m:fPr>
-                      <m:num>
-                        <m:r>
-                          <m:rPr>
-                            <m:sty m:val="p"/>
-                          </m:rPr>
-                          <a:rPr xmlns:a="http://schemas.openxmlformats.org/drawingml/2006/main" sz="6100" i="1">
-                            <a:solidFill>
-                              <a:srgbClr val="51A7F9"/>
-                            </a:solidFill>
-                            <a:latin typeface="Cambria Math" panose="02040503050406030204" pitchFamily="18" charset="0"/>
-                          </a:rPr>
-                          <m:t>ℏ</m:t>
-                        </m:r>
-                      </m:num>
-                      <m:den>
-                        <m:r>
-                          <a:rPr xmlns:a="http://schemas.openxmlformats.org/drawingml/2006/main" sz="6100" i="1">
-                            <a:solidFill>
-                              <a:srgbClr val="51A7F9"/>
-                            </a:solidFill>
-                            <a:latin typeface="Cambria Math" panose="02040503050406030204" pitchFamily="18" charset="0"/>
-                          </a:rPr>
-                          <m:t>i</m:t>
-                        </m:r>
-                      </m:den>
-                    </m:f>
-                    <m:f>
-                      <m:fPr>
-                        <m:ctrlPr>
-                          <a:rPr xmlns:a="http://schemas.openxmlformats.org/drawingml/2006/main" sz="6100" i="1">
-                            <a:solidFill>
-                              <a:srgbClr val="51A7F9"/>
-                            </a:solidFill>
-                            <a:latin typeface="Cambria Math" panose="02040503050406030204" pitchFamily="18" charset="0"/>
-                          </a:rPr>
-                        </m:ctrlPr>
-                        <m:type m:val="bar"/>
-                      </m:fPr>
-                      <m:num>
-                        <m:r>
-                          <m:rPr>
-                            <m:sty m:val="p"/>
-                          </m:rPr>
-                          <a:rPr xmlns:a="http://schemas.openxmlformats.org/drawingml/2006/main" sz="6100" i="1">
-                            <a:solidFill>
-                              <a:srgbClr val="51A7F9"/>
-                            </a:solidFill>
-                            <a:latin typeface="Cambria Math" panose="02040503050406030204" pitchFamily="18" charset="0"/>
-                          </a:rPr>
-                          <m:t>∂</m:t>
-                        </m:r>
-                      </m:num>
-                      <m:den>
-                        <m:r>
-                          <m:rPr>
-                            <m:sty m:val="p"/>
-                          </m:rPr>
-                          <a:rPr xmlns:a="http://schemas.openxmlformats.org/drawingml/2006/main" sz="6100" i="1">
-                            <a:solidFill>
-                              <a:srgbClr val="51A7F9"/>
-                            </a:solidFill>
-                            <a:latin typeface="Cambria Math" panose="02040503050406030204" pitchFamily="18" charset="0"/>
-                          </a:rPr>
-                          <m:t>∂</m:t>
-                        </m:r>
-                        <m:sSub>
-                          <m:e>
-                            <m:r>
-                              <a:rPr xmlns:a="http://schemas.openxmlformats.org/drawingml/2006/main" sz="6100" i="1">
-                                <a:solidFill>
-                                  <a:srgbClr val="51A7F9"/>
-                                </a:solidFill>
-                                <a:latin typeface="Cambria Math" panose="02040503050406030204" pitchFamily="18" charset="0"/>
-                              </a:rPr>
-                              <m:t>p</m:t>
-                            </m:r>
-                          </m:e>
-                          <m:sub>
-                            <m:r>
-                              <a:rPr xmlns:a="http://schemas.openxmlformats.org/drawingml/2006/main" sz="6100" i="1">
-                                <a:solidFill>
-                                  <a:srgbClr val="51A7F9"/>
-                                </a:solidFill>
-                                <a:latin typeface="Cambria Math" panose="02040503050406030204" pitchFamily="18" charset="0"/>
-                              </a:rPr>
-                              <m:t>q</m:t>
-                            </m:r>
-                          </m:sub>
-                        </m:sSub>
-                      </m:den>
-                    </m:f>
-                    <m:r>
-                      <a:rPr xmlns:a="http://schemas.openxmlformats.org/drawingml/2006/main" sz="6100" i="1">
-                        <a:solidFill>
-                          <a:srgbClr val="51A7F9"/>
-                        </a:solidFill>
-                        <a:latin typeface="Cambria Math" panose="02040503050406030204" pitchFamily="18" charset="0"/>
-                      </a:rPr>
-                      <m:t>,</m:t>
-                    </m:r>
-                    <m:sSub>
-                      <m:e>
-                        <m:r>
-                          <a:rPr xmlns:a="http://schemas.openxmlformats.org/drawingml/2006/main" sz="6100" i="1">
-                            <a:solidFill>
-                              <a:srgbClr val="51A7F9"/>
-                            </a:solidFill>
-                            <a:latin typeface="Cambria Math" panose="02040503050406030204" pitchFamily="18" charset="0"/>
-                          </a:rPr>
-                          <m:t>p</m:t>
-                        </m:r>
-                      </m:e>
-                      <m:sub>
-                        <m:sSup>
-                          <m:e>
-                            <m:r>
-                              <a:rPr xmlns:a="http://schemas.openxmlformats.org/drawingml/2006/main" sz="6100" i="1">
-                                <a:solidFill>
-                                  <a:srgbClr val="51A7F9"/>
-                                </a:solidFill>
-                                <a:latin typeface="Cambria Math" panose="02040503050406030204" pitchFamily="18" charset="0"/>
-                              </a:rPr>
-                              <m:t>q</m:t>
-                            </m:r>
-                          </m:e>
-                          <m:sup>
-                            <m:r>
-                              <a:rPr xmlns:a="http://schemas.openxmlformats.org/drawingml/2006/main" sz="6100" i="1">
-                                <a:solidFill>
-                                  <a:srgbClr val="51A7F9"/>
-                                </a:solidFill>
-                                <a:latin typeface="Cambria Math" panose="02040503050406030204" pitchFamily="18" charset="0"/>
-                              </a:rPr>
-                              <m:t>′</m:t>
-                            </m:r>
-                          </m:sup>
-                        </m:sSup>
-                      </m:sub>
-                    </m:sSub>
-                  </m:e>
-                </m:d>
-                <m:r>
-                  <a:rPr xmlns:a="http://schemas.openxmlformats.org/drawingml/2006/main" sz="6100" i="1">
-                    <a:solidFill>
-                      <a:srgbClr val="51A7F9"/>
-                    </a:solidFill>
-                    <a:latin typeface="Cambria Math" panose="02040503050406030204" pitchFamily="18" charset="0"/>
-                  </a:rPr>
-                  <m:t>f</m:t>
-                </m:r>
-              </m:oMath>
-            </a14:m>
-            <a:br/>
-            <a14:m>
-              <m:oMath>
-                <m:r>
-                  <a:rPr xmlns:a="http://schemas.openxmlformats.org/drawingml/2006/main" sz="6100" i="1">
-                    <a:solidFill>
-                      <a:srgbClr val="51A7F9"/>
-                    </a:solidFill>
-                    <a:latin typeface="Cambria Math" panose="02040503050406030204" pitchFamily="18" charset="0"/>
-                  </a:rPr>
-                  <m:t>=</m:t>
-                </m:r>
-                <m:r>
-                  <a:rPr xmlns:a="http://schemas.openxmlformats.org/drawingml/2006/main" sz="6100" i="1">
-                    <a:solidFill>
-                      <a:srgbClr val="51A7F9"/>
-                    </a:solidFill>
-                    <a:latin typeface="Cambria Math" panose="02040503050406030204" pitchFamily="18" charset="0"/>
-                  </a:rPr>
-                  <m:t>-</m:t>
-                </m:r>
-                <m:f>
-                  <m:fPr>
-                    <m:ctrlPr>
-                      <a:rPr xmlns:a="http://schemas.openxmlformats.org/drawingml/2006/main" sz="6100" i="1">
-                        <a:solidFill>
-                          <a:srgbClr val="51A7F9"/>
-                        </a:solidFill>
-                        <a:latin typeface="Cambria Math" panose="02040503050406030204" pitchFamily="18" charset="0"/>
-                      </a:rPr>
-                    </m:ctrlPr>
-                    <m:type m:val="bar"/>
-                  </m:fPr>
-                  <m:num>
-                    <m:r>
-                      <m:rPr>
-                        <m:sty m:val="p"/>
-                      </m:rPr>
-                      <a:rPr xmlns:a="http://schemas.openxmlformats.org/drawingml/2006/main" sz="6100" i="1">
-                        <a:solidFill>
-                          <a:srgbClr val="51A7F9"/>
-                        </a:solidFill>
-                        <a:latin typeface="Cambria Math" panose="02040503050406030204" pitchFamily="18" charset="0"/>
-                      </a:rPr>
-                      <m:t>ℏ</m:t>
-                    </m:r>
-                  </m:num>
-                  <m:den>
-                    <m:r>
-                      <a:rPr xmlns:a="http://schemas.openxmlformats.org/drawingml/2006/main" sz="6100" i="1">
-                        <a:solidFill>
-                          <a:srgbClr val="51A7F9"/>
-                        </a:solidFill>
-                        <a:latin typeface="Cambria Math" panose="02040503050406030204" pitchFamily="18" charset="0"/>
-                      </a:rPr>
-                      <m:t>i</m:t>
-                    </m:r>
-                  </m:den>
-                </m:f>
-                <m:d>
-                  <m:dPr>
-                    <m:ctrlPr>
-                      <a:rPr xmlns:a="http://schemas.openxmlformats.org/drawingml/2006/main" sz="6100" i="1">
-                        <a:solidFill>
-                          <a:srgbClr val="51A7F9"/>
-                        </a:solidFill>
-                        <a:latin typeface="Cambria Math" panose="02040503050406030204" pitchFamily="18" charset="0"/>
-                      </a:rPr>
-                    </m:ctrlPr>
-                    <m:begChr m:val="["/>
-                    <m:endChr m:val="]"/>
-                  </m:dPr>
-                  <m:e>
-                    <m:f>
-                      <m:fPr>
-                        <m:ctrlPr>
-                          <a:rPr xmlns:a="http://schemas.openxmlformats.org/drawingml/2006/main" sz="6100" i="1">
-                            <a:solidFill>
-                              <a:srgbClr val="51A7F9"/>
-                            </a:solidFill>
-                            <a:latin typeface="Cambria Math" panose="02040503050406030204" pitchFamily="18" charset="0"/>
-                          </a:rPr>
-                        </m:ctrlPr>
-                        <m:type m:val="bar"/>
-                      </m:fPr>
-                      <m:num>
-                        <m:r>
-                          <m:rPr>
-                            <m:sty m:val="p"/>
-                          </m:rPr>
-                          <a:rPr xmlns:a="http://schemas.openxmlformats.org/drawingml/2006/main" sz="6100" i="1">
-                            <a:solidFill>
-                              <a:srgbClr val="51A7F9"/>
-                            </a:solidFill>
-                            <a:latin typeface="Cambria Math" panose="02040503050406030204" pitchFamily="18" charset="0"/>
-                          </a:rPr>
-                          <m:t>∂</m:t>
-                        </m:r>
-                      </m:num>
-                      <m:den>
-                        <m:r>
-                          <m:rPr>
-                            <m:sty m:val="p"/>
-                          </m:rPr>
-                          <a:rPr xmlns:a="http://schemas.openxmlformats.org/drawingml/2006/main" sz="6100" i="1">
-                            <a:solidFill>
-                              <a:srgbClr val="51A7F9"/>
-                            </a:solidFill>
-                            <a:latin typeface="Cambria Math" panose="02040503050406030204" pitchFamily="18" charset="0"/>
-                          </a:rPr>
-                          <m:t>∂</m:t>
-                        </m:r>
-                        <m:sSub>
-                          <m:e>
-                            <m:r>
-                              <a:rPr xmlns:a="http://schemas.openxmlformats.org/drawingml/2006/main" sz="6100" i="1">
-                                <a:solidFill>
-                                  <a:srgbClr val="51A7F9"/>
-                                </a:solidFill>
-                                <a:latin typeface="Cambria Math" panose="02040503050406030204" pitchFamily="18" charset="0"/>
-                              </a:rPr>
-                              <m:t>p</m:t>
-                            </m:r>
-                          </m:e>
-                          <m:sub>
-                            <m:r>
-                              <a:rPr xmlns:a="http://schemas.openxmlformats.org/drawingml/2006/main" sz="6100" i="1">
-                                <a:solidFill>
-                                  <a:srgbClr val="51A7F9"/>
-                                </a:solidFill>
-                                <a:latin typeface="Cambria Math" panose="02040503050406030204" pitchFamily="18" charset="0"/>
-                              </a:rPr>
-                              <m:t>q</m:t>
-                            </m:r>
-                          </m:sub>
-                        </m:sSub>
-                      </m:den>
-                    </m:f>
-                    <m:r>
-                      <a:rPr xmlns:a="http://schemas.openxmlformats.org/drawingml/2006/main" sz="6100" i="1">
-                        <a:solidFill>
-                          <a:srgbClr val="51A7F9"/>
-                        </a:solidFill>
-                        <a:latin typeface="Cambria Math" panose="02040503050406030204" pitchFamily="18" charset="0"/>
-                      </a:rPr>
-                      <m:t>(</m:t>
-                    </m:r>
-                    <m:sSub>
-                      <m:e>
-                        <m:r>
-                          <a:rPr xmlns:a="http://schemas.openxmlformats.org/drawingml/2006/main" sz="6100" i="1">
-                            <a:solidFill>
-                              <a:srgbClr val="51A7F9"/>
-                            </a:solidFill>
-                            <a:latin typeface="Cambria Math" panose="02040503050406030204" pitchFamily="18" charset="0"/>
-                          </a:rPr>
-                          <m:t>p</m:t>
-                        </m:r>
-                      </m:e>
-                      <m:sub>
-                        <m:sSup>
-                          <m:e>
-                            <m:r>
-                              <a:rPr xmlns:a="http://schemas.openxmlformats.org/drawingml/2006/main" sz="6100" i="1">
-                                <a:solidFill>
-                                  <a:srgbClr val="51A7F9"/>
-                                </a:solidFill>
-                                <a:latin typeface="Cambria Math" panose="02040503050406030204" pitchFamily="18" charset="0"/>
-                              </a:rPr>
-                              <m:t>q</m:t>
-                            </m:r>
-                          </m:e>
-                          <m:sup>
-                            <m:r>
-                              <a:rPr xmlns:a="http://schemas.openxmlformats.org/drawingml/2006/main" sz="6100" i="1">
-                                <a:solidFill>
-                                  <a:srgbClr val="51A7F9"/>
-                                </a:solidFill>
-                                <a:latin typeface="Cambria Math" panose="02040503050406030204" pitchFamily="18" charset="0"/>
-                              </a:rPr>
-                              <m:t>′</m:t>
-                            </m:r>
-                          </m:sup>
-                        </m:sSup>
-                      </m:sub>
-                    </m:sSub>
-                    <m:r>
-                      <a:rPr xmlns:a="http://schemas.openxmlformats.org/drawingml/2006/main" sz="6100" i="1">
-                        <a:solidFill>
-                          <a:srgbClr val="51A7F9"/>
-                        </a:solidFill>
-                        <a:latin typeface="Cambria Math" panose="02040503050406030204" pitchFamily="18" charset="0"/>
-                      </a:rPr>
-                      <m:t>f</m:t>
-                    </m:r>
-                    <m:r>
-                      <a:rPr xmlns:a="http://schemas.openxmlformats.org/drawingml/2006/main" sz="6100" i="1">
-                        <a:solidFill>
-                          <a:srgbClr val="51A7F9"/>
-                        </a:solidFill>
-                        <a:latin typeface="Cambria Math" panose="02040503050406030204" pitchFamily="18" charset="0"/>
-                      </a:rPr>
-                      <m:t>)</m:t>
-                    </m:r>
-                    <m:r>
-                      <a:rPr xmlns:a="http://schemas.openxmlformats.org/drawingml/2006/main" sz="6100" i="1">
-                        <a:solidFill>
-                          <a:srgbClr val="51A7F9"/>
-                        </a:solidFill>
-                        <a:latin typeface="Cambria Math" panose="02040503050406030204" pitchFamily="18" charset="0"/>
-                      </a:rPr>
-                      <m:t>-</m:t>
-                    </m:r>
-                    <m:sSub>
-                      <m:e>
-                        <m:r>
-                          <a:rPr xmlns:a="http://schemas.openxmlformats.org/drawingml/2006/main" sz="6100" i="1">
-                            <a:solidFill>
-                              <a:srgbClr val="51A7F9"/>
-                            </a:solidFill>
-                            <a:latin typeface="Cambria Math" panose="02040503050406030204" pitchFamily="18" charset="0"/>
-                          </a:rPr>
-                          <m:t>p</m:t>
-                        </m:r>
-                      </m:e>
-                      <m:sub>
-                        <m:sSup>
-                          <m:e>
-                            <m:r>
-                              <a:rPr xmlns:a="http://schemas.openxmlformats.org/drawingml/2006/main" sz="6100" i="1">
-                                <a:solidFill>
-                                  <a:srgbClr val="51A7F9"/>
-                                </a:solidFill>
-                                <a:latin typeface="Cambria Math" panose="02040503050406030204" pitchFamily="18" charset="0"/>
-                              </a:rPr>
-                              <m:t>q</m:t>
-                            </m:r>
-                          </m:e>
-                          <m:sup>
-                            <m:r>
-                              <a:rPr xmlns:a="http://schemas.openxmlformats.org/drawingml/2006/main" sz="6100" i="1">
-                                <a:solidFill>
-                                  <a:srgbClr val="51A7F9"/>
-                                </a:solidFill>
-                                <a:latin typeface="Cambria Math" panose="02040503050406030204" pitchFamily="18" charset="0"/>
-                              </a:rPr>
-                              <m:t>′</m:t>
-                            </m:r>
-                          </m:sup>
-                        </m:sSup>
-                      </m:sub>
-                    </m:sSub>
-                    <m:f>
-                      <m:fPr>
-                        <m:ctrlPr>
-                          <a:rPr xmlns:a="http://schemas.openxmlformats.org/drawingml/2006/main" sz="6100" i="1">
-                            <a:solidFill>
-                              <a:srgbClr val="51A7F9"/>
-                            </a:solidFill>
-                            <a:latin typeface="Cambria Math" panose="02040503050406030204" pitchFamily="18" charset="0"/>
-                          </a:rPr>
-                        </m:ctrlPr>
-                        <m:type m:val="bar"/>
-                      </m:fPr>
-                      <m:num>
-                        <m:r>
-                          <m:rPr>
-                            <m:sty m:val="p"/>
-                          </m:rPr>
-                          <a:rPr xmlns:a="http://schemas.openxmlformats.org/drawingml/2006/main" sz="6100" i="1">
-                            <a:solidFill>
-                              <a:srgbClr val="51A7F9"/>
-                            </a:solidFill>
-                            <a:latin typeface="Cambria Math" panose="02040503050406030204" pitchFamily="18" charset="0"/>
-                          </a:rPr>
-                          <m:t>∂</m:t>
-                        </m:r>
-                        <m:r>
-                          <a:rPr xmlns:a="http://schemas.openxmlformats.org/drawingml/2006/main" sz="6100" i="1">
-                            <a:solidFill>
-                              <a:srgbClr val="51A7F9"/>
-                            </a:solidFill>
-                            <a:latin typeface="Cambria Math" panose="02040503050406030204" pitchFamily="18" charset="0"/>
-                          </a:rPr>
-                          <m:t>f</m:t>
-                        </m:r>
-                      </m:num>
-                      <m:den>
-                        <m:r>
-                          <m:rPr>
-                            <m:sty m:val="p"/>
-                          </m:rPr>
-                          <a:rPr xmlns:a="http://schemas.openxmlformats.org/drawingml/2006/main" sz="6100" i="1">
-                            <a:solidFill>
-                              <a:srgbClr val="51A7F9"/>
-                            </a:solidFill>
-                            <a:latin typeface="Cambria Math" panose="02040503050406030204" pitchFamily="18" charset="0"/>
-                          </a:rPr>
-                          <m:t>∂</m:t>
-                        </m:r>
-                        <m:sSub>
-                          <m:e>
-                            <m:r>
-                              <a:rPr xmlns:a="http://schemas.openxmlformats.org/drawingml/2006/main" sz="6100" i="1">
-                                <a:solidFill>
-                                  <a:srgbClr val="51A7F9"/>
-                                </a:solidFill>
-                                <a:latin typeface="Cambria Math" panose="02040503050406030204" pitchFamily="18" charset="0"/>
-                              </a:rPr>
-                              <m:t>p</m:t>
-                            </m:r>
-                          </m:e>
-                          <m:sub>
-                            <m:r>
-                              <a:rPr xmlns:a="http://schemas.openxmlformats.org/drawingml/2006/main" sz="6100" i="1">
-                                <a:solidFill>
-                                  <a:srgbClr val="51A7F9"/>
-                                </a:solidFill>
-                                <a:latin typeface="Cambria Math" panose="02040503050406030204" pitchFamily="18" charset="0"/>
-                              </a:rPr>
-                              <m:t>q</m:t>
-                            </m:r>
-                          </m:sub>
-                        </m:sSub>
-                      </m:den>
-                    </m:f>
-                  </m:e>
-                </m:d>
-              </m:oMath>
-            </a14:m>
-            <a:br/>
-            <a14:m>
-              <m:oMath>
-                <m:r>
-                  <a:rPr xmlns:a="http://schemas.openxmlformats.org/drawingml/2006/main" sz="6100" i="1">
-                    <a:solidFill>
-                      <a:srgbClr val="51A7F9"/>
-                    </a:solidFill>
-                    <a:latin typeface="Cambria Math" panose="02040503050406030204" pitchFamily="18" charset="0"/>
-                  </a:rPr>
-                  <m:t>=</m:t>
-                </m:r>
-                <m:r>
-                  <a:rPr xmlns:a="http://schemas.openxmlformats.org/drawingml/2006/main" sz="6100" i="1">
-                    <a:solidFill>
-                      <a:srgbClr val="51A7F9"/>
-                    </a:solidFill>
-                    <a:latin typeface="Cambria Math" panose="02040503050406030204" pitchFamily="18" charset="0"/>
-                  </a:rPr>
-                  <m:t>-</m:t>
-                </m:r>
-                <m:f>
-                  <m:fPr>
-                    <m:ctrlPr>
-                      <a:rPr xmlns:a="http://schemas.openxmlformats.org/drawingml/2006/main" sz="6100" i="1">
-                        <a:solidFill>
-                          <a:srgbClr val="51A7F9"/>
-                        </a:solidFill>
-                        <a:latin typeface="Cambria Math" panose="02040503050406030204" pitchFamily="18" charset="0"/>
-                      </a:rPr>
-                    </m:ctrlPr>
-                    <m:type m:val="bar"/>
-                  </m:fPr>
-                  <m:num>
-                    <m:r>
-                      <m:rPr>
-                        <m:sty m:val="p"/>
-                      </m:rPr>
-                      <a:rPr xmlns:a="http://schemas.openxmlformats.org/drawingml/2006/main" sz="6100" i="1">
-                        <a:solidFill>
-                          <a:srgbClr val="51A7F9"/>
-                        </a:solidFill>
-                        <a:latin typeface="Cambria Math" panose="02040503050406030204" pitchFamily="18" charset="0"/>
-                      </a:rPr>
-                      <m:t>ℏ</m:t>
-                    </m:r>
-                  </m:num>
-                  <m:den>
-                    <m:r>
-                      <a:rPr xmlns:a="http://schemas.openxmlformats.org/drawingml/2006/main" sz="6100" i="1">
-                        <a:solidFill>
-                          <a:srgbClr val="51A7F9"/>
-                        </a:solidFill>
-                        <a:latin typeface="Cambria Math" panose="02040503050406030204" pitchFamily="18" charset="0"/>
-                      </a:rPr>
-                      <m:t>i</m:t>
-                    </m:r>
-                  </m:den>
-                </m:f>
-                <m:f>
-                  <m:fPr>
-                    <m:ctrlPr>
-                      <a:rPr xmlns:a="http://schemas.openxmlformats.org/drawingml/2006/main" sz="6100" i="1">
-                        <a:solidFill>
-                          <a:srgbClr val="51A7F9"/>
-                        </a:solidFill>
-                        <a:latin typeface="Cambria Math" panose="02040503050406030204" pitchFamily="18" charset="0"/>
-                      </a:rPr>
-                    </m:ctrlPr>
-                    <m:type m:val="bar"/>
-                  </m:fPr>
-                  <m:num>
-                    <m:r>
-                      <m:rPr>
-                        <m:sty m:val="p"/>
-                      </m:rPr>
-                      <a:rPr xmlns:a="http://schemas.openxmlformats.org/drawingml/2006/main" sz="6100" i="1">
-                        <a:solidFill>
-                          <a:srgbClr val="51A7F9"/>
-                        </a:solidFill>
-                        <a:latin typeface="Cambria Math" panose="02040503050406030204" pitchFamily="18" charset="0"/>
-                      </a:rPr>
-                      <m:t>∂</m:t>
-                    </m:r>
-                    <m:sSub>
-                      <m:e>
-                        <m:r>
-                          <a:rPr xmlns:a="http://schemas.openxmlformats.org/drawingml/2006/main" sz="6100" i="1">
-                            <a:solidFill>
-                              <a:srgbClr val="51A7F9"/>
-                            </a:solidFill>
-                            <a:latin typeface="Cambria Math" panose="02040503050406030204" pitchFamily="18" charset="0"/>
-                          </a:rPr>
-                          <m:t>p</m:t>
-                        </m:r>
-                      </m:e>
-                      <m:sub>
-                        <m:sSup>
-                          <m:e>
-                            <m:r>
-                              <a:rPr xmlns:a="http://schemas.openxmlformats.org/drawingml/2006/main" sz="6100" i="1">
-                                <a:solidFill>
-                                  <a:srgbClr val="51A7F9"/>
-                                </a:solidFill>
-                                <a:latin typeface="Cambria Math" panose="02040503050406030204" pitchFamily="18" charset="0"/>
-                              </a:rPr>
-                              <m:t>q</m:t>
-                            </m:r>
-                          </m:e>
-                          <m:sup>
-                            <m:r>
-                              <a:rPr xmlns:a="http://schemas.openxmlformats.org/drawingml/2006/main" sz="6100" i="1">
-                                <a:solidFill>
-                                  <a:srgbClr val="51A7F9"/>
-                                </a:solidFill>
-                                <a:latin typeface="Cambria Math" panose="02040503050406030204" pitchFamily="18" charset="0"/>
-                              </a:rPr>
-                              <m:t>′</m:t>
-                            </m:r>
-                          </m:sup>
-                        </m:sSup>
-                      </m:sub>
-                    </m:sSub>
-                  </m:num>
-                  <m:den>
-                    <m:r>
-                      <m:rPr>
-                        <m:sty m:val="p"/>
-                      </m:rPr>
-                      <a:rPr xmlns:a="http://schemas.openxmlformats.org/drawingml/2006/main" sz="6100" i="1">
-                        <a:solidFill>
-                          <a:srgbClr val="51A7F9"/>
-                        </a:solidFill>
-                        <a:latin typeface="Cambria Math" panose="02040503050406030204" pitchFamily="18" charset="0"/>
-                      </a:rPr>
-                      <m:t>∂</m:t>
-                    </m:r>
-                    <m:sSub>
-                      <m:e>
-                        <m:r>
-                          <a:rPr xmlns:a="http://schemas.openxmlformats.org/drawingml/2006/main" sz="6100" i="1">
-                            <a:solidFill>
-                              <a:srgbClr val="51A7F9"/>
-                            </a:solidFill>
-                            <a:latin typeface="Cambria Math" panose="02040503050406030204" pitchFamily="18" charset="0"/>
-                          </a:rPr>
-                          <m:t>p</m:t>
-                        </m:r>
-                      </m:e>
-                      <m:sub>
-                        <m:r>
-                          <a:rPr xmlns:a="http://schemas.openxmlformats.org/drawingml/2006/main" sz="6100" i="1">
-                            <a:solidFill>
-                              <a:srgbClr val="51A7F9"/>
-                            </a:solidFill>
-                            <a:latin typeface="Cambria Math" panose="02040503050406030204" pitchFamily="18" charset="0"/>
-                          </a:rPr>
-                          <m:t>q</m:t>
-                        </m:r>
-                      </m:sub>
-                    </m:sSub>
-                  </m:den>
-                </m:f>
-                <m:r>
-                  <a:rPr xmlns:a="http://schemas.openxmlformats.org/drawingml/2006/main" sz="6100" i="1">
-                    <a:solidFill>
-                      <a:srgbClr val="51A7F9"/>
-                    </a:solidFill>
-                    <a:latin typeface="Cambria Math" panose="02040503050406030204" pitchFamily="18" charset="0"/>
-                  </a:rPr>
-                  <m:t>f</m:t>
-                </m:r>
-                <m:r>
-                  <a:rPr xmlns:a="http://schemas.openxmlformats.org/drawingml/2006/main" sz="6100" i="1">
-                    <a:solidFill>
-                      <a:srgbClr val="51A7F9"/>
-                    </a:solidFill>
-                    <a:latin typeface="Cambria Math" panose="02040503050406030204" pitchFamily="18" charset="0"/>
-                  </a:rPr>
-                  <m:t>=</m:t>
-                </m:r>
-                <m:r>
-                  <a:rPr xmlns:a="http://schemas.openxmlformats.org/drawingml/2006/main" sz="6100" i="1">
-                    <a:solidFill>
-                      <a:srgbClr val="51A7F9"/>
-                    </a:solidFill>
-                    <a:latin typeface="Cambria Math" panose="02040503050406030204" pitchFamily="18" charset="0"/>
-                  </a:rPr>
-                  <m:t>i</m:t>
-                </m:r>
-                <m:r>
-                  <m:rPr>
-                    <m:sty m:val="p"/>
-                  </m:rPr>
-                  <a:rPr xmlns:a="http://schemas.openxmlformats.org/drawingml/2006/main" sz="6100" i="1">
-                    <a:solidFill>
-                      <a:srgbClr val="51A7F9"/>
-                    </a:solidFill>
-                    <a:latin typeface="Cambria Math" panose="02040503050406030204" pitchFamily="18" charset="0"/>
-                  </a:rPr>
-                  <m:t>ℏ</m:t>
-                </m:r>
-                <m:sSub>
-                  <m:e>
-                    <m:r>
-                      <a:rPr xmlns:a="http://schemas.openxmlformats.org/drawingml/2006/main" sz="6100" i="1">
-                        <a:solidFill>
-                          <a:srgbClr val="51A7F9"/>
-                        </a:solidFill>
-                        <a:latin typeface="Cambria Math" panose="02040503050406030204" pitchFamily="18" charset="0"/>
-                      </a:rPr>
-                      <m:t>δ</m:t>
-                    </m:r>
-                  </m:e>
-                  <m:sub>
-                    <m:r>
-                      <a:rPr xmlns:a="http://schemas.openxmlformats.org/drawingml/2006/main" sz="6100" i="1">
-                        <a:solidFill>
-                          <a:srgbClr val="51A7F9"/>
-                        </a:solidFill>
-                        <a:latin typeface="Cambria Math" panose="02040503050406030204" pitchFamily="18" charset="0"/>
-                      </a:rPr>
-                      <m:t>q</m:t>
-                    </m:r>
-                    <m:sSup>
-                      <m:e>
-                        <m:r>
-                          <a:rPr xmlns:a="http://schemas.openxmlformats.org/drawingml/2006/main" sz="6100" i="1">
-                            <a:solidFill>
-                              <a:srgbClr val="51A7F9"/>
-                            </a:solidFill>
-                            <a:latin typeface="Cambria Math" panose="02040503050406030204" pitchFamily="18" charset="0"/>
-                          </a:rPr>
-                          <m:t>q</m:t>
-                        </m:r>
-                      </m:e>
-                      <m:sup>
-                        <m:r>
-                          <a:rPr xmlns:a="http://schemas.openxmlformats.org/drawingml/2006/main" sz="6100" i="1">
-                            <a:solidFill>
-                              <a:srgbClr val="51A7F9"/>
-                            </a:solidFill>
-                            <a:latin typeface="Cambria Math" panose="02040503050406030204" pitchFamily="18" charset="0"/>
-                          </a:rPr>
-                          <m:t>′</m:t>
-                        </m:r>
-                      </m:sup>
-                    </m:sSup>
-                  </m:sub>
-                </m:sSub>
-                <m:r>
-                  <a:rPr xmlns:a="http://schemas.openxmlformats.org/drawingml/2006/main" sz="6100" i="1">
-                    <a:solidFill>
-                      <a:srgbClr val="51A7F9"/>
-                    </a:solidFill>
-                    <a:latin typeface="Cambria Math" panose="02040503050406030204" pitchFamily="18" charset="0"/>
-                  </a:rPr>
-                  <m:t>f</m:t>
-                </m:r>
-              </m:oMath>
-            </a14:m>
-            <a:endParaRPr>
-              <a:solidFill>
-                <a:srgbClr val="51A7F9"/>
-              </a:solidFill>
-            </a:endParaRPr>
           </a:p>
         </p:txBody>
       </p:sp>
@@ -23504,54 +21419,6 @@
                                           <p:spTgt spid="208">
                                             <p:txEl>
                                               <p:pRg st="0" end="0"/>
-                                            </p:txEl>
-                                          </p:spTgt>
-                                        </p:tgtEl>
-                                        <p:attrNameLst>
-                                          <p:attrName>style.visibility</p:attrName>
-                                        </p:attrNameLst>
-                                      </p:cBhvr>
-                                      <p:to>
-                                        <p:strVal val="visible"/>
-                                      </p:to>
-                                    </p:set>
-                                  </p:childTnLst>
-                                </p:cTn>
-                              </p:par>
-                            </p:childTnLst>
-                          </p:cTn>
-                        </p:par>
-                      </p:childTnLst>
-                    </p:cTn>
-                  </p:par>
-                  <p:par>
-                    <p:cTn id="9" fill="hold">
-                      <p:stCondLst>
-                        <p:cond delay="indefinite"/>
-                      </p:stCondLst>
-                      <p:childTnLst>
-                        <p:par>
-                          <p:cTn id="10" fill="hold">
-                            <p:stCondLst>
-                              <p:cond delay="0"/>
-                            </p:stCondLst>
-                            <p:childTnLst>
-                              <p:par>
-                                <p:cTn id="11" presetClass="entr" nodeType="clickEffect" presetSubtype="0" presetID="1" grpId="1" fill="hold">
-                                  <p:stCondLst>
-                                    <p:cond delay="0"/>
-                                  </p:stCondLst>
-                                  <p:iterate type="el" backwards="0">
-                                    <p:tmAbs val="0"/>
-                                  </p:iterate>
-                                  <p:childTnLst>
-                                    <p:set>
-                                      <p:cBhvr>
-                                        <p:cTn id="12" fill="hold"/>
-                                        <p:tgtEl>
-                                          <p:spTgt spid="208">
-                                            <p:txEl>
-                                              <p:pRg st="1" end="1"/>
                                             </p:txEl>
                                           </p:spTgt>
                                         </p:tgtEl>
